--- a/Slides/20. Transformação de Gramáticas.pptx
+++ b/Slides/20. Transformação de Gramáticas.pptx
@@ -5,10 +5,10 @@
     <p:sldMasterId id="2147483648" r:id="rId4"/>
   </p:sldMasterIdLst>
   <p:notesMasterIdLst>
-    <p:notesMasterId r:id="rId29"/>
+    <p:notesMasterId r:id="rId32"/>
   </p:notesMasterIdLst>
   <p:handoutMasterIdLst>
-    <p:handoutMasterId r:id="rId30"/>
+    <p:handoutMasterId r:id="rId33"/>
   </p:handoutMasterIdLst>
   <p:sldIdLst>
     <p:sldId id="265" r:id="rId5"/>
@@ -33,13 +33,16 @@
     <p:sldId id="366" r:id="rId24"/>
     <p:sldId id="334" r:id="rId25"/>
     <p:sldId id="367" r:id="rId26"/>
-    <p:sldId id="368" r:id="rId27"/>
-    <p:sldId id="348" r:id="rId28"/>
+    <p:sldId id="371" r:id="rId27"/>
+    <p:sldId id="372" r:id="rId28"/>
+    <p:sldId id="373" r:id="rId29"/>
+    <p:sldId id="368" r:id="rId30"/>
+    <p:sldId id="348" r:id="rId31"/>
   </p:sldIdLst>
   <p:sldSz cx="12188825" cy="6858000"/>
   <p:notesSz cx="6858000" cy="9144000"/>
   <p:custDataLst>
-    <p:tags r:id="rId31"/>
+    <p:tags r:id="rId34"/>
   </p:custDataLst>
   <p:defaultTextStyle>
     <a:defPPr rtl="0">
@@ -161,7 +164,8 @@
 <file path=ppt/revisionInfo.xml><?xml version="1.0" encoding="utf-8"?>
 <p1510:revInfo xmlns:a="http://schemas.openxmlformats.org/drawingml/2006/main" xmlns:r="http://schemas.openxmlformats.org/officeDocument/2006/relationships" xmlns:p1510="http://schemas.microsoft.com/office/powerpoint/2015/10/main">
   <p1510:revLst>
-    <p1510:client id="{4047CBC8-BDE2-4AB1-9354-688B3EB3B6F3}" v="2" dt="2020-01-13T20:04:43.839"/>
+    <p1510:client id="{309A6D4B-CF8D-4068-869D-CE1C5744AE36}" v="1" dt="2021-05-10T23:00:01.532"/>
+    <p1510:client id="{C4F5286C-0C25-4CFB-949E-EDC76FDB6E37}" v="56" dt="2021-05-11T02:41:52.768"/>
   </p1510:revLst>
 </p1510:revInfo>
 </file>
@@ -169,7 +173,643 @@
 <file path=ppt/changesInfos/changesInfo1.xml><?xml version="1.0" encoding="utf-8"?>
 <pc:chgInfo xmlns:a="http://schemas.openxmlformats.org/drawingml/2006/main" xmlns:r="http://schemas.openxmlformats.org/officeDocument/2006/relationships" xmlns:ac="http://schemas.microsoft.com/office/drawing/2013/main/command" xmlns:pc="http://schemas.microsoft.com/office/powerpoint/2013/main/command">
   <pc:docChgLst>
-    <pc:chgData name="Judson Santiago" userId="ebb108da2f256286" providerId="LiveId" clId="{0D6DAC8B-F91A-458E-BC8E-325CE0D4CE6B}"/>
+    <pc:chgData name="Judson Santiago" userId="ebb108da2f256286" providerId="LiveId" clId="{309A6D4B-CF8D-4068-869D-CE1C5744AE36}"/>
+    <pc:docChg chg="undo custSel addSld modSld">
+      <pc:chgData name="Judson Santiago" userId="ebb108da2f256286" providerId="LiveId" clId="{309A6D4B-CF8D-4068-869D-CE1C5744AE36}" dt="2021-05-10T23:00:37.596" v="459" actId="1035"/>
+      <pc:docMkLst>
+        <pc:docMk/>
+      </pc:docMkLst>
+      <pc:sldChg chg="modSp mod">
+        <pc:chgData name="Judson Santiago" userId="ebb108da2f256286" providerId="LiveId" clId="{309A6D4B-CF8D-4068-869D-CE1C5744AE36}" dt="2021-05-10T21:49:19.772" v="86" actId="20577"/>
+        <pc:sldMkLst>
+          <pc:docMk/>
+          <pc:sldMk cId="1444311476" sldId="334"/>
+        </pc:sldMkLst>
+        <pc:spChg chg="mod">
+          <ac:chgData name="Judson Santiago" userId="ebb108da2f256286" providerId="LiveId" clId="{309A6D4B-CF8D-4068-869D-CE1C5744AE36}" dt="2021-05-10T21:49:19.772" v="86" actId="20577"/>
+          <ac:spMkLst>
+            <pc:docMk/>
+            <pc:sldMk cId="1444311476" sldId="334"/>
+            <ac:spMk id="3" creationId="{F0EFF5CD-876E-4AF5-A4A7-9BE97BB8A003}"/>
+          </ac:spMkLst>
+        </pc:spChg>
+      </pc:sldChg>
+      <pc:sldChg chg="modSp mod">
+        <pc:chgData name="Judson Santiago" userId="ebb108da2f256286" providerId="LiveId" clId="{309A6D4B-CF8D-4068-869D-CE1C5744AE36}" dt="2021-05-10T22:38:01.189" v="187" actId="20577"/>
+        <pc:sldMkLst>
+          <pc:docMk/>
+          <pc:sldMk cId="1671264224" sldId="348"/>
+        </pc:sldMkLst>
+        <pc:spChg chg="mod">
+          <ac:chgData name="Judson Santiago" userId="ebb108da2f256286" providerId="LiveId" clId="{309A6D4B-CF8D-4068-869D-CE1C5744AE36}" dt="2021-05-10T22:38:01.189" v="187" actId="20577"/>
+          <ac:spMkLst>
+            <pc:docMk/>
+            <pc:sldMk cId="1671264224" sldId="348"/>
+            <ac:spMk id="3" creationId="{AF222C2D-4CA9-4238-A433-62D81D7CD619}"/>
+          </ac:spMkLst>
+        </pc:spChg>
+      </pc:sldChg>
+      <pc:sldChg chg="modSp mod modNotesTx">
+        <pc:chgData name="Judson Santiago" userId="ebb108da2f256286" providerId="LiveId" clId="{309A6D4B-CF8D-4068-869D-CE1C5744AE36}" dt="2021-05-10T21:42:03.907" v="85" actId="20577"/>
+        <pc:sldMkLst>
+          <pc:docMk/>
+          <pc:sldMk cId="324684306" sldId="362"/>
+        </pc:sldMkLst>
+        <pc:spChg chg="mod">
+          <ac:chgData name="Judson Santiago" userId="ebb108da2f256286" providerId="LiveId" clId="{309A6D4B-CF8D-4068-869D-CE1C5744AE36}" dt="2021-05-10T21:42:03.907" v="85" actId="20577"/>
+          <ac:spMkLst>
+            <pc:docMk/>
+            <pc:sldMk cId="324684306" sldId="362"/>
+            <ac:spMk id="9" creationId="{D51173A7-47E2-4008-AC67-584460DD8CA3}"/>
+          </ac:spMkLst>
+        </pc:spChg>
+      </pc:sldChg>
+      <pc:sldChg chg="modNotesTx">
+        <pc:chgData name="Judson Santiago" userId="ebb108da2f256286" providerId="LiveId" clId="{309A6D4B-CF8D-4068-869D-CE1C5744AE36}" dt="2021-05-10T21:37:52.827" v="83" actId="20577"/>
+        <pc:sldMkLst>
+          <pc:docMk/>
+          <pc:sldMk cId="2668861061" sldId="364"/>
+        </pc:sldMkLst>
+      </pc:sldChg>
+      <pc:sldChg chg="addSp modSp mod">
+        <pc:chgData name="Judson Santiago" userId="ebb108da2f256286" providerId="LiveId" clId="{309A6D4B-CF8D-4068-869D-CE1C5744AE36}" dt="2021-05-10T22:59:20.916" v="441" actId="171"/>
+        <pc:sldMkLst>
+          <pc:docMk/>
+          <pc:sldMk cId="188254039" sldId="367"/>
+        </pc:sldMkLst>
+        <pc:spChg chg="mod">
+          <ac:chgData name="Judson Santiago" userId="ebb108da2f256286" providerId="LiveId" clId="{309A6D4B-CF8D-4068-869D-CE1C5744AE36}" dt="2021-05-10T21:54:59.266" v="94" actId="20577"/>
+          <ac:spMkLst>
+            <pc:docMk/>
+            <pc:sldMk cId="188254039" sldId="367"/>
+            <ac:spMk id="3" creationId="{970C7A0B-D9A9-4C47-ABCF-E5B3D9A7A5F3}"/>
+          </ac:spMkLst>
+        </pc:spChg>
+        <pc:spChg chg="add mod ord">
+          <ac:chgData name="Judson Santiago" userId="ebb108da2f256286" providerId="LiveId" clId="{309A6D4B-CF8D-4068-869D-CE1C5744AE36}" dt="2021-05-10T22:59:20.916" v="441" actId="171"/>
+          <ac:spMkLst>
+            <pc:docMk/>
+            <pc:sldMk cId="188254039" sldId="367"/>
+            <ac:spMk id="5" creationId="{FACCF5AA-437C-4710-B788-0046A78429EB}"/>
+          </ac:spMkLst>
+        </pc:spChg>
+        <pc:graphicFrameChg chg="mod modGraphic">
+          <ac:chgData name="Judson Santiago" userId="ebb108da2f256286" providerId="LiveId" clId="{309A6D4B-CF8D-4068-869D-CE1C5744AE36}" dt="2021-05-10T21:55:20.686" v="96" actId="1076"/>
+          <ac:graphicFrameMkLst>
+            <pc:docMk/>
+            <pc:sldMk cId="188254039" sldId="367"/>
+            <ac:graphicFrameMk id="4" creationId="{89D57958-02ED-4CE1-BC00-9225132A9164}"/>
+          </ac:graphicFrameMkLst>
+        </pc:graphicFrameChg>
+      </pc:sldChg>
+      <pc:sldChg chg="addSp modSp add mod modNotesTx">
+        <pc:chgData name="Judson Santiago" userId="ebb108da2f256286" providerId="LiveId" clId="{309A6D4B-CF8D-4068-869D-CE1C5744AE36}" dt="2021-05-10T23:00:37.596" v="459" actId="1035"/>
+        <pc:sldMkLst>
+          <pc:docMk/>
+          <pc:sldMk cId="1159613474" sldId="370"/>
+        </pc:sldMkLst>
+        <pc:spChg chg="mod">
+          <ac:chgData name="Judson Santiago" userId="ebb108da2f256286" providerId="LiveId" clId="{309A6D4B-CF8D-4068-869D-CE1C5744AE36}" dt="2021-05-10T22:50:13.280" v="334" actId="20577"/>
+          <ac:spMkLst>
+            <pc:docMk/>
+            <pc:sldMk cId="1159613474" sldId="370"/>
+            <ac:spMk id="2" creationId="{2CE602B3-4048-4862-9011-351EC89797C4}"/>
+          </ac:spMkLst>
+        </pc:spChg>
+        <pc:spChg chg="mod">
+          <ac:chgData name="Judson Santiago" userId="ebb108da2f256286" providerId="LiveId" clId="{309A6D4B-CF8D-4068-869D-CE1C5744AE36}" dt="2021-05-10T22:42:27.057" v="311" actId="20577"/>
+          <ac:spMkLst>
+            <pc:docMk/>
+            <pc:sldMk cId="1159613474" sldId="370"/>
+            <ac:spMk id="3" creationId="{970C7A0B-D9A9-4C47-ABCF-E5B3D9A7A5F3}"/>
+          </ac:spMkLst>
+        </pc:spChg>
+        <pc:spChg chg="add mod">
+          <ac:chgData name="Judson Santiago" userId="ebb108da2f256286" providerId="LiveId" clId="{309A6D4B-CF8D-4068-869D-CE1C5744AE36}" dt="2021-05-10T22:58:38.261" v="437" actId="114"/>
+          <ac:spMkLst>
+            <pc:docMk/>
+            <pc:sldMk cId="1159613474" sldId="370"/>
+            <ac:spMk id="6" creationId="{2AF73B4A-F4D4-4B28-9B3F-2095FE1859BA}"/>
+          </ac:spMkLst>
+        </pc:spChg>
+        <pc:spChg chg="add mod ord">
+          <ac:chgData name="Judson Santiago" userId="ebb108da2f256286" providerId="LiveId" clId="{309A6D4B-CF8D-4068-869D-CE1C5744AE36}" dt="2021-05-10T23:00:37.596" v="459" actId="1035"/>
+          <ac:spMkLst>
+            <pc:docMk/>
+            <pc:sldMk cId="1159613474" sldId="370"/>
+            <ac:spMk id="7" creationId="{FA9D1F98-7F71-4B29-BBCF-00DFF161B044}"/>
+          </ac:spMkLst>
+        </pc:spChg>
+        <pc:graphicFrameChg chg="mod">
+          <ac:chgData name="Judson Santiago" userId="ebb108da2f256286" providerId="LiveId" clId="{309A6D4B-CF8D-4068-869D-CE1C5744AE36}" dt="2021-05-10T23:00:37.596" v="459" actId="1035"/>
+          <ac:graphicFrameMkLst>
+            <pc:docMk/>
+            <pc:sldMk cId="1159613474" sldId="370"/>
+            <ac:graphicFrameMk id="4" creationId="{89D57958-02ED-4CE1-BC00-9225132A9164}"/>
+          </ac:graphicFrameMkLst>
+        </pc:graphicFrameChg>
+      </pc:sldChg>
+    </pc:docChg>
+  </pc:docChgLst>
+  <pc:docChgLst>
+    <pc:chgData name="Judson Santiago" userId="ebb108da2f256286" providerId="LiveId" clId="{C4F5286C-0C25-4CFB-949E-EDC76FDB6E37}"/>
+    <pc:docChg chg="undo redo custSel addSld delSld modSld sldOrd">
+      <pc:chgData name="Judson Santiago" userId="ebb108da2f256286" providerId="LiveId" clId="{C4F5286C-0C25-4CFB-949E-EDC76FDB6E37}" dt="2021-05-11T03:09:09.996" v="991" actId="20577"/>
+      <pc:docMkLst>
+        <pc:docMk/>
+      </pc:docMkLst>
+      <pc:sldChg chg="modNotesTx">
+        <pc:chgData name="Judson Santiago" userId="ebb108da2f256286" providerId="LiveId" clId="{C4F5286C-0C25-4CFB-949E-EDC76FDB6E37}" dt="2021-05-10T18:15:27.043" v="42" actId="20577"/>
+        <pc:sldMkLst>
+          <pc:docMk/>
+          <pc:sldMk cId="2808920126" sldId="265"/>
+        </pc:sldMkLst>
+      </pc:sldChg>
+      <pc:sldChg chg="modSp mod">
+        <pc:chgData name="Judson Santiago" userId="ebb108da2f256286" providerId="LiveId" clId="{C4F5286C-0C25-4CFB-949E-EDC76FDB6E37}" dt="2021-05-11T03:05:28.933" v="902" actId="20577"/>
+        <pc:sldMkLst>
+          <pc:docMk/>
+          <pc:sldMk cId="1444311476" sldId="334"/>
+        </pc:sldMkLst>
+        <pc:spChg chg="mod">
+          <ac:chgData name="Judson Santiago" userId="ebb108da2f256286" providerId="LiveId" clId="{C4F5286C-0C25-4CFB-949E-EDC76FDB6E37}" dt="2021-05-11T03:05:28.933" v="902" actId="20577"/>
+          <ac:spMkLst>
+            <pc:docMk/>
+            <pc:sldMk cId="1444311476" sldId="334"/>
+            <ac:spMk id="3" creationId="{F0EFF5CD-876E-4AF5-A4A7-9BE97BB8A003}"/>
+          </ac:spMkLst>
+        </pc:spChg>
+      </pc:sldChg>
+      <pc:sldChg chg="modNotesTx">
+        <pc:chgData name="Judson Santiago" userId="ebb108da2f256286" providerId="LiveId" clId="{C4F5286C-0C25-4CFB-949E-EDC76FDB6E37}" dt="2021-05-10T18:22:34.392" v="275" actId="20577"/>
+        <pc:sldMkLst>
+          <pc:docMk/>
+          <pc:sldMk cId="110632404" sldId="352"/>
+        </pc:sldMkLst>
+      </pc:sldChg>
+      <pc:sldChg chg="modSp mod">
+        <pc:chgData name="Judson Santiago" userId="ebb108da2f256286" providerId="LiveId" clId="{C4F5286C-0C25-4CFB-949E-EDC76FDB6E37}" dt="2021-05-10T18:23:47.806" v="278" actId="20577"/>
+        <pc:sldMkLst>
+          <pc:docMk/>
+          <pc:sldMk cId="2478405589" sldId="353"/>
+        </pc:sldMkLst>
+        <pc:spChg chg="mod">
+          <ac:chgData name="Judson Santiago" userId="ebb108da2f256286" providerId="LiveId" clId="{C4F5286C-0C25-4CFB-949E-EDC76FDB6E37}" dt="2021-05-10T18:23:47.806" v="278" actId="20577"/>
+          <ac:spMkLst>
+            <pc:docMk/>
+            <pc:sldMk cId="2478405589" sldId="353"/>
+            <ac:spMk id="3" creationId="{A2AD00F6-898F-429F-B2B7-BA002097DE1E}"/>
+          </ac:spMkLst>
+        </pc:spChg>
+      </pc:sldChg>
+      <pc:sldChg chg="modSp mod">
+        <pc:chgData name="Judson Santiago" userId="ebb108da2f256286" providerId="LiveId" clId="{C4F5286C-0C25-4CFB-949E-EDC76FDB6E37}" dt="2021-05-10T18:36:54.669" v="281" actId="207"/>
+        <pc:sldMkLst>
+          <pc:docMk/>
+          <pc:sldMk cId="2678398810" sldId="355"/>
+        </pc:sldMkLst>
+        <pc:spChg chg="mod">
+          <ac:chgData name="Judson Santiago" userId="ebb108da2f256286" providerId="LiveId" clId="{C4F5286C-0C25-4CFB-949E-EDC76FDB6E37}" dt="2021-05-10T18:36:54.669" v="281" actId="207"/>
+          <ac:spMkLst>
+            <pc:docMk/>
+            <pc:sldMk cId="2678398810" sldId="355"/>
+            <ac:spMk id="3" creationId="{A63CF578-6B35-4D0B-86D3-740EBC6038F5}"/>
+          </ac:spMkLst>
+        </pc:spChg>
+      </pc:sldChg>
+      <pc:sldChg chg="modSp mod">
+        <pc:chgData name="Judson Santiago" userId="ebb108da2f256286" providerId="LiveId" clId="{C4F5286C-0C25-4CFB-949E-EDC76FDB6E37}" dt="2021-05-10T19:54:20.395" v="300" actId="113"/>
+        <pc:sldMkLst>
+          <pc:docMk/>
+          <pc:sldMk cId="554436553" sldId="358"/>
+        </pc:sldMkLst>
+        <pc:spChg chg="mod">
+          <ac:chgData name="Judson Santiago" userId="ebb108da2f256286" providerId="LiveId" clId="{C4F5286C-0C25-4CFB-949E-EDC76FDB6E37}" dt="2021-05-10T19:51:04.833" v="282" actId="20577"/>
+          <ac:spMkLst>
+            <pc:docMk/>
+            <pc:sldMk cId="554436553" sldId="358"/>
+            <ac:spMk id="2" creationId="{9D6467F7-A4AF-4E11-BA82-1E700A9B3792}"/>
+          </ac:spMkLst>
+        </pc:spChg>
+        <pc:spChg chg="mod">
+          <ac:chgData name="Judson Santiago" userId="ebb108da2f256286" providerId="LiveId" clId="{C4F5286C-0C25-4CFB-949E-EDC76FDB6E37}" dt="2021-05-10T19:54:20.395" v="300" actId="113"/>
+          <ac:spMkLst>
+            <pc:docMk/>
+            <pc:sldMk cId="554436553" sldId="358"/>
+            <ac:spMk id="3" creationId="{07CFBABA-9E4C-40E4-80F9-96169370CB89}"/>
+          </ac:spMkLst>
+        </pc:spChg>
+        <pc:grpChg chg="mod">
+          <ac:chgData name="Judson Santiago" userId="ebb108da2f256286" providerId="LiveId" clId="{C4F5286C-0C25-4CFB-949E-EDC76FDB6E37}" dt="2021-05-10T19:52:59.899" v="293" actId="1076"/>
+          <ac:grpSpMkLst>
+            <pc:docMk/>
+            <pc:sldMk cId="554436553" sldId="358"/>
+            <ac:grpSpMk id="6" creationId="{639B4E43-A2C5-4016-8B2E-4AD75C41C9AB}"/>
+          </ac:grpSpMkLst>
+        </pc:grpChg>
+        <pc:graphicFrameChg chg="mod">
+          <ac:chgData name="Judson Santiago" userId="ebb108da2f256286" providerId="LiveId" clId="{C4F5286C-0C25-4CFB-949E-EDC76FDB6E37}" dt="2021-05-10T19:53:57.130" v="297" actId="1038"/>
+          <ac:graphicFrameMkLst>
+            <pc:docMk/>
+            <pc:sldMk cId="554436553" sldId="358"/>
+            <ac:graphicFrameMk id="7" creationId="{8B96580A-AF58-4EA8-A987-B2231F1E99E0}"/>
+          </ac:graphicFrameMkLst>
+        </pc:graphicFrameChg>
+      </pc:sldChg>
+      <pc:sldChg chg="modSp mod">
+        <pc:chgData name="Judson Santiago" userId="ebb108da2f256286" providerId="LiveId" clId="{C4F5286C-0C25-4CFB-949E-EDC76FDB6E37}" dt="2021-05-10T19:55:26.157" v="308" actId="20577"/>
+        <pc:sldMkLst>
+          <pc:docMk/>
+          <pc:sldMk cId="1318500" sldId="359"/>
+        </pc:sldMkLst>
+        <pc:spChg chg="mod">
+          <ac:chgData name="Judson Santiago" userId="ebb108da2f256286" providerId="LiveId" clId="{C4F5286C-0C25-4CFB-949E-EDC76FDB6E37}" dt="2021-05-10T19:51:09.088" v="283" actId="20577"/>
+          <ac:spMkLst>
+            <pc:docMk/>
+            <pc:sldMk cId="1318500" sldId="359"/>
+            <ac:spMk id="2" creationId="{59D63092-FBB1-465D-9F6E-960F507CE86B}"/>
+          </ac:spMkLst>
+        </pc:spChg>
+        <pc:spChg chg="mod">
+          <ac:chgData name="Judson Santiago" userId="ebb108da2f256286" providerId="LiveId" clId="{C4F5286C-0C25-4CFB-949E-EDC76FDB6E37}" dt="2021-05-10T19:55:26.157" v="308" actId="20577"/>
+          <ac:spMkLst>
+            <pc:docMk/>
+            <pc:sldMk cId="1318500" sldId="359"/>
+            <ac:spMk id="3" creationId="{37995AEE-1713-487D-9360-67CEF2307928}"/>
+          </ac:spMkLst>
+        </pc:spChg>
+      </pc:sldChg>
+      <pc:sldChg chg="modSp mod modNotesTx">
+        <pc:chgData name="Judson Santiago" userId="ebb108da2f256286" providerId="LiveId" clId="{C4F5286C-0C25-4CFB-949E-EDC76FDB6E37}" dt="2021-05-10T20:14:47.966" v="510" actId="2711"/>
+        <pc:sldMkLst>
+          <pc:docMk/>
+          <pc:sldMk cId="4255365273" sldId="360"/>
+        </pc:sldMkLst>
+        <pc:spChg chg="mod">
+          <ac:chgData name="Judson Santiago" userId="ebb108da2f256286" providerId="LiveId" clId="{C4F5286C-0C25-4CFB-949E-EDC76FDB6E37}" dt="2021-05-10T19:51:13.040" v="284" actId="20577"/>
+          <ac:spMkLst>
+            <pc:docMk/>
+            <pc:sldMk cId="4255365273" sldId="360"/>
+            <ac:spMk id="2" creationId="{73173FF6-56B1-44DD-B952-976D3D9AAF27}"/>
+          </ac:spMkLst>
+        </pc:spChg>
+        <pc:spChg chg="mod">
+          <ac:chgData name="Judson Santiago" userId="ebb108da2f256286" providerId="LiveId" clId="{C4F5286C-0C25-4CFB-949E-EDC76FDB6E37}" dt="2021-05-10T20:06:26.809" v="340" actId="2711"/>
+          <ac:spMkLst>
+            <pc:docMk/>
+            <pc:sldMk cId="4255365273" sldId="360"/>
+            <ac:spMk id="3" creationId="{284192B9-C631-4F38-83DE-FD7264EB0E9F}"/>
+          </ac:spMkLst>
+        </pc:spChg>
+        <pc:spChg chg="mod">
+          <ac:chgData name="Judson Santiago" userId="ebb108da2f256286" providerId="LiveId" clId="{C4F5286C-0C25-4CFB-949E-EDC76FDB6E37}" dt="2021-05-10T20:03:01.585" v="338" actId="207"/>
+          <ac:spMkLst>
+            <pc:docMk/>
+            <pc:sldMk cId="4255365273" sldId="360"/>
+            <ac:spMk id="4" creationId="{4C7048E6-0723-40E4-8876-397C3ABF274A}"/>
+          </ac:spMkLst>
+        </pc:spChg>
+        <pc:spChg chg="mod">
+          <ac:chgData name="Judson Santiago" userId="ebb108da2f256286" providerId="LiveId" clId="{C4F5286C-0C25-4CFB-949E-EDC76FDB6E37}" dt="2021-05-10T20:02:53.524" v="335" actId="207"/>
+          <ac:spMkLst>
+            <pc:docMk/>
+            <pc:sldMk cId="4255365273" sldId="360"/>
+            <ac:spMk id="6" creationId="{80BB0740-8FFA-4DEB-9793-0231AE5A168B}"/>
+          </ac:spMkLst>
+        </pc:spChg>
+      </pc:sldChg>
+      <pc:sldChg chg="modSp mod modNotesTx">
+        <pc:chgData name="Judson Santiago" userId="ebb108da2f256286" providerId="LiveId" clId="{C4F5286C-0C25-4CFB-949E-EDC76FDB6E37}" dt="2021-05-10T20:14:13.970" v="507" actId="20577"/>
+        <pc:sldMkLst>
+          <pc:docMk/>
+          <pc:sldMk cId="4068182789" sldId="361"/>
+        </pc:sldMkLst>
+        <pc:spChg chg="mod">
+          <ac:chgData name="Judson Santiago" userId="ebb108da2f256286" providerId="LiveId" clId="{C4F5286C-0C25-4CFB-949E-EDC76FDB6E37}" dt="2021-05-10T19:51:21.280" v="286" actId="20577"/>
+          <ac:spMkLst>
+            <pc:docMk/>
+            <pc:sldMk cId="4068182789" sldId="361"/>
+            <ac:spMk id="2" creationId="{DA49B39C-A18E-43E8-A27B-667C7C2680F3}"/>
+          </ac:spMkLst>
+        </pc:spChg>
+        <pc:spChg chg="mod">
+          <ac:chgData name="Judson Santiago" userId="ebb108da2f256286" providerId="LiveId" clId="{C4F5286C-0C25-4CFB-949E-EDC76FDB6E37}" dt="2021-05-10T20:12:53.558" v="493" actId="20577"/>
+          <ac:spMkLst>
+            <pc:docMk/>
+            <pc:sldMk cId="4068182789" sldId="361"/>
+            <ac:spMk id="3" creationId="{2BEFEC7D-2FF0-45F9-AAF0-7B1E69E007AA}"/>
+          </ac:spMkLst>
+        </pc:spChg>
+      </pc:sldChg>
+      <pc:sldChg chg="modSp mod modNotesTx">
+        <pc:chgData name="Judson Santiago" userId="ebb108da2f256286" providerId="LiveId" clId="{C4F5286C-0C25-4CFB-949E-EDC76FDB6E37}" dt="2021-05-11T03:09:09.996" v="991" actId="20577"/>
+        <pc:sldMkLst>
+          <pc:docMk/>
+          <pc:sldMk cId="324684306" sldId="362"/>
+        </pc:sldMkLst>
+        <pc:spChg chg="mod">
+          <ac:chgData name="Judson Santiago" userId="ebb108da2f256286" providerId="LiveId" clId="{C4F5286C-0C25-4CFB-949E-EDC76FDB6E37}" dt="2021-05-10T19:51:25.192" v="287" actId="20577"/>
+          <ac:spMkLst>
+            <pc:docMk/>
+            <pc:sldMk cId="324684306" sldId="362"/>
+            <ac:spMk id="2" creationId="{4838FE2B-4B6F-4D11-9BB9-DCCE86F28A79}"/>
+          </ac:spMkLst>
+        </pc:spChg>
+      </pc:sldChg>
+      <pc:sldChg chg="modSp mod">
+        <pc:chgData name="Judson Santiago" userId="ebb108da2f256286" providerId="LiveId" clId="{C4F5286C-0C25-4CFB-949E-EDC76FDB6E37}" dt="2021-05-10T19:51:17.224" v="285" actId="20577"/>
+        <pc:sldMkLst>
+          <pc:docMk/>
+          <pc:sldMk cId="450814633" sldId="363"/>
+        </pc:sldMkLst>
+        <pc:spChg chg="mod">
+          <ac:chgData name="Judson Santiago" userId="ebb108da2f256286" providerId="LiveId" clId="{C4F5286C-0C25-4CFB-949E-EDC76FDB6E37}" dt="2021-05-10T19:51:17.224" v="285" actId="20577"/>
+          <ac:spMkLst>
+            <pc:docMk/>
+            <pc:sldMk cId="450814633" sldId="363"/>
+            <ac:spMk id="2" creationId="{69B057AE-DA7B-42A6-8A44-8C529F27120D}"/>
+          </ac:spMkLst>
+        </pc:spChg>
+      </pc:sldChg>
+      <pc:sldChg chg="modSp mod">
+        <pc:chgData name="Judson Santiago" userId="ebb108da2f256286" providerId="LiveId" clId="{C4F5286C-0C25-4CFB-949E-EDC76FDB6E37}" dt="2021-05-10T19:51:30.008" v="288" actId="20577"/>
+        <pc:sldMkLst>
+          <pc:docMk/>
+          <pc:sldMk cId="2668861061" sldId="364"/>
+        </pc:sldMkLst>
+        <pc:spChg chg="mod">
+          <ac:chgData name="Judson Santiago" userId="ebb108da2f256286" providerId="LiveId" clId="{C4F5286C-0C25-4CFB-949E-EDC76FDB6E37}" dt="2021-05-10T19:51:30.008" v="288" actId="20577"/>
+          <ac:spMkLst>
+            <pc:docMk/>
+            <pc:sldMk cId="2668861061" sldId="364"/>
+            <ac:spMk id="2" creationId="{28E47C4D-07AF-428C-8E85-4720001B0819}"/>
+          </ac:spMkLst>
+        </pc:spChg>
+      </pc:sldChg>
+      <pc:sldChg chg="modSp mod">
+        <pc:chgData name="Judson Santiago" userId="ebb108da2f256286" providerId="LiveId" clId="{C4F5286C-0C25-4CFB-949E-EDC76FDB6E37}" dt="2021-05-11T02:56:30.291" v="830"/>
+        <pc:sldMkLst>
+          <pc:docMk/>
+          <pc:sldMk cId="177810193" sldId="365"/>
+        </pc:sldMkLst>
+        <pc:spChg chg="mod">
+          <ac:chgData name="Judson Santiago" userId="ebb108da2f256286" providerId="LiveId" clId="{C4F5286C-0C25-4CFB-949E-EDC76FDB6E37}" dt="2021-05-11T02:56:30.291" v="830"/>
+          <ac:spMkLst>
+            <pc:docMk/>
+            <pc:sldMk cId="177810193" sldId="365"/>
+            <ac:spMk id="2" creationId="{B266E871-4E49-4DD3-8302-D30E03E9C842}"/>
+          </ac:spMkLst>
+        </pc:spChg>
+      </pc:sldChg>
+      <pc:sldChg chg="addSp delSp modSp mod addAnim delAnim modAnim modNotesTx">
+        <pc:chgData name="Judson Santiago" userId="ebb108da2f256286" providerId="LiveId" clId="{C4F5286C-0C25-4CFB-949E-EDC76FDB6E37}" dt="2021-05-11T02:34:19.107" v="761" actId="20577"/>
+        <pc:sldMkLst>
+          <pc:docMk/>
+          <pc:sldMk cId="188254039" sldId="367"/>
+        </pc:sldMkLst>
+        <pc:spChg chg="mod">
+          <ac:chgData name="Judson Santiago" userId="ebb108da2f256286" providerId="LiveId" clId="{C4F5286C-0C25-4CFB-949E-EDC76FDB6E37}" dt="2021-05-11T02:07:55.907" v="528" actId="6549"/>
+          <ac:spMkLst>
+            <pc:docMk/>
+            <pc:sldMk cId="188254039" sldId="367"/>
+            <ac:spMk id="3" creationId="{970C7A0B-D9A9-4C47-ABCF-E5B3D9A7A5F3}"/>
+          </ac:spMkLst>
+        </pc:spChg>
+        <pc:spChg chg="mod">
+          <ac:chgData name="Judson Santiago" userId="ebb108da2f256286" providerId="LiveId" clId="{C4F5286C-0C25-4CFB-949E-EDC76FDB6E37}" dt="2021-05-11T02:22:03.111" v="680" actId="14100"/>
+          <ac:spMkLst>
+            <pc:docMk/>
+            <pc:sldMk cId="188254039" sldId="367"/>
+            <ac:spMk id="5" creationId="{FACCF5AA-437C-4710-B788-0046A78429EB}"/>
+          </ac:spMkLst>
+        </pc:spChg>
+        <pc:graphicFrameChg chg="del mod">
+          <ac:chgData name="Judson Santiago" userId="ebb108da2f256286" providerId="LiveId" clId="{C4F5286C-0C25-4CFB-949E-EDC76FDB6E37}" dt="2021-05-11T02:09:35.015" v="534" actId="478"/>
+          <ac:graphicFrameMkLst>
+            <pc:docMk/>
+            <pc:sldMk cId="188254039" sldId="367"/>
+            <ac:graphicFrameMk id="4" creationId="{89D57958-02ED-4CE1-BC00-9225132A9164}"/>
+          </ac:graphicFrameMkLst>
+        </pc:graphicFrameChg>
+        <pc:graphicFrameChg chg="add mod modGraphic">
+          <ac:chgData name="Judson Santiago" userId="ebb108da2f256286" providerId="LiveId" clId="{C4F5286C-0C25-4CFB-949E-EDC76FDB6E37}" dt="2021-05-11T02:16:03.397" v="652" actId="114"/>
+          <ac:graphicFrameMkLst>
+            <pc:docMk/>
+            <pc:sldMk cId="188254039" sldId="367"/>
+            <ac:graphicFrameMk id="6" creationId="{01E21F27-2B98-4F3D-8357-512C293C4205}"/>
+          </ac:graphicFrameMkLst>
+        </pc:graphicFrameChg>
+        <pc:graphicFrameChg chg="add mod modGraphic">
+          <ac:chgData name="Judson Santiago" userId="ebb108da2f256286" providerId="LiveId" clId="{C4F5286C-0C25-4CFB-949E-EDC76FDB6E37}" dt="2021-05-11T02:34:19.107" v="761" actId="20577"/>
+          <ac:graphicFrameMkLst>
+            <pc:docMk/>
+            <pc:sldMk cId="188254039" sldId="367"/>
+            <ac:graphicFrameMk id="7" creationId="{90C1C7D4-C653-4C73-8D0D-639A920902B4}"/>
+          </ac:graphicFrameMkLst>
+        </pc:graphicFrameChg>
+        <pc:graphicFrameChg chg="add mod modGraphic">
+          <ac:chgData name="Judson Santiago" userId="ebb108da2f256286" providerId="LiveId" clId="{C4F5286C-0C25-4CFB-949E-EDC76FDB6E37}" dt="2021-05-11T02:34:14.039" v="760" actId="14734"/>
+          <ac:graphicFrameMkLst>
+            <pc:docMk/>
+            <pc:sldMk cId="188254039" sldId="367"/>
+            <ac:graphicFrameMk id="8" creationId="{BF204FA0-439E-4DFB-A4E8-5E3A04088E82}"/>
+          </ac:graphicFrameMkLst>
+        </pc:graphicFrameChg>
+      </pc:sldChg>
+      <pc:sldChg chg="modSp mod modNotesTx">
+        <pc:chgData name="Judson Santiago" userId="ebb108da2f256286" providerId="LiveId" clId="{C4F5286C-0C25-4CFB-949E-EDC76FDB6E37}" dt="2021-05-11T02:38:36.221" v="790" actId="20577"/>
+        <pc:sldMkLst>
+          <pc:docMk/>
+          <pc:sldMk cId="3267812505" sldId="368"/>
+        </pc:sldMkLst>
+        <pc:spChg chg="mod">
+          <ac:chgData name="Judson Santiago" userId="ebb108da2f256286" providerId="LiveId" clId="{C4F5286C-0C25-4CFB-949E-EDC76FDB6E37}" dt="2021-05-11T02:07:32.687" v="513" actId="11"/>
+          <ac:spMkLst>
+            <pc:docMk/>
+            <pc:sldMk cId="3267812505" sldId="368"/>
+            <ac:spMk id="3" creationId="{8E0C3B1C-5853-420E-B44C-373277F89564}"/>
+          </ac:spMkLst>
+        </pc:spChg>
+      </pc:sldChg>
+      <pc:sldChg chg="modSp mod">
+        <pc:chgData name="Judson Santiago" userId="ebb108da2f256286" providerId="LiveId" clId="{C4F5286C-0C25-4CFB-949E-EDC76FDB6E37}" dt="2021-05-10T18:16:19.118" v="52" actId="20577"/>
+        <pc:sldMkLst>
+          <pc:docMk/>
+          <pc:sldMk cId="2854215653" sldId="369"/>
+        </pc:sldMkLst>
+        <pc:spChg chg="mod">
+          <ac:chgData name="Judson Santiago" userId="ebb108da2f256286" providerId="LiveId" clId="{C4F5286C-0C25-4CFB-949E-EDC76FDB6E37}" dt="2021-05-10T18:16:19.118" v="52" actId="20577"/>
+          <ac:spMkLst>
+            <pc:docMk/>
+            <pc:sldMk cId="2854215653" sldId="369"/>
+            <ac:spMk id="3" creationId="{B2674E2B-750A-4C6A-985B-89283D41799F}"/>
+          </ac:spMkLst>
+        </pc:spChg>
+      </pc:sldChg>
+      <pc:sldChg chg="del">
+        <pc:chgData name="Judson Santiago" userId="ebb108da2f256286" providerId="LiveId" clId="{C4F5286C-0C25-4CFB-949E-EDC76FDB6E37}" dt="2021-05-11T02:31:53.321" v="729" actId="47"/>
+        <pc:sldMkLst>
+          <pc:docMk/>
+          <pc:sldMk cId="1159613474" sldId="370"/>
+        </pc:sldMkLst>
+      </pc:sldChg>
+      <pc:sldChg chg="addSp modSp add mod modAnim modNotesTx">
+        <pc:chgData name="Judson Santiago" userId="ebb108da2f256286" providerId="LiveId" clId="{C4F5286C-0C25-4CFB-949E-EDC76FDB6E37}" dt="2021-05-11T02:28:09.038" v="713"/>
+        <pc:sldMkLst>
+          <pc:docMk/>
+          <pc:sldMk cId="1309677332" sldId="371"/>
+        </pc:sldMkLst>
+        <pc:spChg chg="mod">
+          <ac:chgData name="Judson Santiago" userId="ebb108da2f256286" providerId="LiveId" clId="{C4F5286C-0C25-4CFB-949E-EDC76FDB6E37}" dt="2021-05-11T02:26:36.330" v="702" actId="6549"/>
+          <ac:spMkLst>
+            <pc:docMk/>
+            <pc:sldMk cId="1309677332" sldId="371"/>
+            <ac:spMk id="3" creationId="{970C7A0B-D9A9-4C47-ABCF-E5B3D9A7A5F3}"/>
+          </ac:spMkLst>
+        </pc:spChg>
+        <pc:spChg chg="add mod">
+          <ac:chgData name="Judson Santiago" userId="ebb108da2f256286" providerId="LiveId" clId="{C4F5286C-0C25-4CFB-949E-EDC76FDB6E37}" dt="2021-05-11T02:27:55.199" v="711" actId="20577"/>
+          <ac:spMkLst>
+            <pc:docMk/>
+            <pc:sldMk cId="1309677332" sldId="371"/>
+            <ac:spMk id="7" creationId="{81974455-C5F8-4642-B3D9-CD6EF6CA7090}"/>
+          </ac:spMkLst>
+        </pc:spChg>
+        <pc:spChg chg="add mod">
+          <ac:chgData name="Judson Santiago" userId="ebb108da2f256286" providerId="LiveId" clId="{C4F5286C-0C25-4CFB-949E-EDC76FDB6E37}" dt="2021-05-11T02:27:57.717" v="712" actId="20577"/>
+          <ac:spMkLst>
+            <pc:docMk/>
+            <pc:sldMk cId="1309677332" sldId="371"/>
+            <ac:spMk id="9" creationId="{1AAD8DBA-2994-42E2-A87C-AE2ECBA2F160}"/>
+          </ac:spMkLst>
+        </pc:spChg>
+      </pc:sldChg>
+      <pc:sldChg chg="addSp modSp add mod modAnim modNotesTx">
+        <pc:chgData name="Judson Santiago" userId="ebb108da2f256286" providerId="LiveId" clId="{C4F5286C-0C25-4CFB-949E-EDC76FDB6E37}" dt="2021-05-11T02:41:52.768" v="825" actId="207"/>
+        <pc:sldMkLst>
+          <pc:docMk/>
+          <pc:sldMk cId="3048528770" sldId="372"/>
+        </pc:sldMkLst>
+        <pc:spChg chg="mod">
+          <ac:chgData name="Judson Santiago" userId="ebb108da2f256286" providerId="LiveId" clId="{C4F5286C-0C25-4CFB-949E-EDC76FDB6E37}" dt="2021-05-11T02:30:07.529" v="717" actId="20577"/>
+          <ac:spMkLst>
+            <pc:docMk/>
+            <pc:sldMk cId="3048528770" sldId="372"/>
+            <ac:spMk id="3" creationId="{970C7A0B-D9A9-4C47-ABCF-E5B3D9A7A5F3}"/>
+          </ac:spMkLst>
+        </pc:spChg>
+        <pc:spChg chg="mod">
+          <ac:chgData name="Judson Santiago" userId="ebb108da2f256286" providerId="LiveId" clId="{C4F5286C-0C25-4CFB-949E-EDC76FDB6E37}" dt="2021-05-11T02:30:53.581" v="725" actId="1076"/>
+          <ac:spMkLst>
+            <pc:docMk/>
+            <pc:sldMk cId="3048528770" sldId="372"/>
+            <ac:spMk id="5" creationId="{FACCF5AA-437C-4710-B788-0046A78429EB}"/>
+          </ac:spMkLst>
+        </pc:spChg>
+        <pc:spChg chg="add mod">
+          <ac:chgData name="Judson Santiago" userId="ebb108da2f256286" providerId="LiveId" clId="{C4F5286C-0C25-4CFB-949E-EDC76FDB6E37}" dt="2021-05-11T02:41:26.679" v="819" actId="207"/>
+          <ac:spMkLst>
+            <pc:docMk/>
+            <pc:sldMk cId="3048528770" sldId="372"/>
+            <ac:spMk id="6" creationId="{9794167A-62C4-435B-8E3E-04AAD16D742E}"/>
+          </ac:spMkLst>
+        </pc:spChg>
+        <pc:spChg chg="add mod">
+          <ac:chgData name="Judson Santiago" userId="ebb108da2f256286" providerId="LiveId" clId="{C4F5286C-0C25-4CFB-949E-EDC76FDB6E37}" dt="2021-05-11T02:41:44.141" v="822" actId="207"/>
+          <ac:spMkLst>
+            <pc:docMk/>
+            <pc:sldMk cId="3048528770" sldId="372"/>
+            <ac:spMk id="8" creationId="{EF9F7218-8836-42ED-AE6E-1E8E20618F8B}"/>
+          </ac:spMkLst>
+        </pc:spChg>
+        <pc:spChg chg="add mod">
+          <ac:chgData name="Judson Santiago" userId="ebb108da2f256286" providerId="LiveId" clId="{C4F5286C-0C25-4CFB-949E-EDC76FDB6E37}" dt="2021-05-11T02:41:52.768" v="825" actId="207"/>
+          <ac:spMkLst>
+            <pc:docMk/>
+            <pc:sldMk cId="3048528770" sldId="372"/>
+            <ac:spMk id="10" creationId="{B766BFB3-EDAF-48A7-8CF9-2F6D9B6832D7}"/>
+          </ac:spMkLst>
+        </pc:spChg>
+        <pc:spChg chg="add mod">
+          <ac:chgData name="Judson Santiago" userId="ebb108da2f256286" providerId="LiveId" clId="{C4F5286C-0C25-4CFB-949E-EDC76FDB6E37}" dt="2021-05-11T02:40:41.231" v="813" actId="14100"/>
+          <ac:spMkLst>
+            <pc:docMk/>
+            <pc:sldMk cId="3048528770" sldId="372"/>
+            <ac:spMk id="12" creationId="{F363086D-8BF0-48FF-A5F3-0FA8D4C7885A}"/>
+          </ac:spMkLst>
+        </pc:spChg>
+        <pc:graphicFrameChg chg="mod">
+          <ac:chgData name="Judson Santiago" userId="ebb108da2f256286" providerId="LiveId" clId="{C4F5286C-0C25-4CFB-949E-EDC76FDB6E37}" dt="2021-05-11T02:30:53.581" v="725" actId="1076"/>
+          <ac:graphicFrameMkLst>
+            <pc:docMk/>
+            <pc:sldMk cId="3048528770" sldId="372"/>
+            <ac:graphicFrameMk id="4" creationId="{89D57958-02ED-4CE1-BC00-9225132A9164}"/>
+          </ac:graphicFrameMkLst>
+        </pc:graphicFrameChg>
+      </pc:sldChg>
+      <pc:sldChg chg="addSp delSp modSp add mod modAnim modNotesTx">
+        <pc:chgData name="Judson Santiago" userId="ebb108da2f256286" providerId="LiveId" clId="{C4F5286C-0C25-4CFB-949E-EDC76FDB6E37}" dt="2021-05-11T02:38:11.511" v="766"/>
+        <pc:sldMkLst>
+          <pc:docMk/>
+          <pc:sldMk cId="906918631" sldId="373"/>
+        </pc:sldMkLst>
+        <pc:spChg chg="mod">
+          <ac:chgData name="Judson Santiago" userId="ebb108da2f256286" providerId="LiveId" clId="{C4F5286C-0C25-4CFB-949E-EDC76FDB6E37}" dt="2021-05-11T02:31:57.103" v="730" actId="6549"/>
+          <ac:spMkLst>
+            <pc:docMk/>
+            <pc:sldMk cId="906918631" sldId="373"/>
+            <ac:spMk id="3" creationId="{970C7A0B-D9A9-4C47-ABCF-E5B3D9A7A5F3}"/>
+          </ac:spMkLst>
+        </pc:spChg>
+        <pc:spChg chg="add mod">
+          <ac:chgData name="Judson Santiago" userId="ebb108da2f256286" providerId="LiveId" clId="{C4F5286C-0C25-4CFB-949E-EDC76FDB6E37}" dt="2021-05-11T02:32:22.707" v="738" actId="1076"/>
+          <ac:spMkLst>
+            <pc:docMk/>
+            <pc:sldMk cId="906918631" sldId="373"/>
+            <ac:spMk id="7" creationId="{2C3405D9-6665-42CF-88FC-055C3FBE4294}"/>
+          </ac:spMkLst>
+        </pc:spChg>
+        <pc:spChg chg="add mod">
+          <ac:chgData name="Judson Santiago" userId="ebb108da2f256286" providerId="LiveId" clId="{C4F5286C-0C25-4CFB-949E-EDC76FDB6E37}" dt="2021-05-11T02:38:11.511" v="766"/>
+          <ac:spMkLst>
+            <pc:docMk/>
+            <pc:sldMk cId="906918631" sldId="373"/>
+            <ac:spMk id="8" creationId="{31BD9625-39CD-4899-A86D-4C5EA8DB1D99}"/>
+          </ac:spMkLst>
+        </pc:spChg>
+        <pc:graphicFrameChg chg="del">
+          <ac:chgData name="Judson Santiago" userId="ebb108da2f256286" providerId="LiveId" clId="{C4F5286C-0C25-4CFB-949E-EDC76FDB6E37}" dt="2021-05-11T02:32:40.621" v="740" actId="478"/>
+          <ac:graphicFrameMkLst>
+            <pc:docMk/>
+            <pc:sldMk cId="906918631" sldId="373"/>
+            <ac:graphicFrameMk id="4" creationId="{89D57958-02ED-4CE1-BC00-9225132A9164}"/>
+          </ac:graphicFrameMkLst>
+        </pc:graphicFrameChg>
+      </pc:sldChg>
+      <pc:sldChg chg="modSp add del mod ord">
+        <pc:chgData name="Judson Santiago" userId="ebb108da2f256286" providerId="LiveId" clId="{C4F5286C-0C25-4CFB-949E-EDC76FDB6E37}" dt="2021-05-11T02:58:19.645" v="901" actId="47"/>
+        <pc:sldMkLst>
+          <pc:docMk/>
+          <pc:sldMk cId="505276767" sldId="374"/>
+        </pc:sldMkLst>
+        <pc:spChg chg="mod">
+          <ac:chgData name="Judson Santiago" userId="ebb108da2f256286" providerId="LiveId" clId="{C4F5286C-0C25-4CFB-949E-EDC76FDB6E37}" dt="2021-05-11T02:56:33.632" v="831"/>
+          <ac:spMkLst>
+            <pc:docMk/>
+            <pc:sldMk cId="505276767" sldId="374"/>
+            <ac:spMk id="2" creationId="{4838FE2B-4B6F-4D11-9BB9-DCCE86F28A79}"/>
+          </ac:spMkLst>
+        </pc:spChg>
+        <pc:spChg chg="mod">
+          <ac:chgData name="Judson Santiago" userId="ebb108da2f256286" providerId="LiveId" clId="{C4F5286C-0C25-4CFB-949E-EDC76FDB6E37}" dt="2021-05-11T02:57:56.516" v="900" actId="6549"/>
+          <ac:spMkLst>
+            <pc:docMk/>
+            <pc:sldMk cId="505276767" sldId="374"/>
+            <ac:spMk id="5" creationId="{7357E8CB-E04B-4DA0-B005-4572EC732A70}"/>
+          </ac:spMkLst>
+        </pc:spChg>
+      </pc:sldChg>
+    </pc:docChg>
   </pc:docChgLst>
   <pc:docChgLst>
     <pc:chgData name="Judson Santiago" userId="ebb108da2f256286" providerId="LiveId" clId="{1B76D618-2DC7-42A5-BDE9-8BF8816E0360}"/>
@@ -232,15 +872,6 @@
         </pc:graphicFrameChg>
       </pc:sldChg>
     </pc:docChg>
-  </pc:docChgLst>
-  <pc:docChgLst>
-    <pc:chgData name="Judson Santiago" userId="ebb108da2f256286" providerId="LiveId" clId="{EC0F8AAA-8089-4E5E-90F6-E5CA2275C56E}"/>
-  </pc:docChgLst>
-  <pc:docChgLst>
-    <pc:chgData name="Judson Santiago" userId="ebb108da2f256286" providerId="LiveId" clId="{9E61171C-C4D0-4300-A495-EA58423115E2}"/>
-  </pc:docChgLst>
-  <pc:docChgLst>
-    <pc:chgData name="Judson Santiago" userId="ebb108da2f256286" providerId="LiveId" clId="{74330BC9-65E2-4C86-B3C8-4A8FF307AE9D}"/>
   </pc:docChgLst>
   <pc:docChgLst>
     <pc:chgData name="Judson Santiago" userId="ebb108da2f256286" providerId="LiveId" clId="{4047CBC8-BDE2-4AB1-9354-688B3EB3B6F3}"/>
@@ -445,7 +1076,7 @@
             <a:pPr rtl="0"/>
             <a:fld id="{6BFEDBB9-17B2-4B3E-927F-6A2C95FBF9DC}" type="datetime1">
               <a:rPr lang="pt-BR" smtClean="0"/>
-              <a:t>13/01/2020</a:t>
+              <a:t>10/05/2021</a:t>
             </a:fld>
             <a:endParaRPr lang="pt-BR" dirty="0"/>
           </a:p>
@@ -615,7 +1246,7 @@
             <a:pPr rtl="0"/>
             <a:fld id="{7CFDB409-DC9D-40CF-939D-973CAB3BAB25}" type="datetime1">
               <a:rPr lang="pt-BR" noProof="0" smtClean="0"/>
-              <a:t>13/01/2020</a:t>
+              <a:t>10/05/2021</a:t>
             </a:fld>
             <a:endParaRPr lang="pt-BR" noProof="0" dirty="0"/>
           </a:p>
@@ -930,6 +1561,194 @@
           <a:bodyPr/>
           <a:lstStyle/>
           <a:p>
+            <a:pPr marL="171450" indent="-171450">
+              <a:buFontTx/>
+              <a:buChar char="-"/>
+            </a:pPr>
+            <a:r>
+              <a:rPr lang="pt-BR" b="0" i="0" dirty="0">
+                <a:solidFill>
+                  <a:srgbClr val="000000"/>
+                </a:solidFill>
+                <a:effectLst/>
+                <a:latin typeface="Verdana" panose="020B0604030504040204" pitchFamily="34" charset="0"/>
+              </a:rPr>
+              <a:t>Papel das gramáticas.</a:t>
+            </a:r>
+          </a:p>
+          <a:p>
+            <a:pPr marL="171450" indent="-171450">
+              <a:buFontTx/>
+              <a:buChar char="-"/>
+            </a:pPr>
+            <a:r>
+              <a:rPr lang="pt-BR" b="0" i="0" dirty="0">
+                <a:solidFill>
+                  <a:srgbClr val="000000"/>
+                </a:solidFill>
+                <a:effectLst/>
+                <a:latin typeface="Verdana" panose="020B0604030504040204" pitchFamily="34" charset="0"/>
+              </a:rPr>
+              <a:t>Eliminando ambiguidade. </a:t>
+            </a:r>
+          </a:p>
+          <a:p>
+            <a:pPr marL="171450" indent="-171450">
+              <a:buFontTx/>
+              <a:buChar char="-"/>
+            </a:pPr>
+            <a:r>
+              <a:rPr lang="pt-BR" b="0" i="0" dirty="0">
+                <a:solidFill>
+                  <a:srgbClr val="000000"/>
+                </a:solidFill>
+                <a:effectLst/>
+                <a:latin typeface="Verdana" panose="020B0604030504040204" pitchFamily="34" charset="0"/>
+              </a:rPr>
+              <a:t>Ambiguidade do </a:t>
+            </a:r>
+            <a:r>
+              <a:rPr lang="pt-BR" b="0" i="0" dirty="0" err="1">
+                <a:solidFill>
+                  <a:srgbClr val="000000"/>
+                </a:solidFill>
+                <a:effectLst/>
+                <a:latin typeface="Verdana" panose="020B0604030504040204" pitchFamily="34" charset="0"/>
+              </a:rPr>
+              <a:t>else</a:t>
+            </a:r>
+            <a:r>
+              <a:rPr lang="pt-BR" b="0" i="0" dirty="0">
+                <a:solidFill>
+                  <a:srgbClr val="000000"/>
+                </a:solidFill>
+                <a:effectLst/>
+                <a:latin typeface="Verdana" panose="020B0604030504040204" pitchFamily="34" charset="0"/>
+              </a:rPr>
+              <a:t> vazio. </a:t>
+            </a:r>
+          </a:p>
+          <a:p>
+            <a:pPr marL="171450" indent="-171450">
+              <a:buFontTx/>
+              <a:buChar char="-"/>
+            </a:pPr>
+            <a:r>
+              <a:rPr lang="pt-BR" b="0" i="0" dirty="0">
+                <a:solidFill>
+                  <a:srgbClr val="000000"/>
+                </a:solidFill>
+                <a:effectLst/>
+                <a:latin typeface="Verdana" panose="020B0604030504040204" pitchFamily="34" charset="0"/>
+              </a:rPr>
+              <a:t>Ambiguidade de precedência e associatividade. </a:t>
+            </a:r>
+          </a:p>
+          <a:p>
+            <a:pPr marL="171450" indent="-171450">
+              <a:buFontTx/>
+              <a:buChar char="-"/>
+            </a:pPr>
+            <a:r>
+              <a:rPr lang="pt-BR" b="0" i="0" dirty="0">
+                <a:solidFill>
+                  <a:srgbClr val="000000"/>
+                </a:solidFill>
+                <a:effectLst/>
+                <a:latin typeface="Verdana" panose="020B0604030504040204" pitchFamily="34" charset="0"/>
+              </a:rPr>
+              <a:t>Eliminando recursão à esquerda. </a:t>
+            </a:r>
+          </a:p>
+          <a:p>
+            <a:pPr marL="171450" indent="-171450">
+              <a:buFontTx/>
+              <a:buChar char="-"/>
+            </a:pPr>
+            <a:r>
+              <a:rPr lang="pt-BR" b="0" i="0" dirty="0">
+                <a:solidFill>
+                  <a:srgbClr val="000000"/>
+                </a:solidFill>
+                <a:effectLst/>
+                <a:latin typeface="Verdana" panose="020B0604030504040204" pitchFamily="34" charset="0"/>
+              </a:rPr>
+              <a:t>Eliminando a recursão imediata. </a:t>
+            </a:r>
+          </a:p>
+          <a:p>
+            <a:pPr marL="171450" indent="-171450">
+              <a:buFontTx/>
+              <a:buChar char="-"/>
+            </a:pPr>
+            <a:r>
+              <a:rPr lang="pt-BR" b="0" i="0" dirty="0">
+                <a:solidFill>
+                  <a:srgbClr val="000000"/>
+                </a:solidFill>
+                <a:effectLst/>
+                <a:latin typeface="Verdana" panose="020B0604030504040204" pitchFamily="34" charset="0"/>
+              </a:rPr>
+              <a:t>Recursão em um ou mais passos de derivação. </a:t>
+            </a:r>
+          </a:p>
+          <a:p>
+            <a:pPr marL="171450" indent="-171450">
+              <a:buFontTx/>
+              <a:buChar char="-"/>
+            </a:pPr>
+            <a:r>
+              <a:rPr lang="pt-BR" b="0" i="0" dirty="0">
+                <a:solidFill>
+                  <a:srgbClr val="000000"/>
+                </a:solidFill>
+                <a:effectLst/>
+                <a:latin typeface="Verdana" panose="020B0604030504040204" pitchFamily="34" charset="0"/>
+              </a:rPr>
+              <a:t>Fatoração à esquerda. </a:t>
+            </a:r>
+          </a:p>
+          <a:p>
+            <a:pPr marL="171450" indent="-171450">
+              <a:buFontTx/>
+              <a:buChar char="-"/>
+            </a:pPr>
+            <a:r>
+              <a:rPr lang="pt-BR" b="0" i="0" dirty="0">
+                <a:solidFill>
+                  <a:srgbClr val="000000"/>
+                </a:solidFill>
+                <a:effectLst/>
+                <a:latin typeface="Verdana" panose="020B0604030504040204" pitchFamily="34" charset="0"/>
+              </a:rPr>
+              <a:t>Gramáticas e análise semântica</a:t>
+            </a:r>
+            <a:r>
+              <a:rPr lang="pt-BR" b="0" i="0">
+                <a:solidFill>
+                  <a:srgbClr val="000000"/>
+                </a:solidFill>
+                <a:effectLst/>
+                <a:latin typeface="Verdana" panose="020B0604030504040204" pitchFamily="34" charset="0"/>
+              </a:rPr>
+              <a:t>. </a:t>
+            </a:r>
+          </a:p>
+          <a:p>
+            <a:pPr marL="171450" indent="-171450">
+              <a:buFontTx/>
+              <a:buChar char="-"/>
+            </a:pPr>
+            <a:r>
+              <a:rPr lang="pt-BR" b="0" i="0">
+                <a:solidFill>
+                  <a:srgbClr val="000000"/>
+                </a:solidFill>
+                <a:effectLst/>
+                <a:latin typeface="Verdana" panose="020B0604030504040204" pitchFamily="34" charset="0"/>
+              </a:rPr>
+              <a:t>Exercícios.</a:t>
+            </a:r>
             <a:endParaRPr lang="pt-BR" dirty="0"/>
           </a:p>
         </p:txBody>
@@ -1016,9 +1835,98 @@
           <a:lstStyle/>
           <a:p>
             <a:r>
-              <a:rPr lang="pt-BR" dirty="0"/>
-              <a:t>Não há garantias de que o algoritmo funcione neste exemplo devido a produção vazia, mas neste caso ela é inofensiva.</a:t>
-            </a:r>
+              <a:rPr lang="pt-BR" dirty="0">
+                <a:latin typeface="Cambria Math" panose="02040503050406030204" pitchFamily="18" charset="0"/>
+                <a:ea typeface="Cambria Math" panose="02040503050406030204" pitchFamily="18" charset="0"/>
+              </a:rPr>
+              <a:t>A primeira rodada, para i = 1, pega apenas as recursões imediatas de A</a:t>
+            </a:r>
+            <a:r>
+              <a:rPr lang="pt-BR" baseline="-25000" dirty="0">
+                <a:latin typeface="Cambria Math" panose="02040503050406030204" pitchFamily="18" charset="0"/>
+                <a:ea typeface="Cambria Math" panose="02040503050406030204" pitchFamily="18" charset="0"/>
+              </a:rPr>
+              <a:t>1</a:t>
+            </a:r>
+            <a:r>
+              <a:rPr lang="pt-BR" baseline="0" dirty="0">
+                <a:latin typeface="Cambria Math" panose="02040503050406030204" pitchFamily="18" charset="0"/>
+                <a:ea typeface="Cambria Math" panose="02040503050406030204" pitchFamily="18" charset="0"/>
+              </a:rPr>
+              <a:t>. </a:t>
+            </a:r>
+            <a:r>
+              <a:rPr lang="pt-BR" baseline="0">
+                <a:latin typeface="Cambria Math" panose="02040503050406030204" pitchFamily="18" charset="0"/>
+                <a:ea typeface="Cambria Math" panose="02040503050406030204" pitchFamily="18" charset="0"/>
+              </a:rPr>
+              <a:t>As rodadas </a:t>
+            </a:r>
+            <a:r>
+              <a:rPr lang="pt-BR" baseline="0" dirty="0">
+                <a:latin typeface="Cambria Math" panose="02040503050406030204" pitchFamily="18" charset="0"/>
+                <a:ea typeface="Cambria Math" panose="02040503050406030204" pitchFamily="18" charset="0"/>
+              </a:rPr>
+              <a:t>subsequentes pegam as recursões indiretas que passam por A</a:t>
+            </a:r>
+            <a:r>
+              <a:rPr lang="pt-BR" baseline="-25000" dirty="0">
+                <a:latin typeface="Cambria Math" panose="02040503050406030204" pitchFamily="18" charset="0"/>
+                <a:ea typeface="Cambria Math" panose="02040503050406030204" pitchFamily="18" charset="0"/>
+              </a:rPr>
+              <a:t>1</a:t>
+            </a:r>
+            <a:r>
+              <a:rPr lang="pt-BR" baseline="0" dirty="0">
+                <a:latin typeface="Cambria Math" panose="02040503050406030204" pitchFamily="18" charset="0"/>
+                <a:ea typeface="Cambria Math" panose="02040503050406030204" pitchFamily="18" charset="0"/>
+              </a:rPr>
+              <a:t>.</a:t>
+            </a:r>
+          </a:p>
+          <a:p>
+            <a:r>
+              <a:rPr lang="el-GR" dirty="0">
+                <a:latin typeface="Cambria Math" panose="02040503050406030204" pitchFamily="18" charset="0"/>
+                <a:ea typeface="Cambria Math" panose="02040503050406030204" pitchFamily="18" charset="0"/>
+              </a:rPr>
+              <a:t>γ</a:t>
+            </a:r>
+            <a:r>
+              <a:rPr lang="pt-BR" dirty="0">
+                <a:latin typeface="Cambria Math" panose="02040503050406030204" pitchFamily="18" charset="0"/>
+                <a:ea typeface="Cambria Math" panose="02040503050406030204" pitchFamily="18" charset="0"/>
+              </a:rPr>
+              <a:t> = </a:t>
+            </a:r>
+            <a:r>
+              <a:rPr lang="pt-BR" dirty="0" err="1">
+                <a:latin typeface="Cambria Math" panose="02040503050406030204" pitchFamily="18" charset="0"/>
+                <a:ea typeface="Cambria Math" panose="02040503050406030204" pitchFamily="18" charset="0"/>
+              </a:rPr>
+              <a:t>gamma</a:t>
+            </a:r>
+            <a:endParaRPr lang="pt-BR" dirty="0">
+              <a:latin typeface="Cambria Math" panose="02040503050406030204" pitchFamily="18" charset="0"/>
+              <a:ea typeface="Cambria Math" panose="02040503050406030204" pitchFamily="18" charset="0"/>
+            </a:endParaRPr>
+          </a:p>
+          <a:p>
+            <a:r>
+              <a:rPr lang="el-GR" dirty="0">
+                <a:latin typeface="Cambria Math" panose="02040503050406030204" pitchFamily="18" charset="0"/>
+                <a:ea typeface="Cambria Math" panose="02040503050406030204" pitchFamily="18" charset="0"/>
+              </a:rPr>
+              <a:t>δ</a:t>
+            </a:r>
+            <a:r>
+              <a:rPr lang="pt-BR" dirty="0">
+                <a:latin typeface="Cambria Math" panose="02040503050406030204" pitchFamily="18" charset="0"/>
+                <a:ea typeface="Cambria Math" panose="02040503050406030204" pitchFamily="18" charset="0"/>
+              </a:rPr>
+              <a:t> = delta</a:t>
+            </a:r>
+            <a:endParaRPr lang="pt-BR" dirty="0"/>
           </a:p>
         </p:txBody>
       </p:sp>
@@ -1040,7 +1948,7 @@
             <a:pPr rtl="0"/>
             <a:fld id="{F93199CD-3E1B-4AE6-990F-76F925F5EA9F}" type="slidenum">
               <a:rPr lang="pt-BR" noProof="0" smtClean="0"/>
-              <a:t>18</a:t>
+              <a:t>17</a:t>
             </a:fld>
             <a:endParaRPr lang="pt-BR" noProof="0" dirty="0"/>
           </a:p>
@@ -1049,7 +1957,7 @@
     </p:spTree>
     <p:extLst>
       <p:ext uri="{BB962C8B-B14F-4D97-AF65-F5344CB8AC3E}">
-        <p14:creationId xmlns:p14="http://schemas.microsoft.com/office/powerpoint/2010/main" val="2851831575"/>
+        <p14:creationId xmlns:p14="http://schemas.microsoft.com/office/powerpoint/2010/main" val="1644409455"/>
       </p:ext>
     </p:extLst>
   </p:cSld>
@@ -1103,6 +2011,91 @@
           <a:bodyPr/>
           <a:lstStyle/>
           <a:p>
+            <a:endParaRPr lang="pt-BR" dirty="0"/>
+          </a:p>
+        </p:txBody>
+      </p:sp>
+      <p:sp>
+        <p:nvSpPr>
+          <p:cNvPr id="4" name="Espaço Reservado para Número de Slide 3"/>
+          <p:cNvSpPr>
+            <a:spLocks noGrp="1"/>
+          </p:cNvSpPr>
+          <p:nvPr>
+            <p:ph type="sldNum" sz="quarter" idx="10"/>
+          </p:nvPr>
+        </p:nvSpPr>
+        <p:spPr/>
+        <p:txBody>
+          <a:bodyPr/>
+          <a:lstStyle/>
+          <a:p>
+            <a:pPr rtl="0"/>
+            <a:fld id="{F93199CD-3E1B-4AE6-990F-76F925F5EA9F}" type="slidenum">
+              <a:rPr lang="pt-BR" noProof="0" smtClean="0"/>
+              <a:t>18</a:t>
+            </a:fld>
+            <a:endParaRPr lang="pt-BR" noProof="0" dirty="0"/>
+          </a:p>
+        </p:txBody>
+      </p:sp>
+    </p:spTree>
+    <p:extLst>
+      <p:ext uri="{BB962C8B-B14F-4D97-AF65-F5344CB8AC3E}">
+        <p14:creationId xmlns:p14="http://schemas.microsoft.com/office/powerpoint/2010/main" val="2851831575"/>
+      </p:ext>
+    </p:extLst>
+  </p:cSld>
+  <p:clrMapOvr>
+    <a:masterClrMapping/>
+  </p:clrMapOvr>
+</p:notes>
+</file>
+
+<file path=ppt/notesSlides/notesSlide12.xml><?xml version="1.0" encoding="utf-8"?>
+<p:notes xmlns:a="http://schemas.openxmlformats.org/drawingml/2006/main" xmlns:r="http://schemas.openxmlformats.org/officeDocument/2006/relationships" xmlns:p="http://schemas.openxmlformats.org/presentationml/2006/main">
+  <p:cSld>
+    <p:spTree>
+      <p:nvGrpSpPr>
+        <p:cNvPr id="1" name=""/>
+        <p:cNvGrpSpPr/>
+        <p:nvPr/>
+      </p:nvGrpSpPr>
+      <p:grpSpPr>
+        <a:xfrm>
+          <a:off x="0" y="0"/>
+          <a:ext cx="0" cy="0"/>
+          <a:chOff x="0" y="0"/>
+          <a:chExt cx="0" cy="0"/>
+        </a:xfrm>
+      </p:grpSpPr>
+      <p:sp>
+        <p:nvSpPr>
+          <p:cNvPr id="2" name="Espaço Reservado para Imagem de Slide 1"/>
+          <p:cNvSpPr>
+            <a:spLocks noGrp="1" noRot="1" noChangeAspect="1"/>
+          </p:cNvSpPr>
+          <p:nvPr>
+            <p:ph type="sldImg"/>
+          </p:nvPr>
+        </p:nvSpPr>
+        <p:spPr/>
+      </p:sp>
+      <p:sp>
+        <p:nvSpPr>
+          <p:cNvPr id="3" name="Espaço Reservado para Anotações 2"/>
+          <p:cNvSpPr>
+            <a:spLocks noGrp="1"/>
+          </p:cNvSpPr>
+          <p:nvPr>
+            <p:ph type="body" idx="1"/>
+          </p:nvPr>
+        </p:nvSpPr>
+        <p:spPr/>
+        <p:txBody>
+          <a:bodyPr/>
+          <a:lstStyle/>
+          <a:p>
             <a:r>
               <a:rPr lang="pt-BR" dirty="0"/>
               <a:t>A fatoração não elimina a ambiguidade. No exemplo, continuará existindo a possibilidade de gerar duas árvores de derivação, porque podemos optar por derivar o </a:t>
@@ -1155,7 +2148,7 @@
 </p:notes>
 </file>
 
-<file path=ppt/notesSlides/notesSlide12.xml><?xml version="1.0" encoding="utf-8"?>
+<file path=ppt/notesSlides/notesSlide13.xml><?xml version="1.0" encoding="utf-8"?>
 <p:notes xmlns:a="http://schemas.openxmlformats.org/drawingml/2006/main" xmlns:r="http://schemas.openxmlformats.org/officeDocument/2006/relationships" xmlns:p="http://schemas.openxmlformats.org/presentationml/2006/main">
   <p:cSld>
     <p:spTree>
@@ -1240,7 +2233,7 @@
 </p:notes>
 </file>
 
-<file path=ppt/notesSlides/notesSlide13.xml><?xml version="1.0" encoding="utf-8"?>
+<file path=ppt/notesSlides/notesSlide14.xml><?xml version="1.0" encoding="utf-8"?>
 <p:notes xmlns:a="http://schemas.openxmlformats.org/drawingml/2006/main" xmlns:r="http://schemas.openxmlformats.org/officeDocument/2006/relationships" xmlns:p="http://schemas.openxmlformats.org/presentationml/2006/main">
   <p:cSld>
     <p:spTree>
@@ -1287,176 +2280,7 @@
             <a:pPr marL="0" indent="0">
               <a:buNone/>
             </a:pPr>
-            <a:r>
-              <a:rPr lang="pt-BR" dirty="0"/>
-              <a:t>a) Já está fatorada</a:t>
-            </a:r>
-          </a:p>
-          <a:p>
-            <a:pPr marL="0" indent="0">
-              <a:buNone/>
-            </a:pPr>
-            <a:r>
-              <a:rPr lang="pt-BR" dirty="0"/>
-              <a:t>b) Não, ela é recursiva à esquerda</a:t>
-            </a:r>
-          </a:p>
-          <a:p>
-            <a:pPr marL="0" indent="0">
-              <a:buNone/>
-            </a:pPr>
-            <a:r>
-              <a:rPr lang="pt-BR" dirty="0"/>
-              <a:t>c) Gramática:</a:t>
-            </a:r>
-            <a:br>
-              <a:rPr lang="pt-BR" dirty="0"/>
-            </a:br>
             <a:endParaRPr lang="pt-BR" dirty="0"/>
-          </a:p>
-          <a:p>
-            <a:pPr marL="0" indent="0">
-              <a:buNone/>
-            </a:pPr>
-            <a:r>
-              <a:rPr lang="pt-BR" dirty="0" err="1"/>
-              <a:t>rexpr</a:t>
-            </a:r>
-            <a:r>
-              <a:rPr lang="pt-BR" dirty="0"/>
-              <a:t> -&gt; </a:t>
-            </a:r>
-            <a:r>
-              <a:rPr lang="pt-BR" dirty="0" err="1"/>
-              <a:t>rterm</a:t>
-            </a:r>
-            <a:r>
-              <a:rPr lang="pt-BR" dirty="0"/>
-              <a:t> A </a:t>
-            </a:r>
-          </a:p>
-          <a:p>
-            <a:pPr marL="0" indent="0">
-              <a:buNone/>
-            </a:pPr>
-            <a:r>
-              <a:rPr lang="pt-BR" dirty="0"/>
-              <a:t>A -&gt; + </a:t>
-            </a:r>
-            <a:r>
-              <a:rPr lang="pt-BR" dirty="0" err="1"/>
-              <a:t>rterm</a:t>
-            </a:r>
-            <a:r>
-              <a:rPr lang="pt-BR" dirty="0"/>
-              <a:t> A | </a:t>
-            </a:r>
-            <a:r>
-              <a:rPr lang="el-GR" dirty="0"/>
-              <a:t>ε </a:t>
-            </a:r>
-          </a:p>
-          <a:p>
-            <a:pPr marL="0" indent="0">
-              <a:buNone/>
-            </a:pPr>
-            <a:r>
-              <a:rPr lang="pt-BR" dirty="0" err="1"/>
-              <a:t>rterm</a:t>
-            </a:r>
-            <a:r>
-              <a:rPr lang="pt-BR" dirty="0"/>
-              <a:t> -&gt; </a:t>
-            </a:r>
-            <a:r>
-              <a:rPr lang="pt-BR" dirty="0" err="1"/>
-              <a:t>rfactor</a:t>
-            </a:r>
-            <a:r>
-              <a:rPr lang="pt-BR" dirty="0"/>
-              <a:t> B </a:t>
-            </a:r>
-          </a:p>
-          <a:p>
-            <a:pPr marL="0" indent="0">
-              <a:buNone/>
-            </a:pPr>
-            <a:r>
-              <a:rPr lang="pt-BR" dirty="0"/>
-              <a:t>B -&gt; </a:t>
-            </a:r>
-            <a:r>
-              <a:rPr lang="pt-BR" dirty="0" err="1"/>
-              <a:t>rfactor</a:t>
-            </a:r>
-            <a:r>
-              <a:rPr lang="pt-BR" dirty="0"/>
-              <a:t> B | </a:t>
-            </a:r>
-            <a:r>
-              <a:rPr lang="el-GR" dirty="0"/>
-              <a:t>ε </a:t>
-            </a:r>
-          </a:p>
-          <a:p>
-            <a:pPr marL="0" indent="0">
-              <a:buNone/>
-            </a:pPr>
-            <a:r>
-              <a:rPr lang="pt-BR" dirty="0" err="1"/>
-              <a:t>rfactor</a:t>
-            </a:r>
-            <a:r>
-              <a:rPr lang="pt-BR" dirty="0"/>
-              <a:t> -&gt; </a:t>
-            </a:r>
-            <a:r>
-              <a:rPr lang="pt-BR" dirty="0" err="1"/>
-              <a:t>rprimary</a:t>
-            </a:r>
-            <a:r>
-              <a:rPr lang="pt-BR" dirty="0"/>
-              <a:t> C </a:t>
-            </a:r>
-          </a:p>
-          <a:p>
-            <a:pPr marL="0" indent="0">
-              <a:buNone/>
-            </a:pPr>
-            <a:r>
-              <a:rPr lang="pt-BR" dirty="0"/>
-              <a:t>C -&gt; * C | </a:t>
-            </a:r>
-            <a:r>
-              <a:rPr lang="el-GR" dirty="0"/>
-              <a:t>ε </a:t>
-            </a:r>
-          </a:p>
-          <a:p>
-            <a:pPr marL="0" indent="0">
-              <a:buNone/>
-            </a:pPr>
-            <a:r>
-              <a:rPr lang="pt-BR" dirty="0" err="1"/>
-              <a:t>rprimary</a:t>
-            </a:r>
-            <a:r>
-              <a:rPr lang="pt-BR" dirty="0"/>
-              <a:t> -&gt; a | b</a:t>
-            </a:r>
-            <a:br>
-              <a:rPr lang="pt-BR" dirty="0"/>
-            </a:br>
-            <a:endParaRPr lang="pt-BR" dirty="0"/>
-          </a:p>
-          <a:p>
-            <a:pPr marL="0" indent="0">
-              <a:buNone/>
-            </a:pPr>
-            <a:r>
-              <a:rPr lang="pt-BR" dirty="0"/>
-              <a:t>d) Se não for ambígua, sim.</a:t>
-            </a:r>
           </a:p>
         </p:txBody>
       </p:sp>
@@ -1497,7 +2321,7 @@
 </p:notes>
 </file>
 
-<file path=ppt/notesSlides/notesSlide14.xml><?xml version="1.0" encoding="utf-8"?>
+<file path=ppt/notesSlides/notesSlide15.xml><?xml version="1.0" encoding="utf-8"?>
 <p:notes xmlns:a="http://schemas.openxmlformats.org/drawingml/2006/main" xmlns:r="http://schemas.openxmlformats.org/officeDocument/2006/relationships" xmlns:p="http://schemas.openxmlformats.org/presentationml/2006/main">
   <p:cSld>
     <p:spTree>
@@ -1541,146 +2365,19 @@
           <a:bodyPr/>
           <a:lstStyle/>
           <a:p>
-            <a:r>
-              <a:rPr lang="pt-BR" b="0" noProof="0" dirty="0"/>
-              <a:t>As duas derivações possíveis mostram que ela é ambígua:</a:t>
+            <a:pPr marL="0" indent="0">
+              <a:buNone/>
+            </a:pPr>
+            <a:r>
+              <a:rPr lang="pt-BR" dirty="0"/>
+              <a:t>a) Já está fatorada</a:t>
             </a:r>
           </a:p>
           <a:p>
-            <a:r>
-              <a:rPr lang="en-US" b="1"/>
-              <a:t>if</a:t>
-            </a:r>
-            <a:r>
-              <a:rPr lang="en-US"/>
-              <a:t> </a:t>
-            </a:r>
-            <a:r>
-              <a:rPr lang="en-US" dirty="0"/>
-              <a:t>E1 </a:t>
-            </a:r>
-            <a:r>
-              <a:rPr lang="en-US" b="1" dirty="0"/>
-              <a:t>then</a:t>
-            </a:r>
-            <a:r>
-              <a:rPr lang="en-US" dirty="0"/>
-              <a:t> ( </a:t>
-            </a:r>
-            <a:r>
-              <a:rPr lang="en-US" b="1" dirty="0"/>
-              <a:t>if</a:t>
-            </a:r>
-            <a:r>
-              <a:rPr lang="en-US" dirty="0"/>
-              <a:t> E2 </a:t>
-            </a:r>
-            <a:r>
-              <a:rPr lang="en-US" b="1" dirty="0"/>
-              <a:t>then</a:t>
-            </a:r>
-            <a:r>
-              <a:rPr lang="en-US" dirty="0"/>
-              <a:t> I1 </a:t>
-            </a:r>
-            <a:r>
-              <a:rPr lang="en-US" b="1" dirty="0"/>
-              <a:t>else</a:t>
-            </a:r>
-            <a:r>
-              <a:rPr lang="en-US" dirty="0"/>
-              <a:t> ( </a:t>
-            </a:r>
-            <a:r>
-              <a:rPr lang="en-US" b="1" dirty="0"/>
-              <a:t>if</a:t>
-            </a:r>
-            <a:r>
-              <a:rPr lang="en-US" dirty="0"/>
-              <a:t> E3 </a:t>
-            </a:r>
-            <a:r>
-              <a:rPr lang="en-US" b="1" dirty="0"/>
-              <a:t>then</a:t>
-            </a:r>
-            <a:r>
-              <a:rPr lang="en-US" dirty="0"/>
-              <a:t> I2 </a:t>
-            </a:r>
-            <a:r>
-              <a:rPr lang="en-US" b="1" dirty="0"/>
-              <a:t>else</a:t>
-            </a:r>
-            <a:r>
-              <a:rPr lang="en-US" dirty="0"/>
-              <a:t> I3 ) )</a:t>
-            </a:r>
-          </a:p>
-          <a:p>
-            <a:r>
-              <a:rPr lang="en-US" b="1" dirty="0"/>
-              <a:t>if</a:t>
-            </a:r>
-            <a:r>
-              <a:rPr lang="en-US" dirty="0"/>
-              <a:t> E1 </a:t>
-            </a:r>
-            <a:r>
-              <a:rPr lang="en-US" b="1" dirty="0"/>
-              <a:t>then</a:t>
-            </a:r>
-            <a:r>
-              <a:rPr lang="en-US" dirty="0"/>
-              <a:t> ( </a:t>
-            </a:r>
-            <a:r>
-              <a:rPr lang="en-US" b="1" dirty="0"/>
-              <a:t>if</a:t>
-            </a:r>
-            <a:r>
-              <a:rPr lang="en-US" dirty="0"/>
-              <a:t> E2 </a:t>
-            </a:r>
-            <a:r>
-              <a:rPr lang="en-US" b="1" dirty="0"/>
-              <a:t>then</a:t>
-            </a:r>
-            <a:r>
-              <a:rPr lang="en-US" dirty="0"/>
-              <a:t> I1 </a:t>
-            </a:r>
-            <a:r>
-              <a:rPr lang="en-US" b="1" dirty="0"/>
-              <a:t>else</a:t>
-            </a:r>
-            <a:r>
-              <a:rPr lang="en-US" dirty="0"/>
-              <a:t> ( </a:t>
-            </a:r>
-            <a:r>
-              <a:rPr lang="en-US" b="1" dirty="0"/>
-              <a:t>if</a:t>
-            </a:r>
-            <a:r>
-              <a:rPr lang="en-US" dirty="0"/>
-              <a:t> E3 </a:t>
-            </a:r>
-            <a:r>
-              <a:rPr lang="en-US" b="1" dirty="0"/>
-              <a:t>then</a:t>
-            </a:r>
-            <a:r>
-              <a:rPr lang="en-US" dirty="0"/>
-              <a:t> I2 ) ) </a:t>
-            </a:r>
-            <a:r>
-              <a:rPr lang="en-US" b="1" dirty="0"/>
-              <a:t>else</a:t>
-            </a:r>
-            <a:r>
-              <a:rPr lang="en-US" dirty="0"/>
-              <a:t> I3</a:t>
-            </a:r>
+            <a:pPr marL="0" indent="0">
+              <a:buNone/>
+            </a:pPr>
+            <a:endParaRPr lang="pt-BR" dirty="0"/>
           </a:p>
         </p:txBody>
       </p:sp>
@@ -1703,6 +2400,556 @@
             <a:fld id="{F93199CD-3E1B-4AE6-990F-76F925F5EA9F}" type="slidenum">
               <a:rPr lang="pt-BR" noProof="0" smtClean="0"/>
               <a:t>23</a:t>
+            </a:fld>
+            <a:endParaRPr lang="pt-BR" noProof="0" dirty="0"/>
+          </a:p>
+        </p:txBody>
+      </p:sp>
+    </p:spTree>
+    <p:extLst>
+      <p:ext uri="{BB962C8B-B14F-4D97-AF65-F5344CB8AC3E}">
+        <p14:creationId xmlns:p14="http://schemas.microsoft.com/office/powerpoint/2010/main" val="1254550093"/>
+      </p:ext>
+    </p:extLst>
+  </p:cSld>
+  <p:clrMapOvr>
+    <a:masterClrMapping/>
+  </p:clrMapOvr>
+</p:notes>
+</file>
+
+<file path=ppt/notesSlides/notesSlide16.xml><?xml version="1.0" encoding="utf-8"?>
+<p:notes xmlns:a="http://schemas.openxmlformats.org/drawingml/2006/main" xmlns:r="http://schemas.openxmlformats.org/officeDocument/2006/relationships" xmlns:p="http://schemas.openxmlformats.org/presentationml/2006/main">
+  <p:cSld>
+    <p:spTree>
+      <p:nvGrpSpPr>
+        <p:cNvPr id="1" name=""/>
+        <p:cNvGrpSpPr/>
+        <p:nvPr/>
+      </p:nvGrpSpPr>
+      <p:grpSpPr>
+        <a:xfrm>
+          <a:off x="0" y="0"/>
+          <a:ext cx="0" cy="0"/>
+          <a:chOff x="0" y="0"/>
+          <a:chExt cx="0" cy="0"/>
+        </a:xfrm>
+      </p:grpSpPr>
+      <p:sp>
+        <p:nvSpPr>
+          <p:cNvPr id="2" name="Espaço Reservado para Imagem de Slide 1"/>
+          <p:cNvSpPr>
+            <a:spLocks noGrp="1" noRot="1" noChangeAspect="1"/>
+          </p:cNvSpPr>
+          <p:nvPr>
+            <p:ph type="sldImg"/>
+          </p:nvPr>
+        </p:nvSpPr>
+        <p:spPr/>
+      </p:sp>
+      <p:sp>
+        <p:nvSpPr>
+          <p:cNvPr id="3" name="Espaço Reservado para Anotações 2"/>
+          <p:cNvSpPr>
+            <a:spLocks noGrp="1"/>
+          </p:cNvSpPr>
+          <p:nvPr>
+            <p:ph type="body" idx="1"/>
+          </p:nvPr>
+        </p:nvSpPr>
+        <p:spPr/>
+        <p:txBody>
+          <a:bodyPr/>
+          <a:lstStyle/>
+          <a:p>
+            <a:pPr marL="0" indent="0">
+              <a:buNone/>
+            </a:pPr>
+            <a:r>
+              <a:rPr lang="pt-BR" dirty="0"/>
+              <a:t>c) Gramática:</a:t>
+            </a:r>
+            <a:br>
+              <a:rPr lang="pt-BR" dirty="0"/>
+            </a:br>
+            <a:endParaRPr lang="pt-BR" dirty="0"/>
+          </a:p>
+          <a:p>
+            <a:pPr marL="0" indent="0">
+              <a:buNone/>
+            </a:pPr>
+            <a:r>
+              <a:rPr lang="pt-BR" dirty="0" err="1"/>
+              <a:t>rexpr</a:t>
+            </a:r>
+            <a:r>
+              <a:rPr lang="pt-BR" dirty="0"/>
+              <a:t> -&gt; </a:t>
+            </a:r>
+            <a:r>
+              <a:rPr lang="pt-BR" dirty="0" err="1"/>
+              <a:t>rterm</a:t>
+            </a:r>
+            <a:r>
+              <a:rPr lang="pt-BR" dirty="0"/>
+              <a:t> A </a:t>
+            </a:r>
+          </a:p>
+          <a:p>
+            <a:pPr marL="0" indent="0">
+              <a:buNone/>
+            </a:pPr>
+            <a:r>
+              <a:rPr lang="pt-BR" dirty="0"/>
+              <a:t>A -&gt; + </a:t>
+            </a:r>
+            <a:r>
+              <a:rPr lang="pt-BR" dirty="0" err="1"/>
+              <a:t>rterm</a:t>
+            </a:r>
+            <a:r>
+              <a:rPr lang="pt-BR" dirty="0"/>
+              <a:t> A | </a:t>
+            </a:r>
+            <a:r>
+              <a:rPr lang="el-GR" dirty="0"/>
+              <a:t>ε </a:t>
+            </a:r>
+          </a:p>
+          <a:p>
+            <a:pPr marL="0" indent="0">
+              <a:buNone/>
+            </a:pPr>
+            <a:r>
+              <a:rPr lang="pt-BR" dirty="0" err="1"/>
+              <a:t>rterm</a:t>
+            </a:r>
+            <a:r>
+              <a:rPr lang="pt-BR" dirty="0"/>
+              <a:t> -&gt; </a:t>
+            </a:r>
+            <a:r>
+              <a:rPr lang="pt-BR" dirty="0" err="1"/>
+              <a:t>rfactor</a:t>
+            </a:r>
+            <a:r>
+              <a:rPr lang="pt-BR" dirty="0"/>
+              <a:t> B </a:t>
+            </a:r>
+          </a:p>
+          <a:p>
+            <a:pPr marL="0" indent="0">
+              <a:buNone/>
+            </a:pPr>
+            <a:r>
+              <a:rPr lang="pt-BR" dirty="0"/>
+              <a:t>B -&gt; </a:t>
+            </a:r>
+            <a:r>
+              <a:rPr lang="pt-BR" dirty="0" err="1"/>
+              <a:t>rfactor</a:t>
+            </a:r>
+            <a:r>
+              <a:rPr lang="pt-BR" dirty="0"/>
+              <a:t> B | </a:t>
+            </a:r>
+            <a:r>
+              <a:rPr lang="el-GR" dirty="0"/>
+              <a:t>ε </a:t>
+            </a:r>
+          </a:p>
+          <a:p>
+            <a:pPr marL="0" indent="0">
+              <a:buNone/>
+            </a:pPr>
+            <a:r>
+              <a:rPr lang="pt-BR" dirty="0" err="1"/>
+              <a:t>rfactor</a:t>
+            </a:r>
+            <a:r>
+              <a:rPr lang="pt-BR" dirty="0"/>
+              <a:t> -&gt; </a:t>
+            </a:r>
+            <a:r>
+              <a:rPr lang="pt-BR" dirty="0" err="1"/>
+              <a:t>rprimary</a:t>
+            </a:r>
+            <a:r>
+              <a:rPr lang="pt-BR" dirty="0"/>
+              <a:t> C </a:t>
+            </a:r>
+          </a:p>
+          <a:p>
+            <a:pPr marL="0" indent="0">
+              <a:buNone/>
+            </a:pPr>
+            <a:r>
+              <a:rPr lang="pt-BR" dirty="0"/>
+              <a:t>C -&gt; * C | </a:t>
+            </a:r>
+            <a:r>
+              <a:rPr lang="el-GR" dirty="0"/>
+              <a:t>ε </a:t>
+            </a:r>
+          </a:p>
+          <a:p>
+            <a:pPr marL="0" indent="0">
+              <a:buNone/>
+            </a:pPr>
+            <a:r>
+              <a:rPr lang="pt-BR" dirty="0" err="1"/>
+              <a:t>rprimary</a:t>
+            </a:r>
+            <a:r>
+              <a:rPr lang="pt-BR" dirty="0"/>
+              <a:t> -&gt; a | b</a:t>
+            </a:r>
+            <a:br>
+              <a:rPr lang="pt-BR" dirty="0"/>
+            </a:br>
+            <a:endParaRPr lang="pt-BR" dirty="0"/>
+          </a:p>
+        </p:txBody>
+      </p:sp>
+      <p:sp>
+        <p:nvSpPr>
+          <p:cNvPr id="4" name="Espaço Reservado para Número de Slide 3"/>
+          <p:cNvSpPr>
+            <a:spLocks noGrp="1"/>
+          </p:cNvSpPr>
+          <p:nvPr>
+            <p:ph type="sldNum" sz="quarter" idx="5"/>
+          </p:nvPr>
+        </p:nvSpPr>
+        <p:spPr/>
+        <p:txBody>
+          <a:bodyPr/>
+          <a:lstStyle/>
+          <a:p>
+            <a:pPr rtl="0"/>
+            <a:fld id="{F93199CD-3E1B-4AE6-990F-76F925F5EA9F}" type="slidenum">
+              <a:rPr lang="pt-BR" noProof="0" smtClean="0"/>
+              <a:t>24</a:t>
+            </a:fld>
+            <a:endParaRPr lang="pt-BR" noProof="0" dirty="0"/>
+          </a:p>
+        </p:txBody>
+      </p:sp>
+    </p:spTree>
+    <p:extLst>
+      <p:ext uri="{BB962C8B-B14F-4D97-AF65-F5344CB8AC3E}">
+        <p14:creationId xmlns:p14="http://schemas.microsoft.com/office/powerpoint/2010/main" val="2408726377"/>
+      </p:ext>
+    </p:extLst>
+  </p:cSld>
+  <p:clrMapOvr>
+    <a:masterClrMapping/>
+  </p:clrMapOvr>
+</p:notes>
+</file>
+
+<file path=ppt/notesSlides/notesSlide17.xml><?xml version="1.0" encoding="utf-8"?>
+<p:notes xmlns:a="http://schemas.openxmlformats.org/drawingml/2006/main" xmlns:r="http://schemas.openxmlformats.org/officeDocument/2006/relationships" xmlns:p="http://schemas.openxmlformats.org/presentationml/2006/main">
+  <p:cSld>
+    <p:spTree>
+      <p:nvGrpSpPr>
+        <p:cNvPr id="1" name=""/>
+        <p:cNvGrpSpPr/>
+        <p:nvPr/>
+      </p:nvGrpSpPr>
+      <p:grpSpPr>
+        <a:xfrm>
+          <a:off x="0" y="0"/>
+          <a:ext cx="0" cy="0"/>
+          <a:chOff x="0" y="0"/>
+          <a:chExt cx="0" cy="0"/>
+        </a:xfrm>
+      </p:grpSpPr>
+      <p:sp>
+        <p:nvSpPr>
+          <p:cNvPr id="2" name="Espaço Reservado para Imagem de Slide 1"/>
+          <p:cNvSpPr>
+            <a:spLocks noGrp="1" noRot="1" noChangeAspect="1"/>
+          </p:cNvSpPr>
+          <p:nvPr>
+            <p:ph type="sldImg"/>
+          </p:nvPr>
+        </p:nvSpPr>
+        <p:spPr/>
+      </p:sp>
+      <p:sp>
+        <p:nvSpPr>
+          <p:cNvPr id="3" name="Espaço Reservado para Anotações 2"/>
+          <p:cNvSpPr>
+            <a:spLocks noGrp="1"/>
+          </p:cNvSpPr>
+          <p:nvPr>
+            <p:ph type="body" idx="1"/>
+          </p:nvPr>
+        </p:nvSpPr>
+        <p:spPr/>
+        <p:txBody>
+          <a:bodyPr/>
+          <a:lstStyle/>
+          <a:p>
+            <a:pPr marL="0" indent="0">
+              <a:buNone/>
+            </a:pPr>
+            <a:r>
+              <a:rPr lang="pt-BR" dirty="0"/>
+              <a:t>d) Se não for ambígua, sim.</a:t>
+            </a:r>
+          </a:p>
+        </p:txBody>
+      </p:sp>
+      <p:sp>
+        <p:nvSpPr>
+          <p:cNvPr id="4" name="Espaço Reservado para Número de Slide 3"/>
+          <p:cNvSpPr>
+            <a:spLocks noGrp="1"/>
+          </p:cNvSpPr>
+          <p:nvPr>
+            <p:ph type="sldNum" sz="quarter" idx="5"/>
+          </p:nvPr>
+        </p:nvSpPr>
+        <p:spPr/>
+        <p:txBody>
+          <a:bodyPr/>
+          <a:lstStyle/>
+          <a:p>
+            <a:pPr rtl="0"/>
+            <a:fld id="{F93199CD-3E1B-4AE6-990F-76F925F5EA9F}" type="slidenum">
+              <a:rPr lang="pt-BR" noProof="0" smtClean="0"/>
+              <a:t>25</a:t>
+            </a:fld>
+            <a:endParaRPr lang="pt-BR" noProof="0" dirty="0"/>
+          </a:p>
+        </p:txBody>
+      </p:sp>
+    </p:spTree>
+    <p:extLst>
+      <p:ext uri="{BB962C8B-B14F-4D97-AF65-F5344CB8AC3E}">
+        <p14:creationId xmlns:p14="http://schemas.microsoft.com/office/powerpoint/2010/main" val="3255139376"/>
+      </p:ext>
+    </p:extLst>
+  </p:cSld>
+  <p:clrMapOvr>
+    <a:masterClrMapping/>
+  </p:clrMapOvr>
+</p:notes>
+</file>
+
+<file path=ppt/notesSlides/notesSlide18.xml><?xml version="1.0" encoding="utf-8"?>
+<p:notes xmlns:a="http://schemas.openxmlformats.org/drawingml/2006/main" xmlns:r="http://schemas.openxmlformats.org/officeDocument/2006/relationships" xmlns:p="http://schemas.openxmlformats.org/presentationml/2006/main">
+  <p:cSld>
+    <p:spTree>
+      <p:nvGrpSpPr>
+        <p:cNvPr id="1" name=""/>
+        <p:cNvGrpSpPr/>
+        <p:nvPr/>
+      </p:nvGrpSpPr>
+      <p:grpSpPr>
+        <a:xfrm>
+          <a:off x="0" y="0"/>
+          <a:ext cx="0" cy="0"/>
+          <a:chOff x="0" y="0"/>
+          <a:chExt cx="0" cy="0"/>
+        </a:xfrm>
+      </p:grpSpPr>
+      <p:sp>
+        <p:nvSpPr>
+          <p:cNvPr id="2" name="Espaço Reservado para Imagem de Slide 1"/>
+          <p:cNvSpPr>
+            <a:spLocks noGrp="1" noRot="1" noChangeAspect="1"/>
+          </p:cNvSpPr>
+          <p:nvPr>
+            <p:ph type="sldImg"/>
+          </p:nvPr>
+        </p:nvSpPr>
+        <p:spPr/>
+      </p:sp>
+      <p:sp>
+        <p:nvSpPr>
+          <p:cNvPr id="3" name="Espaço Reservado para Anotações 2"/>
+          <p:cNvSpPr>
+            <a:spLocks noGrp="1"/>
+          </p:cNvSpPr>
+          <p:nvPr>
+            <p:ph type="body" idx="1"/>
+          </p:nvPr>
+        </p:nvSpPr>
+        <p:spPr/>
+        <p:txBody>
+          <a:bodyPr/>
+          <a:lstStyle/>
+          <a:p>
+            <a:r>
+              <a:rPr lang="pt-BR" b="0" noProof="0" dirty="0"/>
+              <a:t>Atividade para casa.</a:t>
+            </a:r>
+          </a:p>
+          <a:p>
+            <a:endParaRPr lang="pt-BR" b="0" noProof="0" dirty="0"/>
+          </a:p>
+          <a:p>
+            <a:r>
+              <a:rPr lang="pt-BR" b="0" noProof="0" dirty="0"/>
+              <a:t>As duas derivações possíveis mostram que ela é ambígua:</a:t>
+            </a:r>
+          </a:p>
+          <a:p>
+            <a:r>
+              <a:rPr lang="en-US" b="1" dirty="0"/>
+              <a:t>if</a:t>
+            </a:r>
+            <a:r>
+              <a:rPr lang="en-US" dirty="0"/>
+              <a:t> E1 </a:t>
+            </a:r>
+            <a:r>
+              <a:rPr lang="en-US" b="1" dirty="0"/>
+              <a:t>then</a:t>
+            </a:r>
+            <a:r>
+              <a:rPr lang="en-US" dirty="0"/>
+              <a:t> ( </a:t>
+            </a:r>
+            <a:r>
+              <a:rPr lang="en-US" b="1" dirty="0"/>
+              <a:t>if</a:t>
+            </a:r>
+            <a:r>
+              <a:rPr lang="en-US" dirty="0"/>
+              <a:t> E2 </a:t>
+            </a:r>
+            <a:r>
+              <a:rPr lang="en-US" b="1" dirty="0"/>
+              <a:t>then</a:t>
+            </a:r>
+            <a:r>
+              <a:rPr lang="en-US" dirty="0"/>
+              <a:t> I1 </a:t>
+            </a:r>
+            <a:r>
+              <a:rPr lang="en-US" b="1" dirty="0"/>
+              <a:t>else</a:t>
+            </a:r>
+            <a:r>
+              <a:rPr lang="en-US" dirty="0"/>
+              <a:t> ( </a:t>
+            </a:r>
+            <a:r>
+              <a:rPr lang="en-US" b="1" dirty="0"/>
+              <a:t>if</a:t>
+            </a:r>
+            <a:r>
+              <a:rPr lang="en-US" dirty="0"/>
+              <a:t> E3 </a:t>
+            </a:r>
+            <a:r>
+              <a:rPr lang="en-US" b="1" dirty="0"/>
+              <a:t>then</a:t>
+            </a:r>
+            <a:r>
+              <a:rPr lang="en-US" dirty="0"/>
+              <a:t> I2 </a:t>
+            </a:r>
+            <a:r>
+              <a:rPr lang="en-US" b="1" dirty="0"/>
+              <a:t>else</a:t>
+            </a:r>
+            <a:r>
+              <a:rPr lang="en-US" dirty="0"/>
+              <a:t> I3 ) )</a:t>
+            </a:r>
+          </a:p>
+          <a:p>
+            <a:r>
+              <a:rPr lang="en-US" b="1" dirty="0"/>
+              <a:t>if</a:t>
+            </a:r>
+            <a:r>
+              <a:rPr lang="en-US" dirty="0"/>
+              <a:t> E1 </a:t>
+            </a:r>
+            <a:r>
+              <a:rPr lang="en-US" b="1" dirty="0"/>
+              <a:t>then</a:t>
+            </a:r>
+            <a:r>
+              <a:rPr lang="en-US" dirty="0"/>
+              <a:t> ( </a:t>
+            </a:r>
+            <a:r>
+              <a:rPr lang="en-US" b="1" dirty="0"/>
+              <a:t>if</a:t>
+            </a:r>
+            <a:r>
+              <a:rPr lang="en-US" dirty="0"/>
+              <a:t> E2 </a:t>
+            </a:r>
+            <a:r>
+              <a:rPr lang="en-US" b="1" dirty="0"/>
+              <a:t>then</a:t>
+            </a:r>
+            <a:r>
+              <a:rPr lang="en-US" dirty="0"/>
+              <a:t> I1 </a:t>
+            </a:r>
+            <a:r>
+              <a:rPr lang="en-US" b="1" dirty="0"/>
+              <a:t>else</a:t>
+            </a:r>
+            <a:r>
+              <a:rPr lang="en-US" dirty="0"/>
+              <a:t> ( </a:t>
+            </a:r>
+            <a:r>
+              <a:rPr lang="en-US" b="1" dirty="0"/>
+              <a:t>if</a:t>
+            </a:r>
+            <a:r>
+              <a:rPr lang="en-US" dirty="0"/>
+              <a:t> E3 </a:t>
+            </a:r>
+            <a:r>
+              <a:rPr lang="en-US" b="1" dirty="0"/>
+              <a:t>then</a:t>
+            </a:r>
+            <a:r>
+              <a:rPr lang="en-US" dirty="0"/>
+              <a:t> I2 ) ) </a:t>
+            </a:r>
+            <a:r>
+              <a:rPr lang="en-US" b="1" dirty="0"/>
+              <a:t>else</a:t>
+            </a:r>
+            <a:r>
+              <a:rPr lang="en-US" dirty="0"/>
+              <a:t> I3</a:t>
+            </a:r>
+          </a:p>
+        </p:txBody>
+      </p:sp>
+      <p:sp>
+        <p:nvSpPr>
+          <p:cNvPr id="4" name="Espaço Reservado para Número de Slide 3"/>
+          <p:cNvSpPr>
+            <a:spLocks noGrp="1"/>
+          </p:cNvSpPr>
+          <p:nvPr>
+            <p:ph type="sldNum" sz="quarter" idx="5"/>
+          </p:nvPr>
+        </p:nvSpPr>
+        <p:spPr/>
+        <p:txBody>
+          <a:bodyPr/>
+          <a:lstStyle/>
+          <a:p>
+            <a:pPr rtl="0"/>
+            <a:fld id="{F93199CD-3E1B-4AE6-990F-76F925F5EA9F}" type="slidenum">
+              <a:rPr lang="pt-BR" noProof="0" smtClean="0"/>
+              <a:t>26</a:t>
             </a:fld>
             <a:endParaRPr lang="pt-BR" noProof="0" dirty="0"/>
           </a:p>
@@ -1976,47 +3223,15 @@
           <a:p>
             <a:r>
               <a:rPr lang="pt-BR" dirty="0"/>
-              <a:t>A ideia é que entre um </a:t>
+              <a:t>Para remover a ambiguidade é preciso que exista alguma regra na linguagem que torne uma das possibilidades </a:t>
             </a:r>
             <a:r>
               <a:rPr lang="pt-BR" dirty="0" err="1"/>
-              <a:t>then</a:t>
+              <a:t>inválivas</a:t>
             </a:r>
             <a:r>
               <a:rPr lang="pt-BR" dirty="0"/>
-              <a:t> e um </a:t>
-            </a:r>
-            <a:r>
-              <a:rPr lang="pt-BR" dirty="0" err="1"/>
-              <a:t>else</a:t>
-            </a:r>
-            <a:r>
-              <a:rPr lang="pt-BR" dirty="0"/>
-              <a:t> não pode haver um </a:t>
-            </a:r>
-            <a:r>
-              <a:rPr lang="pt-BR" dirty="0" err="1"/>
-              <a:t>if-then</a:t>
-            </a:r>
-            <a:r>
-              <a:rPr lang="pt-BR" dirty="0"/>
-              <a:t>, porque senão abre a possibilidade de o </a:t>
-            </a:r>
-            <a:r>
-              <a:rPr lang="pt-BR" dirty="0" err="1"/>
-              <a:t>else</a:t>
-            </a:r>
-            <a:r>
-              <a:rPr lang="pt-BR" dirty="0"/>
-              <a:t> casar com o </a:t>
-            </a:r>
-            <a:r>
-              <a:rPr lang="pt-BR" dirty="0" err="1"/>
-              <a:t>if-then</a:t>
-            </a:r>
-            <a:r>
-              <a:rPr lang="pt-BR" dirty="0"/>
-              <a:t> mais interno ou o mais externo.</a:t>
+              <a:t>.</a:t>
             </a:r>
           </a:p>
         </p:txBody>
@@ -2028,7 +3243,7 @@
             <a:spLocks noGrp="1"/>
           </p:cNvSpPr>
           <p:nvPr>
-            <p:ph type="sldNum" sz="quarter" idx="10"/>
+            <p:ph type="sldNum" sz="quarter" idx="5"/>
           </p:nvPr>
         </p:nvSpPr>
         <p:spPr/>
@@ -2039,7 +3254,7 @@
             <a:pPr rtl="0"/>
             <a:fld id="{F93199CD-3E1B-4AE6-990F-76F925F5EA9F}" type="slidenum">
               <a:rPr lang="pt-BR" noProof="0" smtClean="0"/>
-              <a:t>7</a:t>
+              <a:t>6</a:t>
             </a:fld>
             <a:endParaRPr lang="pt-BR" noProof="0" dirty="0"/>
           </a:p>
@@ -2048,7 +3263,7 @@
     </p:spTree>
     <p:extLst>
       <p:ext uri="{BB962C8B-B14F-4D97-AF65-F5344CB8AC3E}">
-        <p14:creationId xmlns:p14="http://schemas.microsoft.com/office/powerpoint/2010/main" val="3857327080"/>
+        <p14:creationId xmlns:p14="http://schemas.microsoft.com/office/powerpoint/2010/main" val="4022447829"/>
       </p:ext>
     </p:extLst>
   </p:cSld>
@@ -2104,7 +3319,47 @@
           <a:p>
             <a:r>
               <a:rPr lang="pt-BR" dirty="0"/>
-              <a:t>A seta com mais significa que existe uma ou mais derivações que levam A até A𝛼</a:t>
+              <a:t>A ideia é que entre um </a:t>
+            </a:r>
+            <a:r>
+              <a:rPr lang="pt-BR" dirty="0" err="1"/>
+              <a:t>then</a:t>
+            </a:r>
+            <a:r>
+              <a:rPr lang="pt-BR" dirty="0"/>
+              <a:t> e um </a:t>
+            </a:r>
+            <a:r>
+              <a:rPr lang="pt-BR" dirty="0" err="1"/>
+              <a:t>else</a:t>
+            </a:r>
+            <a:r>
+              <a:rPr lang="pt-BR" dirty="0"/>
+              <a:t> não pode haver um </a:t>
+            </a:r>
+            <a:r>
+              <a:rPr lang="pt-BR" dirty="0" err="1"/>
+              <a:t>if-then</a:t>
+            </a:r>
+            <a:r>
+              <a:rPr lang="pt-BR" dirty="0"/>
+              <a:t>, porque senão abre a possibilidade de o </a:t>
+            </a:r>
+            <a:r>
+              <a:rPr lang="pt-BR" dirty="0" err="1"/>
+              <a:t>else</a:t>
+            </a:r>
+            <a:r>
+              <a:rPr lang="pt-BR" dirty="0"/>
+              <a:t> casar com o </a:t>
+            </a:r>
+            <a:r>
+              <a:rPr lang="pt-BR" dirty="0" err="1"/>
+              <a:t>if-then</a:t>
+            </a:r>
+            <a:r>
+              <a:rPr lang="pt-BR" dirty="0"/>
+              <a:t> mais interno ou o mais externo.</a:t>
             </a:r>
           </a:p>
         </p:txBody>
@@ -2127,7 +3382,7 @@
             <a:pPr rtl="0"/>
             <a:fld id="{F93199CD-3E1B-4AE6-990F-76F925F5EA9F}" type="slidenum">
               <a:rPr lang="pt-BR" noProof="0" smtClean="0"/>
-              <a:t>12</a:t>
+              <a:t>7</a:t>
             </a:fld>
             <a:endParaRPr lang="pt-BR" noProof="0" dirty="0"/>
           </a:p>
@@ -2136,7 +3391,7 @@
     </p:spTree>
     <p:extLst>
       <p:ext uri="{BB962C8B-B14F-4D97-AF65-F5344CB8AC3E}">
-        <p14:creationId xmlns:p14="http://schemas.microsoft.com/office/powerpoint/2010/main" val="3658610493"/>
+        <p14:creationId xmlns:p14="http://schemas.microsoft.com/office/powerpoint/2010/main" val="3857327080"/>
       </p:ext>
     </p:extLst>
   </p:cSld>
@@ -2192,7 +3447,7 @@
           <a:p>
             <a:r>
               <a:rPr lang="pt-BR" dirty="0"/>
-              <a:t>A gramática ambígua do slide 8 pode ser usada como exemplo.</a:t>
+              <a:t>A seta com mais significa que existe uma ou mais derivações que levam A até A𝛼</a:t>
             </a:r>
           </a:p>
         </p:txBody>
@@ -2215,7 +3470,7 @@
             <a:pPr rtl="0"/>
             <a:fld id="{F93199CD-3E1B-4AE6-990F-76F925F5EA9F}" type="slidenum">
               <a:rPr lang="pt-BR" noProof="0" smtClean="0"/>
-              <a:t>14</a:t>
+              <a:t>12</a:t>
             </a:fld>
             <a:endParaRPr lang="pt-BR" noProof="0" dirty="0"/>
           </a:p>
@@ -2224,7 +3479,7 @@
     </p:spTree>
     <p:extLst>
       <p:ext uri="{BB962C8B-B14F-4D97-AF65-F5344CB8AC3E}">
-        <p14:creationId xmlns:p14="http://schemas.microsoft.com/office/powerpoint/2010/main" val="3093774319"/>
+        <p14:creationId xmlns:p14="http://schemas.microsoft.com/office/powerpoint/2010/main" val="3658610493"/>
       </p:ext>
     </p:extLst>
   </p:cSld>
@@ -2280,70 +3535,18 @@
           <a:p>
             <a:r>
               <a:rPr lang="pt-BR" dirty="0"/>
-              <a:t>No exemplo, só existe </a:t>
+              <a:t>Por que se algum </a:t>
             </a:r>
             <a:r>
               <a:rPr lang="pt-BR" dirty="0">
-                <a:latin typeface="Consolas" panose="020B0609020204030204" pitchFamily="49" charset="0"/>
-              </a:rPr>
-              <a:t>𝛼</a:t>
-            </a:r>
-            <a:r>
-              <a:rPr lang="pt-BR" baseline="-25000" dirty="0">
-                <a:latin typeface="Consolas" panose="020B0609020204030204" pitchFamily="49" charset="0"/>
-              </a:rPr>
-              <a:t>1, </a:t>
-            </a:r>
-            <a:r>
-              <a:rPr lang="pt-BR" dirty="0">
-                <a:latin typeface="Consolas" panose="020B0609020204030204" pitchFamily="49" charset="0"/>
-              </a:rPr>
-              <a:t>𝛼</a:t>
-            </a:r>
-            <a:r>
-              <a:rPr lang="pt-BR" baseline="-25000" dirty="0">
-                <a:latin typeface="Consolas" panose="020B0609020204030204" pitchFamily="49" charset="0"/>
-              </a:rPr>
-              <a:t>2,</a:t>
-            </a:r>
-            <a:r>
-              <a:rPr lang="pt-BR" dirty="0">
-                <a:latin typeface="Consolas" panose="020B0609020204030204" pitchFamily="49" charset="0"/>
-                <a:sym typeface="Wingdings 3" panose="05040102010807070707" pitchFamily="18" charset="2"/>
-              </a:rPr>
-              <a:t> </a:t>
-            </a:r>
-            <a:r>
-              <a:rPr lang="el-GR" dirty="0">
-                <a:latin typeface="Consolas" panose="020B0609020204030204" pitchFamily="49" charset="0"/>
-              </a:rPr>
-              <a:t>β</a:t>
-            </a:r>
-            <a:r>
-              <a:rPr lang="pt-BR" baseline="-25000" dirty="0">
-                <a:latin typeface="Consolas" panose="020B0609020204030204" pitchFamily="49" charset="0"/>
-              </a:rPr>
-              <a:t>1</a:t>
-            </a:r>
-            <a:r>
-              <a:rPr lang="pt-BR" dirty="0">
-                <a:latin typeface="Consolas" panose="020B0609020204030204" pitchFamily="49" charset="0"/>
-              </a:rPr>
-              <a:t> e</a:t>
-            </a:r>
-            <a:r>
-              <a:rPr lang="el-GR" dirty="0">
-                <a:latin typeface="Consolas" panose="020B0609020204030204" pitchFamily="49" charset="0"/>
-              </a:rPr>
-              <a:t> β</a:t>
-            </a:r>
-            <a:r>
-              <a:rPr lang="pt-BR" baseline="-25000" dirty="0">
-                <a:latin typeface="Consolas" panose="020B0609020204030204" pitchFamily="49" charset="0"/>
-              </a:rPr>
-              <a:t>2</a:t>
-            </a:r>
-            <a:endParaRPr lang="pt-BR" dirty="0"/>
+                <a:latin typeface="+mj-lt"/>
+              </a:rPr>
+              <a:t>𝛼 </a:t>
+            </a:r>
+            <a:r>
+              <a:rPr lang="pt-BR" dirty="0"/>
+              <a:t>for vazio, teremos R -&gt; R, o que significa que teremos recursão a esquerda após o procedimento.</a:t>
+            </a:r>
           </a:p>
         </p:txBody>
       </p:sp>
@@ -2365,7 +3568,7 @@
             <a:pPr rtl="0"/>
             <a:fld id="{F93199CD-3E1B-4AE6-990F-76F925F5EA9F}" type="slidenum">
               <a:rPr lang="pt-BR" noProof="0" smtClean="0"/>
-              <a:t>15</a:t>
+              <a:t>14</a:t>
             </a:fld>
             <a:endParaRPr lang="pt-BR" noProof="0" dirty="0"/>
           </a:p>
@@ -2374,7 +3577,7 @@
     </p:spTree>
     <p:extLst>
       <p:ext uri="{BB962C8B-B14F-4D97-AF65-F5344CB8AC3E}">
-        <p14:creationId xmlns:p14="http://schemas.microsoft.com/office/powerpoint/2010/main" val="2292785105"/>
+        <p14:creationId xmlns:p14="http://schemas.microsoft.com/office/powerpoint/2010/main" val="3093774319"/>
       </p:ext>
     </p:extLst>
   </p:cSld>
@@ -2430,8 +3633,70 @@
           <a:p>
             <a:r>
               <a:rPr lang="pt-BR" dirty="0"/>
-              <a:t>Os ciclos e as produções vazias podem ser eliminados de uma gramática</a:t>
-            </a:r>
+              <a:t>No exemplo, só existe </a:t>
+            </a:r>
+            <a:r>
+              <a:rPr lang="pt-BR" dirty="0">
+                <a:latin typeface="Consolas" panose="020B0609020204030204" pitchFamily="49" charset="0"/>
+              </a:rPr>
+              <a:t>𝛼</a:t>
+            </a:r>
+            <a:r>
+              <a:rPr lang="pt-BR" baseline="-25000" dirty="0">
+                <a:latin typeface="Consolas" panose="020B0609020204030204" pitchFamily="49" charset="0"/>
+              </a:rPr>
+              <a:t>1, </a:t>
+            </a:r>
+            <a:r>
+              <a:rPr lang="pt-BR" dirty="0">
+                <a:latin typeface="Consolas" panose="020B0609020204030204" pitchFamily="49" charset="0"/>
+              </a:rPr>
+              <a:t>𝛼</a:t>
+            </a:r>
+            <a:r>
+              <a:rPr lang="pt-BR" baseline="-25000" dirty="0">
+                <a:latin typeface="Consolas" panose="020B0609020204030204" pitchFamily="49" charset="0"/>
+              </a:rPr>
+              <a:t>2,</a:t>
+            </a:r>
+            <a:r>
+              <a:rPr lang="pt-BR" dirty="0">
+                <a:latin typeface="Consolas" panose="020B0609020204030204" pitchFamily="49" charset="0"/>
+                <a:sym typeface="Wingdings 3" panose="05040102010807070707" pitchFamily="18" charset="2"/>
+              </a:rPr>
+              <a:t> </a:t>
+            </a:r>
+            <a:r>
+              <a:rPr lang="el-GR" dirty="0">
+                <a:latin typeface="Consolas" panose="020B0609020204030204" pitchFamily="49" charset="0"/>
+              </a:rPr>
+              <a:t>β</a:t>
+            </a:r>
+            <a:r>
+              <a:rPr lang="pt-BR" baseline="-25000" dirty="0">
+                <a:latin typeface="Consolas" panose="020B0609020204030204" pitchFamily="49" charset="0"/>
+              </a:rPr>
+              <a:t>1</a:t>
+            </a:r>
+            <a:r>
+              <a:rPr lang="pt-BR" dirty="0">
+                <a:latin typeface="Consolas" panose="020B0609020204030204" pitchFamily="49" charset="0"/>
+              </a:rPr>
+              <a:t> e</a:t>
+            </a:r>
+            <a:r>
+              <a:rPr lang="el-GR" dirty="0">
+                <a:latin typeface="Consolas" panose="020B0609020204030204" pitchFamily="49" charset="0"/>
+              </a:rPr>
+              <a:t> β</a:t>
+            </a:r>
+            <a:r>
+              <a:rPr lang="pt-BR" baseline="-25000" dirty="0">
+                <a:latin typeface="Consolas" panose="020B0609020204030204" pitchFamily="49" charset="0"/>
+              </a:rPr>
+              <a:t>2</a:t>
+            </a:r>
+            <a:endParaRPr lang="pt-BR" dirty="0"/>
           </a:p>
         </p:txBody>
       </p:sp>
@@ -2453,7 +3718,7 @@
             <a:pPr rtl="0"/>
             <a:fld id="{F93199CD-3E1B-4AE6-990F-76F925F5EA9F}" type="slidenum">
               <a:rPr lang="pt-BR" noProof="0" smtClean="0"/>
-              <a:t>16</a:t>
+              <a:t>15</a:t>
             </a:fld>
             <a:endParaRPr lang="pt-BR" noProof="0" dirty="0"/>
           </a:p>
@@ -2462,7 +3727,7 @@
     </p:spTree>
     <p:extLst>
       <p:ext uri="{BB962C8B-B14F-4D97-AF65-F5344CB8AC3E}">
-        <p14:creationId xmlns:p14="http://schemas.microsoft.com/office/powerpoint/2010/main" val="176493935"/>
+        <p14:creationId xmlns:p14="http://schemas.microsoft.com/office/powerpoint/2010/main" val="2292785105"/>
       </p:ext>
     </p:extLst>
   </p:cSld>
@@ -2517,47 +3782,9 @@
           <a:lstStyle/>
           <a:p>
             <a:r>
-              <a:rPr lang="el-GR" dirty="0">
-                <a:latin typeface="Cambria Math" panose="02040503050406030204" pitchFamily="18" charset="0"/>
-                <a:ea typeface="Cambria Math" panose="02040503050406030204" pitchFamily="18" charset="0"/>
-              </a:rPr>
-              <a:t>γ</a:t>
-            </a:r>
-            <a:r>
-              <a:rPr lang="pt-BR" dirty="0">
-                <a:latin typeface="Cambria Math" panose="02040503050406030204" pitchFamily="18" charset="0"/>
-                <a:ea typeface="Cambria Math" panose="02040503050406030204" pitchFamily="18" charset="0"/>
-              </a:rPr>
-              <a:t> = </a:t>
-            </a:r>
-            <a:r>
-              <a:rPr lang="pt-BR" dirty="0" err="1">
-                <a:latin typeface="Cambria Math" panose="02040503050406030204" pitchFamily="18" charset="0"/>
-                <a:ea typeface="Cambria Math" panose="02040503050406030204" pitchFamily="18" charset="0"/>
-              </a:rPr>
-              <a:t>gamma</a:t>
-            </a:r>
-            <a:endParaRPr lang="pt-BR" dirty="0">
-              <a:latin typeface="Cambria Math" panose="02040503050406030204" pitchFamily="18" charset="0"/>
-              <a:ea typeface="Cambria Math" panose="02040503050406030204" pitchFamily="18" charset="0"/>
-            </a:endParaRPr>
-          </a:p>
-          <a:p>
-            <a:r>
-              <a:rPr lang="el-GR" dirty="0">
-                <a:latin typeface="Cambria Math" panose="02040503050406030204" pitchFamily="18" charset="0"/>
-                <a:ea typeface="Cambria Math" panose="02040503050406030204" pitchFamily="18" charset="0"/>
-              </a:rPr>
-              <a:t>δ</a:t>
-            </a:r>
-            <a:r>
-              <a:rPr lang="pt-BR" dirty="0">
-                <a:latin typeface="Cambria Math" panose="02040503050406030204" pitchFamily="18" charset="0"/>
-                <a:ea typeface="Cambria Math" panose="02040503050406030204" pitchFamily="18" charset="0"/>
-              </a:rPr>
-              <a:t> = delta</a:t>
-            </a:r>
-            <a:endParaRPr lang="pt-BR" dirty="0"/>
+              <a:rPr lang="pt-BR" dirty="0"/>
+              <a:t>Os ciclos e as produções com alfas vazios podem ser eliminados de uma gramática</a:t>
+            </a:r>
           </a:p>
         </p:txBody>
       </p:sp>
@@ -2579,7 +3806,7 @@
             <a:pPr rtl="0"/>
             <a:fld id="{F93199CD-3E1B-4AE6-990F-76F925F5EA9F}" type="slidenum">
               <a:rPr lang="pt-BR" noProof="0" smtClean="0"/>
-              <a:t>17</a:t>
+              <a:t>16</a:t>
             </a:fld>
             <a:endParaRPr lang="pt-BR" noProof="0" dirty="0"/>
           </a:p>
@@ -2588,7 +3815,7 @@
     </p:spTree>
     <p:extLst>
       <p:ext uri="{BB962C8B-B14F-4D97-AF65-F5344CB8AC3E}">
-        <p14:creationId xmlns:p14="http://schemas.microsoft.com/office/powerpoint/2010/main" val="1644409455"/>
+        <p14:creationId xmlns:p14="http://schemas.microsoft.com/office/powerpoint/2010/main" val="176493935"/>
       </p:ext>
     </p:extLst>
   </p:cSld>
@@ -3094,7 +4321,7 @@
             <a:pPr rtl="0"/>
             <a:fld id="{7386073F-07CC-4F54-983C-A08F76E2B22C}" type="datetime1">
               <a:rPr lang="pt-BR" noProof="0" smtClean="0"/>
-              <a:t>13/01/2020</a:t>
+              <a:t>10/05/2021</a:t>
             </a:fld>
             <a:endParaRPr lang="pt-BR" noProof="0" dirty="0"/>
           </a:p>
@@ -3318,7 +4545,7 @@
             <a:pPr rtl="0"/>
             <a:fld id="{A09B9D17-E8D2-48F1-BB8E-8435624068C9}" type="datetime1">
               <a:rPr lang="pt-BR" noProof="0" smtClean="0"/>
-              <a:t>13/01/2020</a:t>
+              <a:t>10/05/2021</a:t>
             </a:fld>
             <a:endParaRPr lang="pt-BR" noProof="0" dirty="0"/>
           </a:p>
@@ -3606,7 +4833,7 @@
             <a:pPr rtl="0"/>
             <a:fld id="{3CC651F5-80DD-4CFE-BBBA-2C23591EF509}" type="datetime1">
               <a:rPr lang="pt-BR" noProof="0" smtClean="0"/>
-              <a:t>13/01/2020</a:t>
+              <a:t>10/05/2021</a:t>
             </a:fld>
             <a:endParaRPr lang="pt-BR" noProof="0" dirty="0"/>
           </a:p>
@@ -3936,7 +5163,7 @@
             <a:pPr rtl="0"/>
             <a:fld id="{E20F3F8A-A3F9-49EF-8A63-4F3E8648871C}" type="datetime1">
               <a:rPr lang="pt-BR" noProof="0" smtClean="0"/>
-              <a:t>13/01/2020</a:t>
+              <a:t>10/05/2021</a:t>
             </a:fld>
             <a:endParaRPr lang="pt-BR" noProof="0" dirty="0"/>
           </a:p>
@@ -4418,7 +5645,7 @@
             <a:pPr rtl="0"/>
             <a:fld id="{DEB5B092-D646-433C-8E29-1081397BD56B}" type="datetime1">
               <a:rPr lang="pt-BR" noProof="0" smtClean="0"/>
-              <a:t>13/01/2020</a:t>
+              <a:t>10/05/2021</a:t>
             </a:fld>
             <a:endParaRPr lang="pt-BR" noProof="0" dirty="0"/>
           </a:p>
@@ -4546,7 +5773,7 @@
             <a:pPr rtl="0"/>
             <a:fld id="{BB4CE6DC-A634-42A5-81DE-6C671B621413}" type="datetime1">
               <a:rPr lang="pt-BR" noProof="0" smtClean="0"/>
-              <a:t>13/01/2020</a:t>
+              <a:t>10/05/2021</a:t>
             </a:fld>
             <a:endParaRPr lang="pt-BR" noProof="0" dirty="0"/>
           </a:p>
@@ -4866,7 +6093,7 @@
             <a:pPr rtl="0"/>
             <a:fld id="{D2212A4E-660E-4296-8499-89CF1C51321A}" type="datetime1">
               <a:rPr lang="pt-BR" noProof="0" smtClean="0"/>
-              <a:t>13/01/2020</a:t>
+              <a:t>10/05/2021</a:t>
             </a:fld>
             <a:endParaRPr lang="pt-BR" noProof="0" dirty="0"/>
           </a:p>
@@ -5204,7 +6431,7 @@
             <a:pPr rtl="0"/>
             <a:fld id="{B1912D32-F3CE-450A-AE4E-30B99005B8FD}" type="datetime1">
               <a:rPr lang="pt-BR" noProof="0" smtClean="0"/>
-              <a:t>13/01/2020</a:t>
+              <a:t>10/05/2021</a:t>
             </a:fld>
             <a:endParaRPr lang="pt-BR" noProof="0" dirty="0"/>
           </a:p>
@@ -5402,7 +6629,7 @@
             <a:pPr rtl="0"/>
             <a:fld id="{7B7F50BC-2F98-4AAD-BE27-6A84E4E8AC1C}" type="datetime1">
               <a:rPr lang="pt-BR" noProof="0" smtClean="0"/>
-              <a:t>13/01/2020</a:t>
+              <a:t>10/05/2021</a:t>
             </a:fld>
             <a:endParaRPr lang="pt-BR" noProof="0" dirty="0"/>
           </a:p>
@@ -5653,7 +6880,7 @@
             <a:pPr rtl="0"/>
             <a:fld id="{BFCDB3FC-E508-4872-9DA3-DD0C1E84DD1A}" type="datetime1">
               <a:rPr lang="pt-BR" noProof="0" smtClean="0"/>
-              <a:t>13/01/2020</a:t>
+              <a:t>10/05/2021</a:t>
             </a:fld>
             <a:endParaRPr lang="pt-BR" noProof="0" dirty="0"/>
           </a:p>
@@ -8110,7 +9337,7 @@
           <a:p>
             <a:r>
               <a:rPr lang="pt-BR" dirty="0"/>
-              <a:t>Necessitamos sempre de informações sobre o </a:t>
+              <a:t>Necessitamos sempre de informações sobre o comportamento esperado das construções </a:t>
             </a:r>
             <a:r>
               <a:rPr lang="pt-BR" dirty="0">
@@ -8120,11 +9347,7 @@
                   </a:schemeClr>
                 </a:solidFill>
               </a:rPr>
-              <a:t>comportamento esperado das construções</a:t>
-            </a:r>
-            <a:r>
-              <a:rPr lang="pt-BR" dirty="0"/>
-              <a:t> para remover as ambiguidades</a:t>
+              <a:t>para remover ambiguidades</a:t>
             </a:r>
           </a:p>
           <a:p>
@@ -8269,7 +9492,7 @@
           <a:p>
             <a:r>
               <a:rPr lang="pt-BR" dirty="0"/>
-              <a:t>Eliminando Recursão à Esquerda</a:t>
+              <a:t>Eliminando Recursão</a:t>
             </a:r>
           </a:p>
         </p:txBody>
@@ -8311,13 +9534,21 @@
             </a:r>
             <a:r>
               <a:rPr lang="pt-BR" dirty="0"/>
-              <a:t> não funcionam com gramáticas recursivas à esquerda</a:t>
+              <a:t> não funcionam </a:t>
+            </a:r>
+            <a:br>
+              <a:rPr lang="pt-BR" dirty="0"/>
+            </a:br>
+            <a:r>
+              <a:rPr lang="pt-BR" dirty="0"/>
+              <a:t>com gramáticas recursivas à esquerda</a:t>
             </a:r>
           </a:p>
           <a:p>
+            <a:pPr lvl="1"/>
             <a:r>
               <a:rPr lang="pt-BR" dirty="0"/>
-              <a:t>Uma </a:t>
+              <a:t>Uma gramática possui </a:t>
             </a:r>
             <a:r>
               <a:rPr lang="pt-BR" dirty="0">
@@ -8327,24 +9558,25 @@
                   </a:schemeClr>
                 </a:solidFill>
               </a:rPr>
-              <a:t>gramática possui recursão à Esquerda</a:t>
+              <a:t>recursão à Esquerda</a:t>
             </a:r>
             <a:r>
               <a:rPr lang="pt-BR" dirty="0"/>
-              <a:t> se ela tiver um </a:t>
+              <a:t> se ela tiver </a:t>
             </a:r>
             <a:br>
               <a:rPr lang="pt-BR" dirty="0"/>
             </a:br>
             <a:r>
               <a:rPr lang="pt-BR" dirty="0"/>
-              <a:t>não-terminal A tal que, para alguma cadeia 𝛼:</a:t>
+              <a:t>um não-terminal A tal que, para alguma cadeia 𝛼:</a:t>
             </a:r>
           </a:p>
           <a:p>
             <a:endParaRPr lang="pt-BR" dirty="0"/>
           </a:p>
           <a:p>
+            <a:pPr lvl="1"/>
             <a:r>
               <a:rPr lang="pt-BR" dirty="0"/>
               <a:t>O caso mais básico é a </a:t>
@@ -8357,7 +9589,17 @@
                   </a:schemeClr>
                 </a:solidFill>
               </a:rPr>
-              <a:t>recursão à esquerda imediata</a:t>
+              <a:t>recursão à esquerda </a:t>
+            </a:r>
+            <a:r>
+              <a:rPr lang="pt-BR" b="1" dirty="0">
+                <a:solidFill>
+                  <a:schemeClr val="accent1">
+                    <a:lumMod val="75000"/>
+                  </a:schemeClr>
+                </a:solidFill>
+              </a:rPr>
+              <a:t>imediata</a:t>
             </a:r>
           </a:p>
           <a:p>
@@ -8383,7 +9625,7 @@
         </p:nvGrpSpPr>
         <p:grpSpPr>
           <a:xfrm>
-            <a:off x="1593771" y="4010843"/>
+            <a:off x="1629916" y="3717032"/>
             <a:ext cx="1260281" cy="498277"/>
             <a:chOff x="5585342" y="3121223"/>
             <a:chExt cx="1260281" cy="498277"/>
@@ -8474,13 +9716,13 @@
           <p:nvPr>
             <p:extLst>
               <p:ext uri="{D42A27DB-BD31-4B8C-83A1-F6EECF244321}">
-                <p14:modId xmlns:p14="http://schemas.microsoft.com/office/powerpoint/2010/main" val="3033728086"/>
+                <p14:modId xmlns:p14="http://schemas.microsoft.com/office/powerpoint/2010/main" val="2841390214"/>
               </p:ext>
             </p:extLst>
           </p:nvPr>
         </p:nvGraphicFramePr>
         <p:xfrm>
-          <a:off x="1701924" y="5803650"/>
+          <a:off x="1701924" y="5301208"/>
           <a:ext cx="1368152" cy="360000"/>
         </p:xfrm>
         <a:graphic>
@@ -8701,7 +9943,7 @@
           <a:p>
             <a:r>
               <a:rPr lang="pt-BR" dirty="0"/>
-              <a:t>Eliminando Recursão à Esquerda</a:t>
+              <a:t>Eliminando Recursão</a:t>
             </a:r>
           </a:p>
         </p:txBody>
@@ -8739,7 +9981,7 @@
                   </a:schemeClr>
                 </a:solidFill>
               </a:rPr>
-              <a:t>eliminada através de substituição</a:t>
+              <a:t>eliminada com substituições</a:t>
             </a:r>
             <a:endParaRPr lang="pt-BR" dirty="0"/>
           </a:p>
@@ -11967,7 +13209,7 @@
           <a:p>
             <a:r>
               <a:rPr lang="pt-BR" dirty="0"/>
-              <a:t>Eliminando Recursão à Esquerda</a:t>
+              <a:t>Eliminando Recursão</a:t>
             </a:r>
           </a:p>
         </p:txBody>
@@ -12104,7 +13346,23 @@
             </a:r>
             <a:r>
               <a:rPr lang="pt-BR" dirty="0"/>
-              <a:t> à esquerda das produções desde que nenhum 𝛼i seja </a:t>
+              <a:t> à esquerda das produções desde que nenhum </a:t>
+            </a:r>
+            <a:r>
+              <a:rPr lang="pt-BR" dirty="0">
+                <a:latin typeface="Consolas" panose="020B0609020204030204" pitchFamily="49" charset="0"/>
+              </a:rPr>
+              <a:t>𝛼</a:t>
+            </a:r>
+            <a:r>
+              <a:rPr lang="pt-BR" baseline="-25000" dirty="0">
+                <a:latin typeface="Consolas" panose="020B0609020204030204" pitchFamily="49" charset="0"/>
+              </a:rPr>
+              <a:t>i</a:t>
+            </a:r>
+            <a:r>
+              <a:rPr lang="pt-BR" dirty="0"/>
+              <a:t> seja </a:t>
             </a:r>
             <a:r>
               <a:rPr lang="el-GR" dirty="0">
@@ -12164,12 +13422,18 @@
             </a:r>
             <a:r>
               <a:rPr lang="el-GR" sz="2000" dirty="0">
+                <a:solidFill>
+                  <a:schemeClr val="tx2"/>
+                </a:solidFill>
                 <a:latin typeface="Consolas" panose="020B0609020204030204" pitchFamily="49" charset="0"/>
               </a:rPr>
               <a:t>β</a:t>
             </a:r>
             <a:r>
               <a:rPr lang="pt-BR" sz="2000" baseline="-25000" dirty="0">
+                <a:solidFill>
+                  <a:schemeClr val="tx2"/>
+                </a:solidFill>
                 <a:latin typeface="Consolas" panose="020B0609020204030204" pitchFamily="49" charset="0"/>
               </a:rPr>
               <a:t>1</a:t>
@@ -12184,10 +13448,22 @@
               <a:rPr lang="el-GR" sz="2000" dirty="0">
                 <a:latin typeface="Consolas" panose="020B0609020204030204" pitchFamily="49" charset="0"/>
               </a:rPr>
-              <a:t> β</a:t>
+              <a:t> </a:t>
+            </a:r>
+            <a:r>
+              <a:rPr lang="el-GR" sz="2000" dirty="0">
+                <a:solidFill>
+                  <a:schemeClr val="tx2"/>
+                </a:solidFill>
+                <a:latin typeface="Consolas" panose="020B0609020204030204" pitchFamily="49" charset="0"/>
+              </a:rPr>
+              <a:t>β</a:t>
             </a:r>
             <a:r>
               <a:rPr lang="pt-BR" sz="2000" baseline="-25000" dirty="0">
+                <a:solidFill>
+                  <a:schemeClr val="tx2"/>
+                </a:solidFill>
                 <a:latin typeface="Consolas" panose="020B0609020204030204" pitchFamily="49" charset="0"/>
               </a:rPr>
               <a:t>2</a:t>
@@ -12200,12 +13476,18 @@
             </a:r>
             <a:r>
               <a:rPr lang="el-GR" sz="2000" dirty="0">
+                <a:solidFill>
+                  <a:schemeClr val="tx2"/>
+                </a:solidFill>
                 <a:latin typeface="Consolas" panose="020B0609020204030204" pitchFamily="49" charset="0"/>
               </a:rPr>
               <a:t>β</a:t>
             </a:r>
             <a:r>
               <a:rPr lang="pt-BR" sz="2000" baseline="-25000" dirty="0" err="1">
+                <a:solidFill>
+                  <a:schemeClr val="tx2"/>
+                </a:solidFill>
                 <a:latin typeface="Consolas" panose="020B0609020204030204" pitchFamily="49" charset="0"/>
               </a:rPr>
               <a:t>n</a:t>
@@ -12230,12 +13512,18 @@
             </a:r>
             <a:r>
               <a:rPr lang="pt-BR" sz="2000" dirty="0">
+                <a:solidFill>
+                  <a:schemeClr val="tx2"/>
+                </a:solidFill>
                 <a:latin typeface="Consolas" panose="020B0609020204030204" pitchFamily="49" charset="0"/>
               </a:rPr>
               <a:t>𝛼</a:t>
             </a:r>
             <a:r>
               <a:rPr lang="pt-BR" sz="2000" baseline="-25000" dirty="0">
+                <a:solidFill>
+                  <a:schemeClr val="tx2"/>
+                </a:solidFill>
                 <a:latin typeface="Consolas" panose="020B0609020204030204" pitchFamily="49" charset="0"/>
               </a:rPr>
               <a:t>1</a:t>
@@ -12244,10 +13532,22 @@
               <a:rPr lang="pt-BR" sz="2000" dirty="0">
                 <a:latin typeface="Consolas" panose="020B0609020204030204" pitchFamily="49" charset="0"/>
               </a:rPr>
-              <a:t>R | 𝛼</a:t>
+              <a:t>R | </a:t>
+            </a:r>
+            <a:r>
+              <a:rPr lang="pt-BR" sz="2000" dirty="0">
+                <a:solidFill>
+                  <a:schemeClr val="tx2"/>
+                </a:solidFill>
+                <a:latin typeface="Consolas" panose="020B0609020204030204" pitchFamily="49" charset="0"/>
+              </a:rPr>
+              <a:t>𝛼</a:t>
             </a:r>
             <a:r>
               <a:rPr lang="pt-BR" sz="2000" baseline="-25000" dirty="0">
+                <a:solidFill>
+                  <a:schemeClr val="tx2"/>
+                </a:solidFill>
                 <a:latin typeface="Consolas" panose="020B0609020204030204" pitchFamily="49" charset="0"/>
               </a:rPr>
               <a:t>2</a:t>
@@ -12256,10 +13556,22 @@
               <a:rPr lang="pt-BR" sz="2000" dirty="0">
                 <a:latin typeface="Consolas" panose="020B0609020204030204" pitchFamily="49" charset="0"/>
               </a:rPr>
-              <a:t>R | ... | 𝛼</a:t>
+              <a:t>R | ... | </a:t>
+            </a:r>
+            <a:r>
+              <a:rPr lang="pt-BR" sz="2000" dirty="0">
+                <a:solidFill>
+                  <a:schemeClr val="tx2"/>
+                </a:solidFill>
+                <a:latin typeface="Consolas" panose="020B0609020204030204" pitchFamily="49" charset="0"/>
+              </a:rPr>
+              <a:t>𝛼</a:t>
             </a:r>
             <a:r>
               <a:rPr lang="pt-BR" sz="2000" baseline="-25000" dirty="0" err="1">
+                <a:solidFill>
+                  <a:schemeClr val="tx2"/>
+                </a:solidFill>
                 <a:latin typeface="Consolas" panose="020B0609020204030204" pitchFamily="49" charset="0"/>
               </a:rPr>
               <a:t>m</a:t>
@@ -12352,12 +13664,18 @@
             </a:r>
             <a:r>
               <a:rPr lang="pt-BR" sz="2000" dirty="0">
+                <a:solidFill>
+                  <a:schemeClr val="tx2"/>
+                </a:solidFill>
                 <a:latin typeface="Consolas" panose="020B0609020204030204" pitchFamily="49" charset="0"/>
               </a:rPr>
               <a:t>𝛼</a:t>
             </a:r>
             <a:r>
               <a:rPr lang="pt-BR" sz="2000" baseline="-25000" dirty="0">
+                <a:solidFill>
+                  <a:schemeClr val="tx2"/>
+                </a:solidFill>
                 <a:latin typeface="Consolas" panose="020B0609020204030204" pitchFamily="49" charset="0"/>
               </a:rPr>
               <a:t>1</a:t>
@@ -12377,12 +13695,18 @@
             </a:r>
             <a:r>
               <a:rPr lang="pt-BR" sz="2000" dirty="0">
+                <a:solidFill>
+                  <a:schemeClr val="tx2"/>
+                </a:solidFill>
                 <a:latin typeface="Consolas" panose="020B0609020204030204" pitchFamily="49" charset="0"/>
               </a:rPr>
               <a:t>𝛼</a:t>
             </a:r>
             <a:r>
               <a:rPr lang="pt-BR" sz="2000" baseline="-25000" dirty="0">
+                <a:solidFill>
+                  <a:schemeClr val="tx2"/>
+                </a:solidFill>
                 <a:latin typeface="Consolas" panose="020B0609020204030204" pitchFamily="49" charset="0"/>
               </a:rPr>
               <a:t>2</a:t>
@@ -12402,12 +13726,18 @@
             </a:r>
             <a:r>
               <a:rPr lang="pt-BR" sz="2000" dirty="0">
+                <a:solidFill>
+                  <a:schemeClr val="tx2"/>
+                </a:solidFill>
                 <a:latin typeface="Consolas" panose="020B0609020204030204" pitchFamily="49" charset="0"/>
               </a:rPr>
               <a:t>𝛼</a:t>
             </a:r>
             <a:r>
               <a:rPr lang="pt-BR" sz="2000" baseline="-25000" dirty="0">
+                <a:solidFill>
+                  <a:schemeClr val="tx2"/>
+                </a:solidFill>
                 <a:latin typeface="Consolas" panose="020B0609020204030204" pitchFamily="49" charset="0"/>
               </a:rPr>
               <a:t>m</a:t>
@@ -12427,12 +13757,18 @@
             </a:r>
             <a:r>
               <a:rPr lang="el-GR" sz="2000" dirty="0">
+                <a:solidFill>
+                  <a:schemeClr val="tx2"/>
+                </a:solidFill>
                 <a:latin typeface="Consolas" panose="020B0609020204030204" pitchFamily="49" charset="0"/>
               </a:rPr>
               <a:t>β</a:t>
             </a:r>
             <a:r>
               <a:rPr lang="pt-BR" sz="2000" baseline="-25000" dirty="0">
+                <a:solidFill>
+                  <a:schemeClr val="tx2"/>
+                </a:solidFill>
                 <a:latin typeface="Consolas" panose="020B0609020204030204" pitchFamily="49" charset="0"/>
               </a:rPr>
               <a:t>1</a:t>
@@ -12447,10 +13783,22 @@
               <a:rPr lang="el-GR" sz="2000" dirty="0">
                 <a:latin typeface="Consolas" panose="020B0609020204030204" pitchFamily="49" charset="0"/>
               </a:rPr>
-              <a:t> β</a:t>
+              <a:t> </a:t>
+            </a:r>
+            <a:r>
+              <a:rPr lang="el-GR" sz="2000" dirty="0">
+                <a:solidFill>
+                  <a:schemeClr val="tx2"/>
+                </a:solidFill>
+                <a:latin typeface="Consolas" panose="020B0609020204030204" pitchFamily="49" charset="0"/>
+              </a:rPr>
+              <a:t>β</a:t>
             </a:r>
             <a:r>
               <a:rPr lang="pt-BR" sz="2000" baseline="-25000" dirty="0">
+                <a:solidFill>
+                  <a:schemeClr val="tx2"/>
+                </a:solidFill>
                 <a:latin typeface="Consolas" panose="020B0609020204030204" pitchFamily="49" charset="0"/>
               </a:rPr>
               <a:t>2</a:t>
@@ -12463,17 +13811,27 @@
             </a:r>
             <a:r>
               <a:rPr lang="el-GR" sz="2000" dirty="0">
+                <a:solidFill>
+                  <a:schemeClr val="tx2"/>
+                </a:solidFill>
                 <a:latin typeface="Consolas" panose="020B0609020204030204" pitchFamily="49" charset="0"/>
               </a:rPr>
               <a:t>β</a:t>
             </a:r>
             <a:r>
               <a:rPr lang="pt-BR" sz="2000" baseline="-25000" dirty="0">
+                <a:solidFill>
+                  <a:schemeClr val="tx2"/>
+                </a:solidFill>
                 <a:latin typeface="Consolas" panose="020B0609020204030204" pitchFamily="49" charset="0"/>
               </a:rPr>
               <a:t>n</a:t>
             </a:r>
-            <a:endParaRPr lang="pt-BR" sz="2000" dirty="0"/>
+            <a:endParaRPr lang="pt-BR" sz="2000" dirty="0">
+              <a:solidFill>
+                <a:schemeClr val="tx2"/>
+              </a:solidFill>
+            </a:endParaRPr>
           </a:p>
         </p:txBody>
       </p:sp>
@@ -12533,7 +13891,7 @@
           <a:p>
             <a:r>
               <a:rPr lang="pt-BR" dirty="0"/>
-              <a:t>Eliminando Recursão à Esquerda</a:t>
+              <a:t>Eliminando Recursão</a:t>
             </a:r>
           </a:p>
         </p:txBody>
@@ -14403,7 +15761,7 @@
           <a:p>
             <a:r>
               <a:rPr lang="pt-BR" dirty="0"/>
-              <a:t>Eliminando Recursão à Esquerda</a:t>
+              <a:t>Eliminando Recursão</a:t>
             </a:r>
           </a:p>
         </p:txBody>
@@ -14435,6 +15793,9 @@
               <a:rPr lang="pt-BR" dirty="0"/>
               <a:t>A técnica anterior funciona para a recursão imediata </a:t>
             </a:r>
+            <a:br>
+              <a:rPr lang="pt-BR" dirty="0"/>
+            </a:br>
             <a:r>
               <a:rPr lang="pt-BR" dirty="0">
                 <a:solidFill>
@@ -15472,7 +16833,7 @@
           <a:p>
             <a:r>
               <a:rPr lang="pt-BR" dirty="0"/>
-              <a:t>Eliminando Recursão à Esquerda</a:t>
+              <a:t>Eliminando Recursão</a:t>
             </a:r>
           </a:p>
         </p:txBody>
@@ -16258,7 +17619,7 @@
           <a:p>
             <a:r>
               <a:rPr lang="pt-BR" dirty="0"/>
-              <a:t>Ordenando os não-terminais S(A</a:t>
+              <a:t>Ordenando os não-terminais: S(A</a:t>
             </a:r>
             <a:r>
               <a:rPr lang="pt-BR" baseline="-25000" dirty="0"/>
@@ -16274,7 +17635,7 @@
             </a:r>
             <a:r>
               <a:rPr lang="pt-BR" dirty="0"/>
-              <a:t>):</a:t>
+              <a:t>)</a:t>
             </a:r>
             <a:br>
               <a:rPr lang="pt-BR" dirty="0"/>
@@ -17330,7 +18691,7 @@
           <a:p>
             <a:r>
               <a:rPr lang="pt-BR" dirty="0"/>
-              <a:t>Eliminando Recursão à Esquerda</a:t>
+              <a:t>Eliminando Recursão</a:t>
             </a:r>
           </a:p>
         </p:txBody>
@@ -24692,27 +26053,9 @@
                   </a:schemeClr>
                 </a:solidFill>
               </a:rPr>
-              <a:t>não toda a sintaxe </a:t>
-            </a:r>
-            <a:r>
-              <a:rPr lang="pt-BR" dirty="0"/>
-              <a:t>de uma linguagem de programação</a:t>
-            </a:r>
-          </a:p>
-          <a:p>
-            <a:pPr lvl="1"/>
-            <a:r>
-              <a:rPr lang="pt-BR" dirty="0"/>
-              <a:t>Não podem ser descritos por uma gramática livre de contexto:</a:t>
-            </a:r>
-          </a:p>
-          <a:p>
-            <a:pPr lvl="2"/>
-            <a:r>
-              <a:rPr lang="pt-BR" dirty="0"/>
-              <a:t>A exigência dos </a:t>
-            </a:r>
-            <a:r>
+              <a:t>não </a:t>
+            </a:r>
+            <a:br>
               <a:rPr lang="pt-BR" dirty="0">
                 <a:solidFill>
                   <a:schemeClr val="accent1">
@@ -24720,15 +26063,7 @@
                   </a:schemeClr>
                 </a:solidFill>
               </a:rPr>
-              <a:t>identificadores serem declarados antes do seu uso</a:t>
-            </a:r>
-          </a:p>
-          <a:p>
-            <a:pPr lvl="2"/>
-            <a:r>
-              <a:rPr lang="pt-BR" dirty="0"/>
-              <a:t>Verificação do </a:t>
-            </a:r>
+            </a:br>
             <a:r>
               <a:rPr lang="pt-BR" dirty="0">
                 <a:solidFill>
@@ -24737,14 +26072,25 @@
                   </a:schemeClr>
                 </a:solidFill>
               </a:rPr>
-              <a:t>número de parâmetros em uma chamada de função</a:t>
-            </a:r>
-            <a:endParaRPr lang="pt-BR" dirty="0"/>
+              <a:t>toda a sintaxe </a:t>
+            </a:r>
+            <a:r>
+              <a:rPr lang="pt-BR" dirty="0"/>
+              <a:t>de uma linguagem de programação</a:t>
+            </a:r>
           </a:p>
           <a:p>
+            <a:pPr lvl="1"/>
             <a:r>
               <a:rPr lang="pt-BR" dirty="0"/>
-              <a:t>As </a:t>
+              <a:t>Não podem ser descritos por uma gramática livre de contexto:</a:t>
+            </a:r>
+          </a:p>
+          <a:p>
+            <a:pPr lvl="2"/>
+            <a:r>
+              <a:rPr lang="pt-BR" dirty="0"/>
+              <a:t>A exigência dos </a:t>
             </a:r>
             <a:r>
               <a:rPr lang="pt-BR" dirty="0">
@@ -24754,6 +26100,40 @@
                   </a:schemeClr>
                 </a:solidFill>
               </a:rPr>
+              <a:t>identificadores serem declarados antes do seu uso</a:t>
+            </a:r>
+          </a:p>
+          <a:p>
+            <a:pPr lvl="2"/>
+            <a:r>
+              <a:rPr lang="pt-BR" dirty="0"/>
+              <a:t>Verificação do </a:t>
+            </a:r>
+            <a:r>
+              <a:rPr lang="pt-BR" dirty="0">
+                <a:solidFill>
+                  <a:schemeClr val="accent1">
+                    <a:lumMod val="75000"/>
+                  </a:schemeClr>
+                </a:solidFill>
+              </a:rPr>
+              <a:t>número de parâmetros em uma chamada de função</a:t>
+            </a:r>
+            <a:endParaRPr lang="pt-BR" dirty="0"/>
+          </a:p>
+          <a:p>
+            <a:r>
+              <a:rPr lang="pt-BR" dirty="0"/>
+              <a:t>As </a:t>
+            </a:r>
+            <a:r>
+              <a:rPr lang="pt-BR" dirty="0">
+                <a:solidFill>
+                  <a:schemeClr val="accent1">
+                    <a:lumMod val="75000"/>
+                  </a:schemeClr>
+                </a:solidFill>
+              </a:rPr>
               <a:t>sequências de </a:t>
             </a:r>
             <a:r>
@@ -24799,7 +26179,14 @@
             <a:pPr lvl="1"/>
             <a:r>
               <a:rPr lang="pt-BR" dirty="0"/>
-              <a:t>A fase de análise semântica deve analisar o resultado para garantir o cumprimento de todas as regras da linguagem</a:t>
+              <a:t>A fase de análise semântica deve analisar o resultado para </a:t>
+            </a:r>
+            <a:br>
+              <a:rPr lang="pt-BR" dirty="0"/>
+            </a:br>
+            <a:r>
+              <a:rPr lang="pt-BR" dirty="0"/>
+              <a:t>garantir o cumprimento de todas as regras da linguagem</a:t>
             </a:r>
           </a:p>
         </p:txBody>
@@ -24892,6 +26279,2279 @@
             </a:pPr>
             <a:r>
               <a:rPr lang="pt-BR" dirty="0"/>
+              <a:t>Fatore a gramática a seguir:</a:t>
+            </a:r>
+          </a:p>
+          <a:p>
+            <a:pPr marL="0" indent="0">
+              <a:buNone/>
+            </a:pPr>
+            <a:endParaRPr lang="pt-BR" dirty="0"/>
+          </a:p>
+        </p:txBody>
+      </p:sp>
+      <p:sp>
+        <p:nvSpPr>
+          <p:cNvPr id="5" name="Retângulo: Cantos Arredondados 4">
+            <a:extLst>
+              <a:ext uri="{FF2B5EF4-FFF2-40B4-BE49-F238E27FC236}">
+                <a16:creationId xmlns:a16="http://schemas.microsoft.com/office/drawing/2014/main" id="{FACCF5AA-437C-4710-B788-0046A78429EB}"/>
+              </a:ext>
+            </a:extLst>
+          </p:cNvPr>
+          <p:cNvSpPr/>
+          <p:nvPr/>
+        </p:nvSpPr>
+        <p:spPr>
+          <a:xfrm>
+            <a:off x="1485900" y="2708920"/>
+            <a:ext cx="5328592" cy="1656184"/>
+          </a:xfrm>
+          <a:prstGeom prst="roundRect">
+            <a:avLst/>
+          </a:prstGeom>
+          <a:solidFill>
+            <a:schemeClr val="bg1">
+              <a:lumMod val="85000"/>
+              <a:lumOff val="15000"/>
+            </a:schemeClr>
+          </a:solidFill>
+          <a:ln>
+            <a:solidFill>
+              <a:schemeClr val="bg1">
+                <a:lumMod val="75000"/>
+                <a:lumOff val="25000"/>
+              </a:schemeClr>
+            </a:solidFill>
+          </a:ln>
+        </p:spPr>
+        <p:style>
+          <a:lnRef idx="2">
+            <a:schemeClr val="accent1">
+              <a:shade val="50000"/>
+            </a:schemeClr>
+          </a:lnRef>
+          <a:fillRef idx="1">
+            <a:schemeClr val="accent1"/>
+          </a:fillRef>
+          <a:effectRef idx="0">
+            <a:schemeClr val="accent1"/>
+          </a:effectRef>
+          <a:fontRef idx="minor">
+            <a:schemeClr val="lt1"/>
+          </a:fontRef>
+        </p:style>
+        <p:txBody>
+          <a:bodyPr rtlCol="0" anchor="ctr"/>
+          <a:lstStyle/>
+          <a:p>
+            <a:pPr algn="ctr"/>
+            <a:endParaRPr lang="pt-BR"/>
+          </a:p>
+        </p:txBody>
+      </p:sp>
+      <p:graphicFrame>
+        <p:nvGraphicFramePr>
+          <p:cNvPr id="6" name="Tabela 5">
+            <a:extLst>
+              <a:ext uri="{FF2B5EF4-FFF2-40B4-BE49-F238E27FC236}">
+                <a16:creationId xmlns:a16="http://schemas.microsoft.com/office/drawing/2014/main" id="{01E21F27-2B98-4F3D-8357-512C293C4205}"/>
+              </a:ext>
+            </a:extLst>
+          </p:cNvPr>
+          <p:cNvGraphicFramePr>
+            <a:graphicFrameLocks noGrp="1"/>
+          </p:cNvGraphicFramePr>
+          <p:nvPr>
+            <p:extLst>
+              <p:ext uri="{D42A27DB-BD31-4B8C-83A1-F6EECF244321}">
+                <p14:modId xmlns:p14="http://schemas.microsoft.com/office/powerpoint/2010/main" val="3339300823"/>
+              </p:ext>
+            </p:extLst>
+          </p:nvPr>
+        </p:nvGraphicFramePr>
+        <p:xfrm>
+          <a:off x="1645420" y="2832436"/>
+          <a:ext cx="5025056" cy="1341120"/>
+        </p:xfrm>
+        <a:graphic>
+          <a:graphicData uri="http://schemas.openxmlformats.org/drawingml/2006/table">
+            <a:tbl>
+              <a:tblPr firstRow="1" bandRow="1">
+                <a:tableStyleId>{5940675A-B579-460E-94D1-54222C63F5DA}</a:tableStyleId>
+              </a:tblPr>
+              <a:tblGrid>
+                <a:gridCol w="632568">
+                  <a:extLst>
+                    <a:ext uri="{9D8B030D-6E8A-4147-A177-3AD203B41FA5}">
+                      <a16:colId xmlns:a16="http://schemas.microsoft.com/office/drawing/2014/main" val="466030058"/>
+                    </a:ext>
+                  </a:extLst>
+                </a:gridCol>
+                <a:gridCol w="360040">
+                  <a:extLst>
+                    <a:ext uri="{9D8B030D-6E8A-4147-A177-3AD203B41FA5}">
+                      <a16:colId xmlns:a16="http://schemas.microsoft.com/office/drawing/2014/main" val="2619744856"/>
+                    </a:ext>
+                  </a:extLst>
+                </a:gridCol>
+                <a:gridCol w="4032448">
+                  <a:extLst>
+                    <a:ext uri="{9D8B030D-6E8A-4147-A177-3AD203B41FA5}">
+                      <a16:colId xmlns:a16="http://schemas.microsoft.com/office/drawing/2014/main" val="2010962156"/>
+                    </a:ext>
+                  </a:extLst>
+                </a:gridCol>
+              </a:tblGrid>
+              <a:tr h="301500">
+                <a:tc>
+                  <a:txBody>
+                    <a:bodyPr/>
+                    <a:lstStyle/>
+                    <a:p>
+                      <a:r>
+                        <a:rPr lang="pt-BR" sz="1600" i="1" dirty="0" err="1">
+                          <a:latin typeface="Consolas" panose="020B0609020204030204" pitchFamily="49" charset="0"/>
+                        </a:rPr>
+                        <a:t>stmt</a:t>
+                      </a:r>
+                      <a:endParaRPr lang="pt-BR" sz="1600" i="1" dirty="0">
+                        <a:latin typeface="Consolas" panose="020B0609020204030204" pitchFamily="49" charset="0"/>
+                      </a:endParaRPr>
+                    </a:p>
+                  </a:txBody>
+                  <a:tcPr>
+                    <a:lnL w="12700" cmpd="sng">
+                      <a:noFill/>
+                    </a:lnL>
+                    <a:lnR w="12700" cmpd="sng">
+                      <a:noFill/>
+                    </a:lnR>
+                    <a:lnT w="12700" cmpd="sng">
+                      <a:noFill/>
+                    </a:lnT>
+                    <a:lnB w="12700" cmpd="sng">
+                      <a:noFill/>
+                    </a:lnB>
+                    <a:lnTlToBr w="12700" cmpd="sng">
+                      <a:noFill/>
+                      <a:prstDash val="solid"/>
+                    </a:lnTlToBr>
+                    <a:lnBlToTr w="12700" cmpd="sng">
+                      <a:noFill/>
+                      <a:prstDash val="solid"/>
+                    </a:lnBlToTr>
+                  </a:tcPr>
+                </a:tc>
+                <a:tc>
+                  <a:txBody>
+                    <a:bodyPr/>
+                    <a:lstStyle/>
+                    <a:p>
+                      <a:pPr marL="0" marR="0" lvl="0" indent="0" algn="l" defTabSz="914400" rtl="0" eaLnBrk="1" fontAlgn="auto" latinLnBrk="0" hangingPunct="1">
+                        <a:lnSpc>
+                          <a:spcPct val="100000"/>
+                        </a:lnSpc>
+                        <a:spcBef>
+                          <a:spcPts val="0"/>
+                        </a:spcBef>
+                        <a:spcAft>
+                          <a:spcPts val="0"/>
+                        </a:spcAft>
+                        <a:buClrTx/>
+                        <a:buSzTx/>
+                        <a:buFontTx/>
+                        <a:buNone/>
+                        <a:tabLst/>
+                        <a:defRPr/>
+                      </a:pPr>
+                      <a:r>
+                        <a:rPr lang="pt-BR" sz="1600" dirty="0">
+                          <a:latin typeface="Consolas" panose="020B0609020204030204" pitchFamily="49" charset="0"/>
+                          <a:sym typeface="Wingdings 3" panose="05040102010807070707" pitchFamily="18" charset="2"/>
+                        </a:rPr>
+                        <a:t></a:t>
+                      </a:r>
+                      <a:endParaRPr lang="pt-BR" sz="1600" dirty="0">
+                        <a:latin typeface="Consolas" panose="020B0609020204030204" pitchFamily="49" charset="0"/>
+                      </a:endParaRPr>
+                    </a:p>
+                  </a:txBody>
+                  <a:tcPr>
+                    <a:lnL w="12700" cmpd="sng">
+                      <a:noFill/>
+                    </a:lnL>
+                    <a:lnR w="12700" cmpd="sng">
+                      <a:noFill/>
+                    </a:lnR>
+                    <a:lnT w="12700" cmpd="sng">
+                      <a:noFill/>
+                    </a:lnT>
+                    <a:lnB w="12700" cmpd="sng">
+                      <a:noFill/>
+                    </a:lnB>
+                    <a:lnTlToBr w="12700" cmpd="sng">
+                      <a:noFill/>
+                      <a:prstDash val="solid"/>
+                    </a:lnTlToBr>
+                    <a:lnBlToTr w="12700" cmpd="sng">
+                      <a:noFill/>
+                      <a:prstDash val="solid"/>
+                    </a:lnBlToTr>
+                  </a:tcPr>
+                </a:tc>
+                <a:tc>
+                  <a:txBody>
+                    <a:bodyPr/>
+                    <a:lstStyle/>
+                    <a:p>
+                      <a:r>
+                        <a:rPr lang="pt-BR" sz="1600" b="1" dirty="0" err="1">
+                          <a:solidFill>
+                            <a:srgbClr val="FF4343"/>
+                          </a:solidFill>
+                          <a:latin typeface="Consolas" panose="020B0609020204030204" pitchFamily="49" charset="0"/>
+                        </a:rPr>
+                        <a:t>while</a:t>
+                      </a:r>
+                      <a:r>
+                        <a:rPr lang="pt-BR" sz="1600" dirty="0">
+                          <a:latin typeface="Consolas" panose="020B0609020204030204" pitchFamily="49" charset="0"/>
+                        </a:rPr>
+                        <a:t> </a:t>
+                      </a:r>
+                      <a:r>
+                        <a:rPr lang="pt-BR" sz="1600" dirty="0">
+                          <a:solidFill>
+                            <a:srgbClr val="FF4343"/>
+                          </a:solidFill>
+                          <a:latin typeface="Consolas" panose="020B0609020204030204" pitchFamily="49" charset="0"/>
+                        </a:rPr>
+                        <a:t>(</a:t>
+                      </a:r>
+                      <a:r>
+                        <a:rPr lang="pt-BR" sz="1600" i="1" dirty="0" err="1">
+                          <a:latin typeface="Consolas" panose="020B0609020204030204" pitchFamily="49" charset="0"/>
+                        </a:rPr>
+                        <a:t>expr</a:t>
+                      </a:r>
+                      <a:r>
+                        <a:rPr lang="pt-BR" sz="1600" dirty="0">
+                          <a:solidFill>
+                            <a:srgbClr val="FF4343"/>
+                          </a:solidFill>
+                          <a:latin typeface="Consolas" panose="020B0609020204030204" pitchFamily="49" charset="0"/>
+                        </a:rPr>
+                        <a:t>)</a:t>
+                      </a:r>
+                      <a:r>
+                        <a:rPr lang="pt-BR" sz="1600" dirty="0">
+                          <a:latin typeface="Consolas" panose="020B0609020204030204" pitchFamily="49" charset="0"/>
+                        </a:rPr>
+                        <a:t> </a:t>
+                      </a:r>
+                      <a:r>
+                        <a:rPr lang="pt-BR" sz="1600" i="1" dirty="0">
+                          <a:latin typeface="Consolas" panose="020B0609020204030204" pitchFamily="49" charset="0"/>
+                        </a:rPr>
+                        <a:t>stmt</a:t>
+                      </a:r>
+                      <a:r>
+                        <a:rPr lang="pt-BR" sz="1600" i="1" baseline="-25000" dirty="0">
+                          <a:latin typeface="Consolas" panose="020B0609020204030204" pitchFamily="49" charset="0"/>
+                        </a:rPr>
+                        <a:t>1</a:t>
+                      </a:r>
+                    </a:p>
+                  </a:txBody>
+                  <a:tcPr>
+                    <a:lnL w="12700" cmpd="sng">
+                      <a:noFill/>
+                    </a:lnL>
+                    <a:lnR w="12700" cmpd="sng">
+                      <a:noFill/>
+                    </a:lnR>
+                    <a:lnT w="12700" cmpd="sng">
+                      <a:noFill/>
+                    </a:lnT>
+                    <a:lnB w="12700" cmpd="sng">
+                      <a:noFill/>
+                    </a:lnB>
+                    <a:lnTlToBr w="12700" cmpd="sng">
+                      <a:noFill/>
+                      <a:prstDash val="solid"/>
+                    </a:lnTlToBr>
+                    <a:lnBlToTr w="12700" cmpd="sng">
+                      <a:noFill/>
+                      <a:prstDash val="solid"/>
+                    </a:lnBlToTr>
+                  </a:tcPr>
+                </a:tc>
+                <a:extLst>
+                  <a:ext uri="{0D108BD9-81ED-4DB2-BD59-A6C34878D82A}">
+                    <a16:rowId xmlns:a16="http://schemas.microsoft.com/office/drawing/2014/main" val="1766828713"/>
+                  </a:ext>
+                </a:extLst>
+              </a:tr>
+              <a:tr h="301500">
+                <a:tc>
+                  <a:txBody>
+                    <a:bodyPr/>
+                    <a:lstStyle/>
+                    <a:p>
+                      <a:endParaRPr lang="pt-BR" sz="1600">
+                        <a:latin typeface="Consolas" panose="020B0609020204030204" pitchFamily="49" charset="0"/>
+                      </a:endParaRPr>
+                    </a:p>
+                  </a:txBody>
+                  <a:tcPr>
+                    <a:lnL w="12700" cmpd="sng">
+                      <a:noFill/>
+                    </a:lnL>
+                    <a:lnR w="12700" cmpd="sng">
+                      <a:noFill/>
+                    </a:lnR>
+                    <a:lnT w="12700" cmpd="sng">
+                      <a:noFill/>
+                    </a:lnT>
+                    <a:lnB w="12700" cmpd="sng">
+                      <a:noFill/>
+                    </a:lnB>
+                    <a:lnTlToBr w="12700" cmpd="sng">
+                      <a:noFill/>
+                      <a:prstDash val="solid"/>
+                    </a:lnTlToBr>
+                    <a:lnBlToTr w="12700" cmpd="sng">
+                      <a:noFill/>
+                      <a:prstDash val="solid"/>
+                    </a:lnBlToTr>
+                  </a:tcPr>
+                </a:tc>
+                <a:tc>
+                  <a:txBody>
+                    <a:bodyPr/>
+                    <a:lstStyle/>
+                    <a:p>
+                      <a:pPr marL="0" marR="0" lvl="0" indent="0" algn="l" defTabSz="914400" rtl="0" eaLnBrk="1" fontAlgn="auto" latinLnBrk="0" hangingPunct="1">
+                        <a:lnSpc>
+                          <a:spcPct val="100000"/>
+                        </a:lnSpc>
+                        <a:spcBef>
+                          <a:spcPts val="0"/>
+                        </a:spcBef>
+                        <a:spcAft>
+                          <a:spcPts val="0"/>
+                        </a:spcAft>
+                        <a:buClrTx/>
+                        <a:buSzTx/>
+                        <a:buFontTx/>
+                        <a:buNone/>
+                        <a:tabLst/>
+                        <a:defRPr/>
+                      </a:pPr>
+                      <a:r>
+                        <a:rPr lang="pt-BR" sz="1600" dirty="0">
+                          <a:latin typeface="Consolas" panose="020B0609020204030204" pitchFamily="49" charset="0"/>
+                          <a:sym typeface="Wingdings 3" panose="05040102010807070707" pitchFamily="18" charset="2"/>
+                        </a:rPr>
+                        <a:t>|</a:t>
+                      </a:r>
+                      <a:endParaRPr lang="pt-BR" sz="1600" dirty="0">
+                        <a:latin typeface="Consolas" panose="020B0609020204030204" pitchFamily="49" charset="0"/>
+                      </a:endParaRPr>
+                    </a:p>
+                  </a:txBody>
+                  <a:tcPr>
+                    <a:lnL w="12700" cmpd="sng">
+                      <a:noFill/>
+                    </a:lnL>
+                    <a:lnR w="12700" cmpd="sng">
+                      <a:noFill/>
+                    </a:lnR>
+                    <a:lnT w="12700" cmpd="sng">
+                      <a:noFill/>
+                    </a:lnT>
+                    <a:lnB w="12700" cmpd="sng">
+                      <a:noFill/>
+                    </a:lnB>
+                    <a:lnTlToBr w="12700" cmpd="sng">
+                      <a:noFill/>
+                      <a:prstDash val="solid"/>
+                    </a:lnTlToBr>
+                    <a:lnBlToTr w="12700" cmpd="sng">
+                      <a:noFill/>
+                      <a:prstDash val="solid"/>
+                    </a:lnBlToTr>
+                  </a:tcPr>
+                </a:tc>
+                <a:tc>
+                  <a:txBody>
+                    <a:bodyPr/>
+                    <a:lstStyle/>
+                    <a:p>
+                      <a:r>
+                        <a:rPr lang="pt-BR" sz="1600" b="1" dirty="0">
+                          <a:solidFill>
+                            <a:srgbClr val="FF4343"/>
+                          </a:solidFill>
+                          <a:latin typeface="Consolas" panose="020B0609020204030204" pitchFamily="49" charset="0"/>
+                        </a:rPr>
+                        <a:t>do</a:t>
+                      </a:r>
+                      <a:r>
+                        <a:rPr lang="pt-BR" sz="1600" dirty="0">
+                          <a:latin typeface="Consolas" panose="020B0609020204030204" pitchFamily="49" charset="0"/>
+                        </a:rPr>
+                        <a:t> </a:t>
+                      </a:r>
+                      <a:r>
+                        <a:rPr lang="pt-BR" sz="1600" i="1" dirty="0">
+                          <a:latin typeface="Consolas" panose="020B0609020204030204" pitchFamily="49" charset="0"/>
+                        </a:rPr>
+                        <a:t>stmt</a:t>
+                      </a:r>
+                      <a:r>
+                        <a:rPr lang="pt-BR" sz="1600" i="1" baseline="-25000" dirty="0">
+                          <a:latin typeface="Consolas" panose="020B0609020204030204" pitchFamily="49" charset="0"/>
+                        </a:rPr>
+                        <a:t>1</a:t>
+                      </a:r>
+                      <a:r>
+                        <a:rPr lang="pt-BR" sz="1600" dirty="0">
+                          <a:latin typeface="Consolas" panose="020B0609020204030204" pitchFamily="49" charset="0"/>
+                        </a:rPr>
+                        <a:t> </a:t>
+                      </a:r>
+                      <a:r>
+                        <a:rPr lang="pt-BR" sz="1600" b="1" dirty="0" err="1">
+                          <a:solidFill>
+                            <a:srgbClr val="FF4343"/>
+                          </a:solidFill>
+                          <a:latin typeface="Consolas" panose="020B0609020204030204" pitchFamily="49" charset="0"/>
+                        </a:rPr>
+                        <a:t>while</a:t>
+                      </a:r>
+                      <a:r>
+                        <a:rPr lang="pt-BR" sz="1600" dirty="0">
+                          <a:latin typeface="Consolas" panose="020B0609020204030204" pitchFamily="49" charset="0"/>
+                        </a:rPr>
+                        <a:t> </a:t>
+                      </a:r>
+                      <a:r>
+                        <a:rPr lang="pt-BR" sz="1600" dirty="0">
+                          <a:solidFill>
+                            <a:srgbClr val="FF4343"/>
+                          </a:solidFill>
+                          <a:latin typeface="Consolas" panose="020B0609020204030204" pitchFamily="49" charset="0"/>
+                        </a:rPr>
+                        <a:t>(</a:t>
+                      </a:r>
+                      <a:r>
+                        <a:rPr lang="pt-BR" sz="1600" i="1" dirty="0" err="1">
+                          <a:latin typeface="Consolas" panose="020B0609020204030204" pitchFamily="49" charset="0"/>
+                        </a:rPr>
+                        <a:t>expr</a:t>
+                      </a:r>
+                      <a:r>
+                        <a:rPr lang="pt-BR" sz="1600" dirty="0">
+                          <a:solidFill>
+                            <a:srgbClr val="FF4343"/>
+                          </a:solidFill>
+                          <a:latin typeface="Consolas" panose="020B0609020204030204" pitchFamily="49" charset="0"/>
+                        </a:rPr>
+                        <a:t>);</a:t>
+                      </a:r>
+                    </a:p>
+                  </a:txBody>
+                  <a:tcPr>
+                    <a:lnL w="12700" cmpd="sng">
+                      <a:noFill/>
+                    </a:lnL>
+                    <a:lnR w="12700" cmpd="sng">
+                      <a:noFill/>
+                    </a:lnR>
+                    <a:lnT w="12700" cmpd="sng">
+                      <a:noFill/>
+                    </a:lnT>
+                    <a:lnB w="12700" cmpd="sng">
+                      <a:noFill/>
+                    </a:lnB>
+                    <a:lnTlToBr w="12700" cmpd="sng">
+                      <a:noFill/>
+                      <a:prstDash val="solid"/>
+                    </a:lnTlToBr>
+                    <a:lnBlToTr w="12700" cmpd="sng">
+                      <a:noFill/>
+                      <a:prstDash val="solid"/>
+                    </a:lnBlToTr>
+                  </a:tcPr>
+                </a:tc>
+                <a:extLst>
+                  <a:ext uri="{0D108BD9-81ED-4DB2-BD59-A6C34878D82A}">
+                    <a16:rowId xmlns:a16="http://schemas.microsoft.com/office/drawing/2014/main" val="367649861"/>
+                  </a:ext>
+                </a:extLst>
+              </a:tr>
+              <a:tr h="301500">
+                <a:tc>
+                  <a:txBody>
+                    <a:bodyPr/>
+                    <a:lstStyle/>
+                    <a:p>
+                      <a:endParaRPr lang="pt-BR" sz="1600">
+                        <a:latin typeface="Consolas" panose="020B0609020204030204" pitchFamily="49" charset="0"/>
+                      </a:endParaRPr>
+                    </a:p>
+                  </a:txBody>
+                  <a:tcPr>
+                    <a:lnL w="12700" cmpd="sng">
+                      <a:noFill/>
+                    </a:lnL>
+                    <a:lnR w="12700" cmpd="sng">
+                      <a:noFill/>
+                    </a:lnR>
+                    <a:lnT w="12700" cmpd="sng">
+                      <a:noFill/>
+                    </a:lnT>
+                    <a:lnB w="12700" cmpd="sng">
+                      <a:noFill/>
+                    </a:lnB>
+                    <a:lnTlToBr w="12700" cmpd="sng">
+                      <a:noFill/>
+                      <a:prstDash val="solid"/>
+                    </a:lnTlToBr>
+                    <a:lnBlToTr w="12700" cmpd="sng">
+                      <a:noFill/>
+                      <a:prstDash val="solid"/>
+                    </a:lnBlToTr>
+                  </a:tcPr>
+                </a:tc>
+                <a:tc>
+                  <a:txBody>
+                    <a:bodyPr/>
+                    <a:lstStyle/>
+                    <a:p>
+                      <a:pPr marL="0" marR="0" lvl="0" indent="0" algn="l" defTabSz="914400" rtl="0" eaLnBrk="1" fontAlgn="auto" latinLnBrk="0" hangingPunct="1">
+                        <a:lnSpc>
+                          <a:spcPct val="100000"/>
+                        </a:lnSpc>
+                        <a:spcBef>
+                          <a:spcPts val="0"/>
+                        </a:spcBef>
+                        <a:spcAft>
+                          <a:spcPts val="0"/>
+                        </a:spcAft>
+                        <a:buClrTx/>
+                        <a:buSzTx/>
+                        <a:buFontTx/>
+                        <a:buNone/>
+                        <a:tabLst/>
+                        <a:defRPr/>
+                      </a:pPr>
+                      <a:r>
+                        <a:rPr lang="pt-BR" sz="1600" dirty="0">
+                          <a:latin typeface="Consolas" panose="020B0609020204030204" pitchFamily="49" charset="0"/>
+                          <a:sym typeface="Wingdings 3" panose="05040102010807070707" pitchFamily="18" charset="2"/>
+                        </a:rPr>
+                        <a:t>|</a:t>
+                      </a:r>
+                      <a:endParaRPr lang="pt-BR" sz="1600" dirty="0">
+                        <a:latin typeface="Consolas" panose="020B0609020204030204" pitchFamily="49" charset="0"/>
+                      </a:endParaRPr>
+                    </a:p>
+                  </a:txBody>
+                  <a:tcPr>
+                    <a:lnL w="12700" cmpd="sng">
+                      <a:noFill/>
+                    </a:lnL>
+                    <a:lnR w="12700" cmpd="sng">
+                      <a:noFill/>
+                    </a:lnR>
+                    <a:lnT w="12700" cmpd="sng">
+                      <a:noFill/>
+                    </a:lnT>
+                    <a:lnB w="12700" cmpd="sng">
+                      <a:noFill/>
+                    </a:lnB>
+                    <a:lnTlToBr w="12700" cmpd="sng">
+                      <a:noFill/>
+                      <a:prstDash val="solid"/>
+                    </a:lnTlToBr>
+                    <a:lnBlToTr w="12700" cmpd="sng">
+                      <a:noFill/>
+                      <a:prstDash val="solid"/>
+                    </a:lnBlToTr>
+                  </a:tcPr>
+                </a:tc>
+                <a:tc>
+                  <a:txBody>
+                    <a:bodyPr/>
+                    <a:lstStyle/>
+                    <a:p>
+                      <a:r>
+                        <a:rPr lang="pt-BR" sz="1600" b="1" dirty="0">
+                          <a:solidFill>
+                            <a:srgbClr val="FF4343"/>
+                          </a:solidFill>
+                          <a:latin typeface="Consolas" panose="020B0609020204030204" pitchFamily="49" charset="0"/>
+                        </a:rPr>
+                        <a:t>for</a:t>
+                      </a:r>
+                      <a:r>
+                        <a:rPr lang="pt-BR" sz="1600" dirty="0">
+                          <a:latin typeface="Consolas" panose="020B0609020204030204" pitchFamily="49" charset="0"/>
+                        </a:rPr>
+                        <a:t> </a:t>
+                      </a:r>
+                      <a:r>
+                        <a:rPr lang="pt-BR" sz="1600" dirty="0">
+                          <a:solidFill>
+                            <a:srgbClr val="FF4343"/>
+                          </a:solidFill>
+                          <a:latin typeface="Consolas" panose="020B0609020204030204" pitchFamily="49" charset="0"/>
+                        </a:rPr>
+                        <a:t>(</a:t>
+                      </a:r>
+                      <a:r>
+                        <a:rPr lang="pt-BR" sz="1600" i="1" dirty="0" err="1">
+                          <a:latin typeface="Consolas" panose="020B0609020204030204" pitchFamily="49" charset="0"/>
+                        </a:rPr>
+                        <a:t>expr</a:t>
+                      </a:r>
+                      <a:r>
+                        <a:rPr lang="pt-BR" sz="1600" i="1" dirty="0">
+                          <a:solidFill>
+                            <a:srgbClr val="FF4343"/>
+                          </a:solidFill>
+                          <a:latin typeface="Consolas" panose="020B0609020204030204" pitchFamily="49" charset="0"/>
+                        </a:rPr>
+                        <a:t>;</a:t>
+                      </a:r>
+                      <a:r>
+                        <a:rPr lang="pt-BR" sz="1600" i="1" dirty="0">
+                          <a:latin typeface="Consolas" panose="020B0609020204030204" pitchFamily="49" charset="0"/>
+                        </a:rPr>
+                        <a:t> </a:t>
+                      </a:r>
+                      <a:r>
+                        <a:rPr lang="pt-BR" sz="1600" i="1" dirty="0" err="1">
+                          <a:latin typeface="Consolas" panose="020B0609020204030204" pitchFamily="49" charset="0"/>
+                        </a:rPr>
+                        <a:t>expr</a:t>
+                      </a:r>
+                      <a:r>
+                        <a:rPr lang="pt-BR" sz="1600" i="1" dirty="0">
+                          <a:solidFill>
+                            <a:srgbClr val="FF4343"/>
+                          </a:solidFill>
+                          <a:latin typeface="Consolas" panose="020B0609020204030204" pitchFamily="49" charset="0"/>
+                        </a:rPr>
+                        <a:t>;</a:t>
+                      </a:r>
+                      <a:r>
+                        <a:rPr lang="pt-BR" sz="1600" i="1" dirty="0">
+                          <a:latin typeface="Consolas" panose="020B0609020204030204" pitchFamily="49" charset="0"/>
+                        </a:rPr>
+                        <a:t> </a:t>
+                      </a:r>
+                      <a:r>
+                        <a:rPr lang="pt-BR" sz="1600" i="1" dirty="0" err="1">
+                          <a:latin typeface="Consolas" panose="020B0609020204030204" pitchFamily="49" charset="0"/>
+                        </a:rPr>
+                        <a:t>expr</a:t>
+                      </a:r>
+                      <a:r>
+                        <a:rPr lang="pt-BR" sz="1600" dirty="0">
+                          <a:solidFill>
+                            <a:srgbClr val="FF4343"/>
+                          </a:solidFill>
+                          <a:latin typeface="Consolas" panose="020B0609020204030204" pitchFamily="49" charset="0"/>
+                        </a:rPr>
+                        <a:t>)</a:t>
+                      </a:r>
+                      <a:r>
+                        <a:rPr lang="pt-BR" sz="1600" dirty="0">
+                          <a:latin typeface="Consolas" panose="020B0609020204030204" pitchFamily="49" charset="0"/>
+                        </a:rPr>
+                        <a:t> </a:t>
+                      </a:r>
+                      <a:r>
+                        <a:rPr lang="pt-BR" sz="1600" i="1" dirty="0">
+                          <a:latin typeface="Consolas" panose="020B0609020204030204" pitchFamily="49" charset="0"/>
+                        </a:rPr>
+                        <a:t>stmt</a:t>
+                      </a:r>
+                      <a:r>
+                        <a:rPr lang="pt-BR" sz="1600" i="1" baseline="-25000" dirty="0">
+                          <a:latin typeface="Consolas" panose="020B0609020204030204" pitchFamily="49" charset="0"/>
+                        </a:rPr>
+                        <a:t>1</a:t>
+                      </a:r>
+                    </a:p>
+                  </a:txBody>
+                  <a:tcPr>
+                    <a:lnL w="12700" cmpd="sng">
+                      <a:noFill/>
+                    </a:lnL>
+                    <a:lnR w="12700" cmpd="sng">
+                      <a:noFill/>
+                    </a:lnR>
+                    <a:lnT w="12700" cmpd="sng">
+                      <a:noFill/>
+                    </a:lnT>
+                    <a:lnB w="12700" cmpd="sng">
+                      <a:noFill/>
+                    </a:lnB>
+                    <a:lnTlToBr w="12700" cmpd="sng">
+                      <a:noFill/>
+                      <a:prstDash val="solid"/>
+                    </a:lnTlToBr>
+                    <a:lnBlToTr w="12700" cmpd="sng">
+                      <a:noFill/>
+                      <a:prstDash val="solid"/>
+                    </a:lnBlToTr>
+                  </a:tcPr>
+                </a:tc>
+                <a:extLst>
+                  <a:ext uri="{0D108BD9-81ED-4DB2-BD59-A6C34878D82A}">
+                    <a16:rowId xmlns:a16="http://schemas.microsoft.com/office/drawing/2014/main" val="1039950919"/>
+                  </a:ext>
+                </a:extLst>
+              </a:tr>
+              <a:tr h="301500">
+                <a:tc>
+                  <a:txBody>
+                    <a:bodyPr/>
+                    <a:lstStyle/>
+                    <a:p>
+                      <a:endParaRPr lang="pt-BR" sz="1600" dirty="0">
+                        <a:latin typeface="Consolas" panose="020B0609020204030204" pitchFamily="49" charset="0"/>
+                      </a:endParaRPr>
+                    </a:p>
+                  </a:txBody>
+                  <a:tcPr>
+                    <a:lnL w="12700" cmpd="sng">
+                      <a:noFill/>
+                    </a:lnL>
+                    <a:lnR w="12700" cmpd="sng">
+                      <a:noFill/>
+                    </a:lnR>
+                    <a:lnT w="12700" cmpd="sng">
+                      <a:noFill/>
+                    </a:lnT>
+                    <a:lnB w="12700" cmpd="sng">
+                      <a:noFill/>
+                    </a:lnB>
+                    <a:lnTlToBr w="12700" cmpd="sng">
+                      <a:noFill/>
+                      <a:prstDash val="solid"/>
+                    </a:lnTlToBr>
+                    <a:lnBlToTr w="12700" cmpd="sng">
+                      <a:noFill/>
+                      <a:prstDash val="solid"/>
+                    </a:lnBlToTr>
+                  </a:tcPr>
+                </a:tc>
+                <a:tc>
+                  <a:txBody>
+                    <a:bodyPr/>
+                    <a:lstStyle/>
+                    <a:p>
+                      <a:pPr marL="0" marR="0" lvl="0" indent="0" algn="l" defTabSz="914400" rtl="0" eaLnBrk="1" fontAlgn="auto" latinLnBrk="0" hangingPunct="1">
+                        <a:lnSpc>
+                          <a:spcPct val="100000"/>
+                        </a:lnSpc>
+                        <a:spcBef>
+                          <a:spcPts val="0"/>
+                        </a:spcBef>
+                        <a:spcAft>
+                          <a:spcPts val="0"/>
+                        </a:spcAft>
+                        <a:buClrTx/>
+                        <a:buSzTx/>
+                        <a:buFontTx/>
+                        <a:buNone/>
+                        <a:tabLst/>
+                        <a:defRPr/>
+                      </a:pPr>
+                      <a:r>
+                        <a:rPr lang="pt-BR" sz="1600" dirty="0">
+                          <a:latin typeface="Consolas" panose="020B0609020204030204" pitchFamily="49" charset="0"/>
+                          <a:sym typeface="Wingdings 3" panose="05040102010807070707" pitchFamily="18" charset="2"/>
+                        </a:rPr>
+                        <a:t>|</a:t>
+                      </a:r>
+                      <a:endParaRPr lang="pt-BR" sz="1600" dirty="0">
+                        <a:latin typeface="Consolas" panose="020B0609020204030204" pitchFamily="49" charset="0"/>
+                      </a:endParaRPr>
+                    </a:p>
+                  </a:txBody>
+                  <a:tcPr>
+                    <a:lnL w="12700" cmpd="sng">
+                      <a:noFill/>
+                    </a:lnL>
+                    <a:lnR w="12700" cmpd="sng">
+                      <a:noFill/>
+                    </a:lnR>
+                    <a:lnT w="12700" cmpd="sng">
+                      <a:noFill/>
+                    </a:lnT>
+                    <a:lnB w="12700" cmpd="sng">
+                      <a:noFill/>
+                    </a:lnB>
+                    <a:lnTlToBr w="12700" cmpd="sng">
+                      <a:noFill/>
+                      <a:prstDash val="solid"/>
+                    </a:lnTlToBr>
+                    <a:lnBlToTr w="12700" cmpd="sng">
+                      <a:noFill/>
+                      <a:prstDash val="solid"/>
+                    </a:lnBlToTr>
+                  </a:tcPr>
+                </a:tc>
+                <a:tc>
+                  <a:txBody>
+                    <a:bodyPr/>
+                    <a:lstStyle/>
+                    <a:p>
+                      <a:pPr marL="0" marR="0" lvl="0" indent="0" algn="l" defTabSz="914400" rtl="0" eaLnBrk="1" fontAlgn="auto" latinLnBrk="0" hangingPunct="1">
+                        <a:lnSpc>
+                          <a:spcPct val="100000"/>
+                        </a:lnSpc>
+                        <a:spcBef>
+                          <a:spcPts val="0"/>
+                        </a:spcBef>
+                        <a:spcAft>
+                          <a:spcPts val="0"/>
+                        </a:spcAft>
+                        <a:buClrTx/>
+                        <a:buSzTx/>
+                        <a:buFontTx/>
+                        <a:buNone/>
+                        <a:tabLst/>
+                        <a:defRPr/>
+                      </a:pPr>
+                      <a:r>
+                        <a:rPr lang="pt-BR" sz="1600" b="1" dirty="0">
+                          <a:solidFill>
+                            <a:srgbClr val="FF4343"/>
+                          </a:solidFill>
+                          <a:latin typeface="Consolas" panose="020B0609020204030204" pitchFamily="49" charset="0"/>
+                        </a:rPr>
+                        <a:t>for</a:t>
+                      </a:r>
+                      <a:r>
+                        <a:rPr lang="pt-BR" sz="1600" dirty="0">
+                          <a:latin typeface="Consolas" panose="020B0609020204030204" pitchFamily="49" charset="0"/>
+                        </a:rPr>
+                        <a:t> </a:t>
+                      </a:r>
+                      <a:r>
+                        <a:rPr lang="pt-BR" sz="1600" dirty="0">
+                          <a:solidFill>
+                            <a:srgbClr val="FF4343"/>
+                          </a:solidFill>
+                          <a:latin typeface="Consolas" panose="020B0609020204030204" pitchFamily="49" charset="0"/>
+                        </a:rPr>
+                        <a:t>(</a:t>
+                      </a:r>
+                      <a:r>
+                        <a:rPr lang="pt-BR" sz="1600" i="1" dirty="0" err="1">
+                          <a:latin typeface="Consolas" panose="020B0609020204030204" pitchFamily="49" charset="0"/>
+                        </a:rPr>
+                        <a:t>expr</a:t>
+                      </a:r>
+                      <a:r>
+                        <a:rPr lang="pt-BR" sz="1600" dirty="0">
+                          <a:solidFill>
+                            <a:srgbClr val="FF4343"/>
+                          </a:solidFill>
+                          <a:latin typeface="Consolas" panose="020B0609020204030204" pitchFamily="49" charset="0"/>
+                        </a:rPr>
+                        <a:t>;</a:t>
+                      </a:r>
+                      <a:r>
+                        <a:rPr lang="pt-BR" sz="1600" dirty="0">
+                          <a:latin typeface="Consolas" panose="020B0609020204030204" pitchFamily="49" charset="0"/>
+                        </a:rPr>
+                        <a:t> </a:t>
+                      </a:r>
+                      <a:r>
+                        <a:rPr lang="pt-BR" sz="1600" i="1" dirty="0" err="1">
+                          <a:latin typeface="Consolas" panose="020B0609020204030204" pitchFamily="49" charset="0"/>
+                        </a:rPr>
+                        <a:t>decl</a:t>
+                      </a:r>
+                      <a:r>
+                        <a:rPr lang="pt-BR" sz="1600" dirty="0">
+                          <a:latin typeface="Consolas" panose="020B0609020204030204" pitchFamily="49" charset="0"/>
+                        </a:rPr>
+                        <a:t> </a:t>
+                      </a:r>
+                      <a:r>
+                        <a:rPr lang="pt-BR" sz="1600" dirty="0">
+                          <a:solidFill>
+                            <a:srgbClr val="FF4343"/>
+                          </a:solidFill>
+                          <a:latin typeface="Consolas" panose="020B0609020204030204" pitchFamily="49" charset="0"/>
+                        </a:rPr>
+                        <a:t>:</a:t>
+                      </a:r>
+                      <a:r>
+                        <a:rPr lang="pt-BR" sz="1600" dirty="0">
+                          <a:latin typeface="Consolas" panose="020B0609020204030204" pitchFamily="49" charset="0"/>
+                        </a:rPr>
+                        <a:t> </a:t>
+                      </a:r>
+                      <a:r>
+                        <a:rPr lang="pt-BR" sz="1600" i="1" dirty="0">
+                          <a:latin typeface="Consolas" panose="020B0609020204030204" pitchFamily="49" charset="0"/>
+                        </a:rPr>
+                        <a:t>container</a:t>
+                      </a:r>
+                      <a:r>
+                        <a:rPr lang="pt-BR" sz="1600" dirty="0">
+                          <a:solidFill>
+                            <a:srgbClr val="FF4343"/>
+                          </a:solidFill>
+                          <a:latin typeface="Consolas" panose="020B0609020204030204" pitchFamily="49" charset="0"/>
+                        </a:rPr>
+                        <a:t>) </a:t>
+                      </a:r>
+                      <a:r>
+                        <a:rPr lang="pt-BR" sz="1600" i="1" dirty="0">
+                          <a:latin typeface="Consolas" panose="020B0609020204030204" pitchFamily="49" charset="0"/>
+                        </a:rPr>
+                        <a:t>stmt</a:t>
+                      </a:r>
+                      <a:r>
+                        <a:rPr lang="pt-BR" sz="1600" i="1" baseline="-25000" dirty="0">
+                          <a:latin typeface="Consolas" panose="020B0609020204030204" pitchFamily="49" charset="0"/>
+                        </a:rPr>
+                        <a:t>1</a:t>
+                      </a:r>
+                    </a:p>
+                  </a:txBody>
+                  <a:tcPr>
+                    <a:lnL w="12700" cmpd="sng">
+                      <a:noFill/>
+                    </a:lnL>
+                    <a:lnR w="12700" cmpd="sng">
+                      <a:noFill/>
+                    </a:lnR>
+                    <a:lnT w="12700" cmpd="sng">
+                      <a:noFill/>
+                    </a:lnT>
+                    <a:lnB w="12700" cmpd="sng">
+                      <a:noFill/>
+                    </a:lnB>
+                    <a:lnTlToBr w="12700" cmpd="sng">
+                      <a:noFill/>
+                      <a:prstDash val="solid"/>
+                    </a:lnTlToBr>
+                    <a:lnBlToTr w="12700" cmpd="sng">
+                      <a:noFill/>
+                      <a:prstDash val="solid"/>
+                    </a:lnBlToTr>
+                  </a:tcPr>
+                </a:tc>
+                <a:extLst>
+                  <a:ext uri="{0D108BD9-81ED-4DB2-BD59-A6C34878D82A}">
+                    <a16:rowId xmlns:a16="http://schemas.microsoft.com/office/drawing/2014/main" val="350625520"/>
+                  </a:ext>
+                </a:extLst>
+              </a:tr>
+            </a:tbl>
+          </a:graphicData>
+        </a:graphic>
+      </p:graphicFrame>
+      <p:graphicFrame>
+        <p:nvGraphicFramePr>
+          <p:cNvPr id="7" name="Tabela 6">
+            <a:extLst>
+              <a:ext uri="{FF2B5EF4-FFF2-40B4-BE49-F238E27FC236}">
+                <a16:creationId xmlns:a16="http://schemas.microsoft.com/office/drawing/2014/main" id="{90C1C7D4-C653-4C73-8D0D-639A920902B4}"/>
+              </a:ext>
+            </a:extLst>
+          </p:cNvPr>
+          <p:cNvGraphicFramePr>
+            <a:graphicFrameLocks noGrp="1"/>
+          </p:cNvGraphicFramePr>
+          <p:nvPr>
+            <p:extLst>
+              <p:ext uri="{D42A27DB-BD31-4B8C-83A1-F6EECF244321}">
+                <p14:modId xmlns:p14="http://schemas.microsoft.com/office/powerpoint/2010/main" val="1438170478"/>
+              </p:ext>
+            </p:extLst>
+          </p:nvPr>
+        </p:nvGraphicFramePr>
+        <p:xfrm>
+          <a:off x="1601665" y="4607913"/>
+          <a:ext cx="4204715" cy="1005840"/>
+        </p:xfrm>
+        <a:graphic>
+          <a:graphicData uri="http://schemas.openxmlformats.org/drawingml/2006/table">
+            <a:tbl>
+              <a:tblPr firstRow="1" bandRow="1">
+                <a:tableStyleId>{5940675A-B579-460E-94D1-54222C63F5DA}</a:tableStyleId>
+              </a:tblPr>
+              <a:tblGrid>
+                <a:gridCol w="892347">
+                  <a:extLst>
+                    <a:ext uri="{9D8B030D-6E8A-4147-A177-3AD203B41FA5}">
+                      <a16:colId xmlns:a16="http://schemas.microsoft.com/office/drawing/2014/main" val="466030058"/>
+                    </a:ext>
+                  </a:extLst>
+                </a:gridCol>
+                <a:gridCol w="360040">
+                  <a:extLst>
+                    <a:ext uri="{9D8B030D-6E8A-4147-A177-3AD203B41FA5}">
+                      <a16:colId xmlns:a16="http://schemas.microsoft.com/office/drawing/2014/main" val="2619744856"/>
+                    </a:ext>
+                  </a:extLst>
+                </a:gridCol>
+                <a:gridCol w="2952328">
+                  <a:extLst>
+                    <a:ext uri="{9D8B030D-6E8A-4147-A177-3AD203B41FA5}">
+                      <a16:colId xmlns:a16="http://schemas.microsoft.com/office/drawing/2014/main" val="2010962156"/>
+                    </a:ext>
+                  </a:extLst>
+                </a:gridCol>
+              </a:tblGrid>
+              <a:tr h="301500">
+                <a:tc>
+                  <a:txBody>
+                    <a:bodyPr/>
+                    <a:lstStyle/>
+                    <a:p>
+                      <a:r>
+                        <a:rPr lang="pt-BR" sz="1600" i="1" dirty="0" err="1">
+                          <a:latin typeface="Consolas" panose="020B0609020204030204" pitchFamily="49" charset="0"/>
+                        </a:rPr>
+                        <a:t>stmt</a:t>
+                      </a:r>
+                      <a:endParaRPr lang="pt-BR" sz="1600" i="1" dirty="0">
+                        <a:latin typeface="Consolas" panose="020B0609020204030204" pitchFamily="49" charset="0"/>
+                      </a:endParaRPr>
+                    </a:p>
+                  </a:txBody>
+                  <a:tcPr>
+                    <a:lnL w="12700" cmpd="sng">
+                      <a:noFill/>
+                    </a:lnL>
+                    <a:lnR w="12700" cmpd="sng">
+                      <a:noFill/>
+                    </a:lnR>
+                    <a:lnT w="12700" cmpd="sng">
+                      <a:noFill/>
+                    </a:lnT>
+                    <a:lnB w="12700" cmpd="sng">
+                      <a:noFill/>
+                    </a:lnB>
+                    <a:lnTlToBr w="12700" cmpd="sng">
+                      <a:noFill/>
+                      <a:prstDash val="solid"/>
+                    </a:lnTlToBr>
+                    <a:lnBlToTr w="12700" cmpd="sng">
+                      <a:noFill/>
+                      <a:prstDash val="solid"/>
+                    </a:lnBlToTr>
+                  </a:tcPr>
+                </a:tc>
+                <a:tc>
+                  <a:txBody>
+                    <a:bodyPr/>
+                    <a:lstStyle/>
+                    <a:p>
+                      <a:pPr marL="0" marR="0" lvl="0" indent="0" algn="l" defTabSz="914400" rtl="0" eaLnBrk="1" fontAlgn="auto" latinLnBrk="0" hangingPunct="1">
+                        <a:lnSpc>
+                          <a:spcPct val="100000"/>
+                        </a:lnSpc>
+                        <a:spcBef>
+                          <a:spcPts val="0"/>
+                        </a:spcBef>
+                        <a:spcAft>
+                          <a:spcPts val="0"/>
+                        </a:spcAft>
+                        <a:buClrTx/>
+                        <a:buSzTx/>
+                        <a:buFontTx/>
+                        <a:buNone/>
+                        <a:tabLst/>
+                        <a:defRPr/>
+                      </a:pPr>
+                      <a:r>
+                        <a:rPr lang="pt-BR" sz="1600" dirty="0">
+                          <a:latin typeface="Consolas" panose="020B0609020204030204" pitchFamily="49" charset="0"/>
+                          <a:sym typeface="Wingdings 3" panose="05040102010807070707" pitchFamily="18" charset="2"/>
+                        </a:rPr>
+                        <a:t></a:t>
+                      </a:r>
+                      <a:endParaRPr lang="pt-BR" sz="1600" dirty="0">
+                        <a:latin typeface="Consolas" panose="020B0609020204030204" pitchFamily="49" charset="0"/>
+                      </a:endParaRPr>
+                    </a:p>
+                  </a:txBody>
+                  <a:tcPr>
+                    <a:lnL w="12700" cmpd="sng">
+                      <a:noFill/>
+                    </a:lnL>
+                    <a:lnR w="12700" cmpd="sng">
+                      <a:noFill/>
+                    </a:lnR>
+                    <a:lnT w="12700" cmpd="sng">
+                      <a:noFill/>
+                    </a:lnT>
+                    <a:lnB w="12700" cmpd="sng">
+                      <a:noFill/>
+                    </a:lnB>
+                    <a:lnTlToBr w="12700" cmpd="sng">
+                      <a:noFill/>
+                      <a:prstDash val="solid"/>
+                    </a:lnTlToBr>
+                    <a:lnBlToTr w="12700" cmpd="sng">
+                      <a:noFill/>
+                      <a:prstDash val="solid"/>
+                    </a:lnBlToTr>
+                  </a:tcPr>
+                </a:tc>
+                <a:tc>
+                  <a:txBody>
+                    <a:bodyPr/>
+                    <a:lstStyle/>
+                    <a:p>
+                      <a:r>
+                        <a:rPr lang="pt-BR" sz="1600" b="1" dirty="0" err="1">
+                          <a:solidFill>
+                            <a:srgbClr val="FF4343"/>
+                          </a:solidFill>
+                          <a:latin typeface="Consolas" panose="020B0609020204030204" pitchFamily="49" charset="0"/>
+                        </a:rPr>
+                        <a:t>while</a:t>
+                      </a:r>
+                      <a:r>
+                        <a:rPr lang="pt-BR" sz="1600" dirty="0">
+                          <a:latin typeface="Consolas" panose="020B0609020204030204" pitchFamily="49" charset="0"/>
+                        </a:rPr>
+                        <a:t> </a:t>
+                      </a:r>
+                      <a:r>
+                        <a:rPr lang="pt-BR" sz="1600" dirty="0">
+                          <a:solidFill>
+                            <a:srgbClr val="FF4343"/>
+                          </a:solidFill>
+                          <a:latin typeface="Consolas" panose="020B0609020204030204" pitchFamily="49" charset="0"/>
+                        </a:rPr>
+                        <a:t>(</a:t>
+                      </a:r>
+                      <a:r>
+                        <a:rPr lang="pt-BR" sz="1600" i="1" dirty="0" err="1">
+                          <a:latin typeface="Consolas" panose="020B0609020204030204" pitchFamily="49" charset="0"/>
+                        </a:rPr>
+                        <a:t>expr</a:t>
+                      </a:r>
+                      <a:r>
+                        <a:rPr lang="pt-BR" sz="1600" dirty="0">
+                          <a:solidFill>
+                            <a:srgbClr val="FF4343"/>
+                          </a:solidFill>
+                          <a:latin typeface="Consolas" panose="020B0609020204030204" pitchFamily="49" charset="0"/>
+                        </a:rPr>
+                        <a:t>)</a:t>
+                      </a:r>
+                      <a:r>
+                        <a:rPr lang="pt-BR" sz="1600" dirty="0">
+                          <a:latin typeface="Consolas" panose="020B0609020204030204" pitchFamily="49" charset="0"/>
+                        </a:rPr>
+                        <a:t> </a:t>
+                      </a:r>
+                      <a:r>
+                        <a:rPr lang="pt-BR" sz="1600" i="1" dirty="0">
+                          <a:latin typeface="Consolas" panose="020B0609020204030204" pitchFamily="49" charset="0"/>
+                        </a:rPr>
+                        <a:t>stmt</a:t>
+                      </a:r>
+                      <a:r>
+                        <a:rPr lang="pt-BR" sz="1600" i="1" baseline="-25000" dirty="0">
+                          <a:latin typeface="Consolas" panose="020B0609020204030204" pitchFamily="49" charset="0"/>
+                        </a:rPr>
+                        <a:t>1</a:t>
+                      </a:r>
+                    </a:p>
+                  </a:txBody>
+                  <a:tcPr>
+                    <a:lnL w="12700" cmpd="sng">
+                      <a:noFill/>
+                    </a:lnL>
+                    <a:lnR w="12700" cmpd="sng">
+                      <a:noFill/>
+                    </a:lnR>
+                    <a:lnT w="12700" cmpd="sng">
+                      <a:noFill/>
+                    </a:lnT>
+                    <a:lnB w="12700" cmpd="sng">
+                      <a:noFill/>
+                    </a:lnB>
+                    <a:lnTlToBr w="12700" cmpd="sng">
+                      <a:noFill/>
+                      <a:prstDash val="solid"/>
+                    </a:lnTlToBr>
+                    <a:lnBlToTr w="12700" cmpd="sng">
+                      <a:noFill/>
+                      <a:prstDash val="solid"/>
+                    </a:lnBlToTr>
+                  </a:tcPr>
+                </a:tc>
+                <a:extLst>
+                  <a:ext uri="{0D108BD9-81ED-4DB2-BD59-A6C34878D82A}">
+                    <a16:rowId xmlns:a16="http://schemas.microsoft.com/office/drawing/2014/main" val="1766828713"/>
+                  </a:ext>
+                </a:extLst>
+              </a:tr>
+              <a:tr h="301500">
+                <a:tc>
+                  <a:txBody>
+                    <a:bodyPr/>
+                    <a:lstStyle/>
+                    <a:p>
+                      <a:endParaRPr lang="pt-BR" sz="1600">
+                        <a:latin typeface="Consolas" panose="020B0609020204030204" pitchFamily="49" charset="0"/>
+                      </a:endParaRPr>
+                    </a:p>
+                  </a:txBody>
+                  <a:tcPr>
+                    <a:lnL w="12700" cmpd="sng">
+                      <a:noFill/>
+                    </a:lnL>
+                    <a:lnR w="12700" cmpd="sng">
+                      <a:noFill/>
+                    </a:lnR>
+                    <a:lnT w="12700" cmpd="sng">
+                      <a:noFill/>
+                    </a:lnT>
+                    <a:lnB w="12700" cmpd="sng">
+                      <a:noFill/>
+                    </a:lnB>
+                    <a:lnTlToBr w="12700" cmpd="sng">
+                      <a:noFill/>
+                      <a:prstDash val="solid"/>
+                    </a:lnTlToBr>
+                    <a:lnBlToTr w="12700" cmpd="sng">
+                      <a:noFill/>
+                      <a:prstDash val="solid"/>
+                    </a:lnBlToTr>
+                  </a:tcPr>
+                </a:tc>
+                <a:tc>
+                  <a:txBody>
+                    <a:bodyPr/>
+                    <a:lstStyle/>
+                    <a:p>
+                      <a:pPr marL="0" marR="0" lvl="0" indent="0" algn="l" defTabSz="914400" rtl="0" eaLnBrk="1" fontAlgn="auto" latinLnBrk="0" hangingPunct="1">
+                        <a:lnSpc>
+                          <a:spcPct val="100000"/>
+                        </a:lnSpc>
+                        <a:spcBef>
+                          <a:spcPts val="0"/>
+                        </a:spcBef>
+                        <a:spcAft>
+                          <a:spcPts val="0"/>
+                        </a:spcAft>
+                        <a:buClrTx/>
+                        <a:buSzTx/>
+                        <a:buFontTx/>
+                        <a:buNone/>
+                        <a:tabLst/>
+                        <a:defRPr/>
+                      </a:pPr>
+                      <a:r>
+                        <a:rPr lang="pt-BR" sz="1600" dirty="0">
+                          <a:latin typeface="Consolas" panose="020B0609020204030204" pitchFamily="49" charset="0"/>
+                          <a:sym typeface="Wingdings 3" panose="05040102010807070707" pitchFamily="18" charset="2"/>
+                        </a:rPr>
+                        <a:t>|</a:t>
+                      </a:r>
+                      <a:endParaRPr lang="pt-BR" sz="1600" dirty="0">
+                        <a:latin typeface="Consolas" panose="020B0609020204030204" pitchFamily="49" charset="0"/>
+                      </a:endParaRPr>
+                    </a:p>
+                  </a:txBody>
+                  <a:tcPr>
+                    <a:lnL w="12700" cmpd="sng">
+                      <a:noFill/>
+                    </a:lnL>
+                    <a:lnR w="12700" cmpd="sng">
+                      <a:noFill/>
+                    </a:lnR>
+                    <a:lnT w="12700" cmpd="sng">
+                      <a:noFill/>
+                    </a:lnT>
+                    <a:lnB w="12700" cmpd="sng">
+                      <a:noFill/>
+                    </a:lnB>
+                    <a:lnTlToBr w="12700" cmpd="sng">
+                      <a:noFill/>
+                      <a:prstDash val="solid"/>
+                    </a:lnTlToBr>
+                    <a:lnBlToTr w="12700" cmpd="sng">
+                      <a:noFill/>
+                      <a:prstDash val="solid"/>
+                    </a:lnBlToTr>
+                  </a:tcPr>
+                </a:tc>
+                <a:tc>
+                  <a:txBody>
+                    <a:bodyPr/>
+                    <a:lstStyle/>
+                    <a:p>
+                      <a:r>
+                        <a:rPr lang="pt-BR" sz="1600" b="1" dirty="0">
+                          <a:solidFill>
+                            <a:srgbClr val="FF4343"/>
+                          </a:solidFill>
+                          <a:latin typeface="Consolas" panose="020B0609020204030204" pitchFamily="49" charset="0"/>
+                        </a:rPr>
+                        <a:t>do</a:t>
+                      </a:r>
+                      <a:r>
+                        <a:rPr lang="pt-BR" sz="1600" dirty="0">
+                          <a:latin typeface="Consolas" panose="020B0609020204030204" pitchFamily="49" charset="0"/>
+                        </a:rPr>
+                        <a:t> </a:t>
+                      </a:r>
+                      <a:r>
+                        <a:rPr lang="pt-BR" sz="1600" i="1" dirty="0">
+                          <a:latin typeface="Consolas" panose="020B0609020204030204" pitchFamily="49" charset="0"/>
+                        </a:rPr>
+                        <a:t>stmt</a:t>
+                      </a:r>
+                      <a:r>
+                        <a:rPr lang="pt-BR" sz="1600" i="1" baseline="-25000" dirty="0">
+                          <a:latin typeface="Consolas" panose="020B0609020204030204" pitchFamily="49" charset="0"/>
+                        </a:rPr>
+                        <a:t>1</a:t>
+                      </a:r>
+                      <a:r>
+                        <a:rPr lang="pt-BR" sz="1600" dirty="0">
+                          <a:latin typeface="Consolas" panose="020B0609020204030204" pitchFamily="49" charset="0"/>
+                        </a:rPr>
+                        <a:t> </a:t>
+                      </a:r>
+                      <a:r>
+                        <a:rPr lang="pt-BR" sz="1600" b="1" dirty="0" err="1">
+                          <a:solidFill>
+                            <a:srgbClr val="FF4343"/>
+                          </a:solidFill>
+                          <a:latin typeface="Consolas" panose="020B0609020204030204" pitchFamily="49" charset="0"/>
+                        </a:rPr>
+                        <a:t>while</a:t>
+                      </a:r>
+                      <a:r>
+                        <a:rPr lang="pt-BR" sz="1600" dirty="0">
+                          <a:latin typeface="Consolas" panose="020B0609020204030204" pitchFamily="49" charset="0"/>
+                        </a:rPr>
+                        <a:t> </a:t>
+                      </a:r>
+                      <a:r>
+                        <a:rPr lang="pt-BR" sz="1600" dirty="0">
+                          <a:solidFill>
+                            <a:srgbClr val="FF4343"/>
+                          </a:solidFill>
+                          <a:latin typeface="Consolas" panose="020B0609020204030204" pitchFamily="49" charset="0"/>
+                        </a:rPr>
+                        <a:t>(</a:t>
+                      </a:r>
+                      <a:r>
+                        <a:rPr lang="pt-BR" sz="1600" i="1" dirty="0" err="1">
+                          <a:latin typeface="Consolas" panose="020B0609020204030204" pitchFamily="49" charset="0"/>
+                        </a:rPr>
+                        <a:t>expr</a:t>
+                      </a:r>
+                      <a:r>
+                        <a:rPr lang="pt-BR" sz="1600" dirty="0">
+                          <a:solidFill>
+                            <a:srgbClr val="FF4343"/>
+                          </a:solidFill>
+                          <a:latin typeface="Consolas" panose="020B0609020204030204" pitchFamily="49" charset="0"/>
+                        </a:rPr>
+                        <a:t>);</a:t>
+                      </a:r>
+                    </a:p>
+                  </a:txBody>
+                  <a:tcPr>
+                    <a:lnL w="12700" cmpd="sng">
+                      <a:noFill/>
+                    </a:lnL>
+                    <a:lnR w="12700" cmpd="sng">
+                      <a:noFill/>
+                    </a:lnR>
+                    <a:lnT w="12700" cmpd="sng">
+                      <a:noFill/>
+                    </a:lnT>
+                    <a:lnB w="12700" cmpd="sng">
+                      <a:noFill/>
+                    </a:lnB>
+                    <a:lnTlToBr w="12700" cmpd="sng">
+                      <a:noFill/>
+                      <a:prstDash val="solid"/>
+                    </a:lnTlToBr>
+                    <a:lnBlToTr w="12700" cmpd="sng">
+                      <a:noFill/>
+                      <a:prstDash val="solid"/>
+                    </a:lnBlToTr>
+                  </a:tcPr>
+                </a:tc>
+                <a:extLst>
+                  <a:ext uri="{0D108BD9-81ED-4DB2-BD59-A6C34878D82A}">
+                    <a16:rowId xmlns:a16="http://schemas.microsoft.com/office/drawing/2014/main" val="367649861"/>
+                  </a:ext>
+                </a:extLst>
+              </a:tr>
+              <a:tr h="301500">
+                <a:tc>
+                  <a:txBody>
+                    <a:bodyPr/>
+                    <a:lstStyle/>
+                    <a:p>
+                      <a:endParaRPr lang="pt-BR" sz="1600">
+                        <a:latin typeface="Consolas" panose="020B0609020204030204" pitchFamily="49" charset="0"/>
+                      </a:endParaRPr>
+                    </a:p>
+                  </a:txBody>
+                  <a:tcPr>
+                    <a:lnL w="12700" cmpd="sng">
+                      <a:noFill/>
+                    </a:lnL>
+                    <a:lnR w="12700" cmpd="sng">
+                      <a:noFill/>
+                    </a:lnR>
+                    <a:lnT w="12700" cmpd="sng">
+                      <a:noFill/>
+                    </a:lnT>
+                    <a:lnB w="12700" cmpd="sng">
+                      <a:noFill/>
+                    </a:lnB>
+                    <a:lnTlToBr w="12700" cmpd="sng">
+                      <a:noFill/>
+                      <a:prstDash val="solid"/>
+                    </a:lnTlToBr>
+                    <a:lnBlToTr w="12700" cmpd="sng">
+                      <a:noFill/>
+                      <a:prstDash val="solid"/>
+                    </a:lnBlToTr>
+                  </a:tcPr>
+                </a:tc>
+                <a:tc>
+                  <a:txBody>
+                    <a:bodyPr/>
+                    <a:lstStyle/>
+                    <a:p>
+                      <a:pPr marL="0" marR="0" lvl="0" indent="0" algn="l" defTabSz="914400" rtl="0" eaLnBrk="1" fontAlgn="auto" latinLnBrk="0" hangingPunct="1">
+                        <a:lnSpc>
+                          <a:spcPct val="100000"/>
+                        </a:lnSpc>
+                        <a:spcBef>
+                          <a:spcPts val="0"/>
+                        </a:spcBef>
+                        <a:spcAft>
+                          <a:spcPts val="0"/>
+                        </a:spcAft>
+                        <a:buClrTx/>
+                        <a:buSzTx/>
+                        <a:buFontTx/>
+                        <a:buNone/>
+                        <a:tabLst/>
+                        <a:defRPr/>
+                      </a:pPr>
+                      <a:r>
+                        <a:rPr lang="pt-BR" sz="1600" dirty="0">
+                          <a:latin typeface="Consolas" panose="020B0609020204030204" pitchFamily="49" charset="0"/>
+                          <a:sym typeface="Wingdings 3" panose="05040102010807070707" pitchFamily="18" charset="2"/>
+                        </a:rPr>
+                        <a:t>|</a:t>
+                      </a:r>
+                      <a:endParaRPr lang="pt-BR" sz="1600" dirty="0">
+                        <a:latin typeface="Consolas" panose="020B0609020204030204" pitchFamily="49" charset="0"/>
+                      </a:endParaRPr>
+                    </a:p>
+                  </a:txBody>
+                  <a:tcPr>
+                    <a:lnL w="12700" cmpd="sng">
+                      <a:noFill/>
+                    </a:lnL>
+                    <a:lnR w="12700" cmpd="sng">
+                      <a:noFill/>
+                    </a:lnR>
+                    <a:lnT w="12700" cmpd="sng">
+                      <a:noFill/>
+                    </a:lnT>
+                    <a:lnB w="12700" cmpd="sng">
+                      <a:noFill/>
+                    </a:lnB>
+                    <a:lnTlToBr w="12700" cmpd="sng">
+                      <a:noFill/>
+                      <a:prstDash val="solid"/>
+                    </a:lnTlToBr>
+                    <a:lnBlToTr w="12700" cmpd="sng">
+                      <a:noFill/>
+                      <a:prstDash val="solid"/>
+                    </a:lnBlToTr>
+                  </a:tcPr>
+                </a:tc>
+                <a:tc>
+                  <a:txBody>
+                    <a:bodyPr/>
+                    <a:lstStyle/>
+                    <a:p>
+                      <a:r>
+                        <a:rPr lang="pt-BR" sz="1600" b="1" dirty="0">
+                          <a:solidFill>
+                            <a:srgbClr val="FF4343"/>
+                          </a:solidFill>
+                          <a:latin typeface="Consolas" panose="020B0609020204030204" pitchFamily="49" charset="0"/>
+                        </a:rPr>
+                        <a:t>for</a:t>
+                      </a:r>
+                      <a:r>
+                        <a:rPr lang="pt-BR" sz="1600" dirty="0">
+                          <a:latin typeface="Consolas" panose="020B0609020204030204" pitchFamily="49" charset="0"/>
+                        </a:rPr>
+                        <a:t> </a:t>
+                      </a:r>
+                      <a:r>
+                        <a:rPr lang="pt-BR" sz="1600" dirty="0">
+                          <a:solidFill>
+                            <a:srgbClr val="FF4343"/>
+                          </a:solidFill>
+                          <a:latin typeface="Consolas" panose="020B0609020204030204" pitchFamily="49" charset="0"/>
+                        </a:rPr>
+                        <a:t>(</a:t>
+                      </a:r>
+                      <a:r>
+                        <a:rPr lang="pt-BR" sz="1600" i="1" dirty="0" err="1">
+                          <a:latin typeface="Consolas" panose="020B0609020204030204" pitchFamily="49" charset="0"/>
+                        </a:rPr>
+                        <a:t>expr</a:t>
+                      </a:r>
+                      <a:r>
+                        <a:rPr lang="pt-BR" sz="1600" i="1" dirty="0">
+                          <a:solidFill>
+                            <a:srgbClr val="FF4343"/>
+                          </a:solidFill>
+                          <a:latin typeface="Consolas" panose="020B0609020204030204" pitchFamily="49" charset="0"/>
+                        </a:rPr>
+                        <a:t>;</a:t>
+                      </a:r>
+                      <a:r>
+                        <a:rPr lang="pt-BR" sz="1600" i="1" dirty="0">
+                          <a:latin typeface="Consolas" panose="020B0609020204030204" pitchFamily="49" charset="0"/>
+                        </a:rPr>
+                        <a:t> </a:t>
+                      </a:r>
+                      <a:r>
+                        <a:rPr lang="pt-BR" sz="1600" i="1" dirty="0" err="1">
+                          <a:latin typeface="Consolas" panose="020B0609020204030204" pitchFamily="49" charset="0"/>
+                        </a:rPr>
+                        <a:t>for_tail</a:t>
+                      </a:r>
+                      <a:endParaRPr lang="pt-BR" sz="1600" i="1" baseline="-25000" dirty="0">
+                        <a:latin typeface="Consolas" panose="020B0609020204030204" pitchFamily="49" charset="0"/>
+                      </a:endParaRPr>
+                    </a:p>
+                  </a:txBody>
+                  <a:tcPr>
+                    <a:lnL w="12700" cmpd="sng">
+                      <a:noFill/>
+                    </a:lnL>
+                    <a:lnR w="12700" cmpd="sng">
+                      <a:noFill/>
+                    </a:lnR>
+                    <a:lnT w="12700" cmpd="sng">
+                      <a:noFill/>
+                    </a:lnT>
+                    <a:lnB w="12700" cmpd="sng">
+                      <a:noFill/>
+                    </a:lnB>
+                    <a:lnTlToBr w="12700" cmpd="sng">
+                      <a:noFill/>
+                      <a:prstDash val="solid"/>
+                    </a:lnTlToBr>
+                    <a:lnBlToTr w="12700" cmpd="sng">
+                      <a:noFill/>
+                      <a:prstDash val="solid"/>
+                    </a:lnBlToTr>
+                  </a:tcPr>
+                </a:tc>
+                <a:extLst>
+                  <a:ext uri="{0D108BD9-81ED-4DB2-BD59-A6C34878D82A}">
+                    <a16:rowId xmlns:a16="http://schemas.microsoft.com/office/drawing/2014/main" val="1039950919"/>
+                  </a:ext>
+                </a:extLst>
+              </a:tr>
+            </a:tbl>
+          </a:graphicData>
+        </a:graphic>
+      </p:graphicFrame>
+      <p:graphicFrame>
+        <p:nvGraphicFramePr>
+          <p:cNvPr id="8" name="Tabela 7">
+            <a:extLst>
+              <a:ext uri="{FF2B5EF4-FFF2-40B4-BE49-F238E27FC236}">
+                <a16:creationId xmlns:a16="http://schemas.microsoft.com/office/drawing/2014/main" id="{BF204FA0-439E-4DFB-A4E8-5E3A04088E82}"/>
+              </a:ext>
+            </a:extLst>
+          </p:cNvPr>
+          <p:cNvGraphicFramePr>
+            <a:graphicFrameLocks noGrp="1"/>
+          </p:cNvGraphicFramePr>
+          <p:nvPr>
+            <p:extLst>
+              <p:ext uri="{D42A27DB-BD31-4B8C-83A1-F6EECF244321}">
+                <p14:modId xmlns:p14="http://schemas.microsoft.com/office/powerpoint/2010/main" val="1337862400"/>
+              </p:ext>
+            </p:extLst>
+          </p:nvPr>
+        </p:nvGraphicFramePr>
+        <p:xfrm>
+          <a:off x="6022404" y="4607913"/>
+          <a:ext cx="4320480" cy="670560"/>
+        </p:xfrm>
+        <a:graphic>
+          <a:graphicData uri="http://schemas.openxmlformats.org/drawingml/2006/table">
+            <a:tbl>
+              <a:tblPr firstRow="1" bandRow="1">
+                <a:tableStyleId>{5940675A-B579-460E-94D1-54222C63F5DA}</a:tableStyleId>
+              </a:tblPr>
+              <a:tblGrid>
+                <a:gridCol w="1152128">
+                  <a:extLst>
+                    <a:ext uri="{9D8B030D-6E8A-4147-A177-3AD203B41FA5}">
+                      <a16:colId xmlns:a16="http://schemas.microsoft.com/office/drawing/2014/main" val="907022433"/>
+                    </a:ext>
+                  </a:extLst>
+                </a:gridCol>
+                <a:gridCol w="360040">
+                  <a:extLst>
+                    <a:ext uri="{9D8B030D-6E8A-4147-A177-3AD203B41FA5}">
+                      <a16:colId xmlns:a16="http://schemas.microsoft.com/office/drawing/2014/main" val="51680427"/>
+                    </a:ext>
+                  </a:extLst>
+                </a:gridCol>
+                <a:gridCol w="2808312">
+                  <a:extLst>
+                    <a:ext uri="{9D8B030D-6E8A-4147-A177-3AD203B41FA5}">
+                      <a16:colId xmlns:a16="http://schemas.microsoft.com/office/drawing/2014/main" val="2937015554"/>
+                    </a:ext>
+                  </a:extLst>
+                </a:gridCol>
+              </a:tblGrid>
+              <a:tr h="301500">
+                <a:tc>
+                  <a:txBody>
+                    <a:bodyPr/>
+                    <a:lstStyle/>
+                    <a:p>
+                      <a:r>
+                        <a:rPr lang="pt-BR" sz="1600" i="1" dirty="0" err="1">
+                          <a:latin typeface="Consolas" panose="020B0609020204030204" pitchFamily="49" charset="0"/>
+                        </a:rPr>
+                        <a:t>for_tail</a:t>
+                      </a:r>
+                      <a:endParaRPr lang="pt-BR" sz="1600" dirty="0">
+                        <a:latin typeface="Consolas" panose="020B0609020204030204" pitchFamily="49" charset="0"/>
+                      </a:endParaRPr>
+                    </a:p>
+                  </a:txBody>
+                  <a:tcPr>
+                    <a:lnL w="12700" cmpd="sng">
+                      <a:noFill/>
+                    </a:lnL>
+                    <a:lnR w="12700" cmpd="sng">
+                      <a:noFill/>
+                    </a:lnR>
+                    <a:lnT w="12700" cmpd="sng">
+                      <a:noFill/>
+                    </a:lnT>
+                    <a:lnB w="12700" cmpd="sng">
+                      <a:noFill/>
+                    </a:lnB>
+                    <a:lnTlToBr w="12700" cmpd="sng">
+                      <a:noFill/>
+                      <a:prstDash val="solid"/>
+                    </a:lnTlToBr>
+                    <a:lnBlToTr w="12700" cmpd="sng">
+                      <a:noFill/>
+                      <a:prstDash val="solid"/>
+                    </a:lnBlToTr>
+                  </a:tcPr>
+                </a:tc>
+                <a:tc>
+                  <a:txBody>
+                    <a:bodyPr/>
+                    <a:lstStyle/>
+                    <a:p>
+                      <a:pPr marL="0" marR="0" lvl="0" indent="0" algn="l" defTabSz="914400" rtl="0" eaLnBrk="1" fontAlgn="auto" latinLnBrk="0" hangingPunct="1">
+                        <a:lnSpc>
+                          <a:spcPct val="100000"/>
+                        </a:lnSpc>
+                        <a:spcBef>
+                          <a:spcPts val="0"/>
+                        </a:spcBef>
+                        <a:spcAft>
+                          <a:spcPts val="0"/>
+                        </a:spcAft>
+                        <a:buClrTx/>
+                        <a:buSzTx/>
+                        <a:buFontTx/>
+                        <a:buNone/>
+                        <a:tabLst/>
+                        <a:defRPr/>
+                      </a:pPr>
+                      <a:r>
+                        <a:rPr lang="pt-BR" sz="1600" dirty="0">
+                          <a:latin typeface="Consolas" panose="020B0609020204030204" pitchFamily="49" charset="0"/>
+                          <a:sym typeface="Wingdings 3" panose="05040102010807070707" pitchFamily="18" charset="2"/>
+                        </a:rPr>
+                        <a:t></a:t>
+                      </a:r>
+                      <a:endParaRPr lang="pt-BR" sz="1600" dirty="0">
+                        <a:latin typeface="Consolas" panose="020B0609020204030204" pitchFamily="49" charset="0"/>
+                      </a:endParaRPr>
+                    </a:p>
+                  </a:txBody>
+                  <a:tcPr>
+                    <a:lnL w="12700" cmpd="sng">
+                      <a:noFill/>
+                    </a:lnL>
+                    <a:lnR w="12700" cmpd="sng">
+                      <a:noFill/>
+                    </a:lnR>
+                    <a:lnT w="12700" cmpd="sng">
+                      <a:noFill/>
+                    </a:lnT>
+                    <a:lnB w="12700" cmpd="sng">
+                      <a:noFill/>
+                    </a:lnB>
+                    <a:lnTlToBr w="12700" cmpd="sng">
+                      <a:noFill/>
+                      <a:prstDash val="solid"/>
+                    </a:lnTlToBr>
+                    <a:lnBlToTr w="12700" cmpd="sng">
+                      <a:noFill/>
+                      <a:prstDash val="solid"/>
+                    </a:lnBlToTr>
+                  </a:tcPr>
+                </a:tc>
+                <a:tc>
+                  <a:txBody>
+                    <a:bodyPr/>
+                    <a:lstStyle/>
+                    <a:p>
+                      <a:pPr marL="0" marR="0" lvl="0" indent="0" algn="l" defTabSz="914400" rtl="0" eaLnBrk="1" fontAlgn="auto" latinLnBrk="0" hangingPunct="1">
+                        <a:lnSpc>
+                          <a:spcPct val="100000"/>
+                        </a:lnSpc>
+                        <a:spcBef>
+                          <a:spcPts val="0"/>
+                        </a:spcBef>
+                        <a:spcAft>
+                          <a:spcPts val="0"/>
+                        </a:spcAft>
+                        <a:buClrTx/>
+                        <a:buSzTx/>
+                        <a:buFontTx/>
+                        <a:buNone/>
+                        <a:tabLst/>
+                        <a:defRPr/>
+                      </a:pPr>
+                      <a:r>
+                        <a:rPr lang="pt-BR" sz="1600" i="1" dirty="0" err="1">
+                          <a:latin typeface="Consolas" panose="020B0609020204030204" pitchFamily="49" charset="0"/>
+                        </a:rPr>
+                        <a:t>expr</a:t>
+                      </a:r>
+                      <a:r>
+                        <a:rPr lang="pt-BR" sz="1600" i="1" dirty="0">
+                          <a:solidFill>
+                            <a:srgbClr val="FF4343"/>
+                          </a:solidFill>
+                          <a:latin typeface="Consolas" panose="020B0609020204030204" pitchFamily="49" charset="0"/>
+                        </a:rPr>
+                        <a:t>;</a:t>
+                      </a:r>
+                      <a:r>
+                        <a:rPr lang="pt-BR" sz="1600" i="1" dirty="0">
+                          <a:latin typeface="Consolas" panose="020B0609020204030204" pitchFamily="49" charset="0"/>
+                        </a:rPr>
+                        <a:t> </a:t>
+                      </a:r>
+                      <a:r>
+                        <a:rPr lang="pt-BR" sz="1600" i="1" dirty="0" err="1">
+                          <a:latin typeface="Consolas" panose="020B0609020204030204" pitchFamily="49" charset="0"/>
+                        </a:rPr>
+                        <a:t>expr</a:t>
+                      </a:r>
+                      <a:r>
+                        <a:rPr lang="pt-BR" sz="1600" dirty="0">
+                          <a:solidFill>
+                            <a:srgbClr val="FF4343"/>
+                          </a:solidFill>
+                          <a:latin typeface="Consolas" panose="020B0609020204030204" pitchFamily="49" charset="0"/>
+                        </a:rPr>
+                        <a:t>)</a:t>
+                      </a:r>
+                      <a:r>
+                        <a:rPr lang="pt-BR" sz="1600" dirty="0">
+                          <a:latin typeface="Consolas" panose="020B0609020204030204" pitchFamily="49" charset="0"/>
+                        </a:rPr>
+                        <a:t> </a:t>
+                      </a:r>
+                      <a:r>
+                        <a:rPr lang="pt-BR" sz="1600" i="1" dirty="0">
+                          <a:latin typeface="Consolas" panose="020B0609020204030204" pitchFamily="49" charset="0"/>
+                        </a:rPr>
+                        <a:t>stmt</a:t>
+                      </a:r>
+                      <a:r>
+                        <a:rPr lang="pt-BR" sz="1600" i="1" baseline="-25000" dirty="0">
+                          <a:latin typeface="Consolas" panose="020B0609020204030204" pitchFamily="49" charset="0"/>
+                        </a:rPr>
+                        <a:t>1</a:t>
+                      </a:r>
+                    </a:p>
+                  </a:txBody>
+                  <a:tcPr>
+                    <a:lnL w="12700" cmpd="sng">
+                      <a:noFill/>
+                    </a:lnL>
+                    <a:lnR w="12700" cmpd="sng">
+                      <a:noFill/>
+                    </a:lnR>
+                    <a:lnT w="12700" cmpd="sng">
+                      <a:noFill/>
+                    </a:lnT>
+                    <a:lnB w="12700" cmpd="sng">
+                      <a:noFill/>
+                    </a:lnB>
+                    <a:lnTlToBr w="12700" cmpd="sng">
+                      <a:noFill/>
+                      <a:prstDash val="solid"/>
+                    </a:lnTlToBr>
+                    <a:lnBlToTr w="12700" cmpd="sng">
+                      <a:noFill/>
+                      <a:prstDash val="solid"/>
+                    </a:lnBlToTr>
+                  </a:tcPr>
+                </a:tc>
+                <a:extLst>
+                  <a:ext uri="{0D108BD9-81ED-4DB2-BD59-A6C34878D82A}">
+                    <a16:rowId xmlns:a16="http://schemas.microsoft.com/office/drawing/2014/main" val="489580325"/>
+                  </a:ext>
+                </a:extLst>
+              </a:tr>
+              <a:tr h="301500">
+                <a:tc>
+                  <a:txBody>
+                    <a:bodyPr/>
+                    <a:lstStyle/>
+                    <a:p>
+                      <a:endParaRPr lang="pt-BR" sz="1600" dirty="0">
+                        <a:latin typeface="Consolas" panose="020B0609020204030204" pitchFamily="49" charset="0"/>
+                      </a:endParaRPr>
+                    </a:p>
+                  </a:txBody>
+                  <a:tcPr>
+                    <a:lnL w="12700" cmpd="sng">
+                      <a:noFill/>
+                    </a:lnL>
+                    <a:lnR w="12700" cmpd="sng">
+                      <a:noFill/>
+                    </a:lnR>
+                    <a:lnT w="12700" cmpd="sng">
+                      <a:noFill/>
+                    </a:lnT>
+                    <a:lnB w="12700" cmpd="sng">
+                      <a:noFill/>
+                    </a:lnB>
+                    <a:lnTlToBr w="12700" cmpd="sng">
+                      <a:noFill/>
+                      <a:prstDash val="solid"/>
+                    </a:lnTlToBr>
+                    <a:lnBlToTr w="12700" cmpd="sng">
+                      <a:noFill/>
+                      <a:prstDash val="solid"/>
+                    </a:lnBlToTr>
+                  </a:tcPr>
+                </a:tc>
+                <a:tc>
+                  <a:txBody>
+                    <a:bodyPr/>
+                    <a:lstStyle/>
+                    <a:p>
+                      <a:pPr marL="0" marR="0" lvl="0" indent="0" algn="l" defTabSz="914400" rtl="0" eaLnBrk="1" fontAlgn="auto" latinLnBrk="0" hangingPunct="1">
+                        <a:lnSpc>
+                          <a:spcPct val="100000"/>
+                        </a:lnSpc>
+                        <a:spcBef>
+                          <a:spcPts val="0"/>
+                        </a:spcBef>
+                        <a:spcAft>
+                          <a:spcPts val="0"/>
+                        </a:spcAft>
+                        <a:buClrTx/>
+                        <a:buSzTx/>
+                        <a:buFontTx/>
+                        <a:buNone/>
+                        <a:tabLst/>
+                        <a:defRPr/>
+                      </a:pPr>
+                      <a:endParaRPr lang="pt-BR" sz="1600" dirty="0">
+                        <a:latin typeface="Consolas" panose="020B0609020204030204" pitchFamily="49" charset="0"/>
+                      </a:endParaRPr>
+                    </a:p>
+                  </a:txBody>
+                  <a:tcPr>
+                    <a:lnL w="12700" cmpd="sng">
+                      <a:noFill/>
+                    </a:lnL>
+                    <a:lnR w="12700" cmpd="sng">
+                      <a:noFill/>
+                    </a:lnR>
+                    <a:lnT w="12700" cmpd="sng">
+                      <a:noFill/>
+                    </a:lnT>
+                    <a:lnB w="12700" cmpd="sng">
+                      <a:noFill/>
+                    </a:lnB>
+                    <a:lnTlToBr w="12700" cmpd="sng">
+                      <a:noFill/>
+                      <a:prstDash val="solid"/>
+                    </a:lnTlToBr>
+                    <a:lnBlToTr w="12700" cmpd="sng">
+                      <a:noFill/>
+                      <a:prstDash val="solid"/>
+                    </a:lnBlToTr>
+                  </a:tcPr>
+                </a:tc>
+                <a:tc>
+                  <a:txBody>
+                    <a:bodyPr/>
+                    <a:lstStyle/>
+                    <a:p>
+                      <a:pPr marL="0" marR="0" lvl="0" indent="0" algn="l" defTabSz="914400" rtl="0" eaLnBrk="1" fontAlgn="auto" latinLnBrk="0" hangingPunct="1">
+                        <a:lnSpc>
+                          <a:spcPct val="100000"/>
+                        </a:lnSpc>
+                        <a:spcBef>
+                          <a:spcPts val="0"/>
+                        </a:spcBef>
+                        <a:spcAft>
+                          <a:spcPts val="0"/>
+                        </a:spcAft>
+                        <a:buClrTx/>
+                        <a:buSzTx/>
+                        <a:buFontTx/>
+                        <a:buNone/>
+                        <a:tabLst/>
+                        <a:defRPr/>
+                      </a:pPr>
+                      <a:r>
+                        <a:rPr lang="pt-BR" sz="1600" i="1" dirty="0" err="1">
+                          <a:latin typeface="Consolas" panose="020B0609020204030204" pitchFamily="49" charset="0"/>
+                        </a:rPr>
+                        <a:t>decl</a:t>
+                      </a:r>
+                      <a:r>
+                        <a:rPr lang="pt-BR" sz="1600" dirty="0">
+                          <a:latin typeface="Consolas" panose="020B0609020204030204" pitchFamily="49" charset="0"/>
+                        </a:rPr>
+                        <a:t> </a:t>
+                      </a:r>
+                      <a:r>
+                        <a:rPr lang="pt-BR" sz="1600" dirty="0">
+                          <a:solidFill>
+                            <a:srgbClr val="FF4343"/>
+                          </a:solidFill>
+                          <a:latin typeface="Consolas" panose="020B0609020204030204" pitchFamily="49" charset="0"/>
+                        </a:rPr>
+                        <a:t>:</a:t>
+                      </a:r>
+                      <a:r>
+                        <a:rPr lang="pt-BR" sz="1600" dirty="0">
+                          <a:latin typeface="Consolas" panose="020B0609020204030204" pitchFamily="49" charset="0"/>
+                        </a:rPr>
+                        <a:t> </a:t>
+                      </a:r>
+                      <a:r>
+                        <a:rPr lang="pt-BR" sz="1600" i="1" dirty="0">
+                          <a:latin typeface="Consolas" panose="020B0609020204030204" pitchFamily="49" charset="0"/>
+                        </a:rPr>
+                        <a:t>container</a:t>
+                      </a:r>
+                      <a:r>
+                        <a:rPr lang="pt-BR" sz="1600" dirty="0">
+                          <a:solidFill>
+                            <a:srgbClr val="FF4343"/>
+                          </a:solidFill>
+                          <a:latin typeface="Consolas" panose="020B0609020204030204" pitchFamily="49" charset="0"/>
+                        </a:rPr>
+                        <a:t>) </a:t>
+                      </a:r>
+                      <a:r>
+                        <a:rPr lang="pt-BR" sz="1600" i="1" dirty="0">
+                          <a:latin typeface="Consolas" panose="020B0609020204030204" pitchFamily="49" charset="0"/>
+                        </a:rPr>
+                        <a:t>stmt</a:t>
+                      </a:r>
+                      <a:r>
+                        <a:rPr lang="pt-BR" sz="1600" i="1" baseline="-25000" dirty="0">
+                          <a:latin typeface="Consolas" panose="020B0609020204030204" pitchFamily="49" charset="0"/>
+                        </a:rPr>
+                        <a:t>1</a:t>
+                      </a:r>
+                    </a:p>
+                  </a:txBody>
+                  <a:tcPr>
+                    <a:lnL w="12700" cmpd="sng">
+                      <a:noFill/>
+                    </a:lnL>
+                    <a:lnR w="12700" cmpd="sng">
+                      <a:noFill/>
+                    </a:lnR>
+                    <a:lnT w="12700" cmpd="sng">
+                      <a:noFill/>
+                    </a:lnT>
+                    <a:lnB w="12700" cmpd="sng">
+                      <a:noFill/>
+                    </a:lnB>
+                    <a:lnTlToBr w="12700" cmpd="sng">
+                      <a:noFill/>
+                      <a:prstDash val="solid"/>
+                    </a:lnTlToBr>
+                    <a:lnBlToTr w="12700" cmpd="sng">
+                      <a:noFill/>
+                      <a:prstDash val="solid"/>
+                    </a:lnBlToTr>
+                  </a:tcPr>
+                </a:tc>
+                <a:extLst>
+                  <a:ext uri="{0D108BD9-81ED-4DB2-BD59-A6C34878D82A}">
+                    <a16:rowId xmlns:a16="http://schemas.microsoft.com/office/drawing/2014/main" val="761737936"/>
+                  </a:ext>
+                </a:extLst>
+              </a:tr>
+            </a:tbl>
+          </a:graphicData>
+        </a:graphic>
+      </p:graphicFrame>
+    </p:spTree>
+    <p:extLst>
+      <p:ext uri="{BB962C8B-B14F-4D97-AF65-F5344CB8AC3E}">
+        <p14:creationId xmlns:p14="http://schemas.microsoft.com/office/powerpoint/2010/main" val="188254039"/>
+      </p:ext>
+    </p:extLst>
+  </p:cSld>
+  <p:clrMapOvr>
+    <a:masterClrMapping/>
+  </p:clrMapOvr>
+  <p:transition spd="med">
+    <p:pull/>
+  </p:transition>
+  <p:timing>
+    <p:tnLst>
+      <p:par>
+        <p:cTn id="1" dur="indefinite" restart="never" nodeType="tmRoot">
+          <p:childTnLst>
+            <p:seq concurrent="1" nextAc="seek">
+              <p:cTn id="2" dur="indefinite" nodeType="mainSeq">
+                <p:childTnLst>
+                  <p:par>
+                    <p:cTn id="3" fill="hold">
+                      <p:stCondLst>
+                        <p:cond delay="indefinite"/>
+                      </p:stCondLst>
+                      <p:childTnLst>
+                        <p:par>
+                          <p:cTn id="4" fill="hold">
+                            <p:stCondLst>
+                              <p:cond delay="0"/>
+                            </p:stCondLst>
+                            <p:childTnLst>
+                              <p:par>
+                                <p:cTn id="5" presetID="1" presetClass="entr" presetSubtype="0" fill="hold" nodeType="clickEffect">
+                                  <p:stCondLst>
+                                    <p:cond delay="0"/>
+                                  </p:stCondLst>
+                                  <p:childTnLst>
+                                    <p:set>
+                                      <p:cBhvr>
+                                        <p:cTn id="6" dur="1" fill="hold">
+                                          <p:stCondLst>
+                                            <p:cond delay="0"/>
+                                          </p:stCondLst>
+                                        </p:cTn>
+                                        <p:tgtEl>
+                                          <p:spTgt spid="7"/>
+                                        </p:tgtEl>
+                                        <p:attrNameLst>
+                                          <p:attrName>style.visibility</p:attrName>
+                                        </p:attrNameLst>
+                                      </p:cBhvr>
+                                      <p:to>
+                                        <p:strVal val="visible"/>
+                                      </p:to>
+                                    </p:set>
+                                  </p:childTnLst>
+                                </p:cTn>
+                              </p:par>
+                            </p:childTnLst>
+                          </p:cTn>
+                        </p:par>
+                      </p:childTnLst>
+                    </p:cTn>
+                  </p:par>
+                  <p:par>
+                    <p:cTn id="7" fill="hold">
+                      <p:stCondLst>
+                        <p:cond delay="indefinite"/>
+                      </p:stCondLst>
+                      <p:childTnLst>
+                        <p:par>
+                          <p:cTn id="8" fill="hold">
+                            <p:stCondLst>
+                              <p:cond delay="0"/>
+                            </p:stCondLst>
+                            <p:childTnLst>
+                              <p:par>
+                                <p:cTn id="9" presetID="1" presetClass="entr" presetSubtype="0" fill="hold" nodeType="clickEffect">
+                                  <p:stCondLst>
+                                    <p:cond delay="0"/>
+                                  </p:stCondLst>
+                                  <p:childTnLst>
+                                    <p:set>
+                                      <p:cBhvr>
+                                        <p:cTn id="10" dur="1" fill="hold">
+                                          <p:stCondLst>
+                                            <p:cond delay="0"/>
+                                          </p:stCondLst>
+                                        </p:cTn>
+                                        <p:tgtEl>
+                                          <p:spTgt spid="8"/>
+                                        </p:tgtEl>
+                                        <p:attrNameLst>
+                                          <p:attrName>style.visibility</p:attrName>
+                                        </p:attrNameLst>
+                                      </p:cBhvr>
+                                      <p:to>
+                                        <p:strVal val="visible"/>
+                                      </p:to>
+                                    </p:set>
+                                  </p:childTnLst>
+                                </p:cTn>
+                              </p:par>
+                            </p:childTnLst>
+                          </p:cTn>
+                        </p:par>
+                      </p:childTnLst>
+                    </p:cTn>
+                  </p:par>
+                </p:childTnLst>
+              </p:cTn>
+              <p:prevCondLst>
+                <p:cond evt="onPrev" delay="0">
+                  <p:tgtEl>
+                    <p:sldTgt/>
+                  </p:tgtEl>
+                </p:cond>
+              </p:prevCondLst>
+              <p:nextCondLst>
+                <p:cond evt="onNext" delay="0">
+                  <p:tgtEl>
+                    <p:sldTgt/>
+                  </p:tgtEl>
+                </p:cond>
+              </p:nextCondLst>
+            </p:seq>
+          </p:childTnLst>
+        </p:cTn>
+      </p:par>
+    </p:tnLst>
+  </p:timing>
+</p:sld>
+</file>
+
+<file path=ppt/slides/slide23.xml><?xml version="1.0" encoding="utf-8"?>
+<p:sld xmlns:a="http://schemas.openxmlformats.org/drawingml/2006/main" xmlns:r="http://schemas.openxmlformats.org/officeDocument/2006/relationships" xmlns:p="http://schemas.openxmlformats.org/presentationml/2006/main">
+  <p:cSld>
+    <p:spTree>
+      <p:nvGrpSpPr>
+        <p:cNvPr id="1" name=""/>
+        <p:cNvGrpSpPr/>
+        <p:nvPr/>
+      </p:nvGrpSpPr>
+      <p:grpSpPr>
+        <a:xfrm>
+          <a:off x="0" y="0"/>
+          <a:ext cx="0" cy="0"/>
+          <a:chOff x="0" y="0"/>
+          <a:chExt cx="0" cy="0"/>
+        </a:xfrm>
+      </p:grpSpPr>
+      <p:sp>
+        <p:nvSpPr>
+          <p:cNvPr id="2" name="Título 1">
+            <a:extLst>
+              <a:ext uri="{FF2B5EF4-FFF2-40B4-BE49-F238E27FC236}">
+                <a16:creationId xmlns:a16="http://schemas.microsoft.com/office/drawing/2014/main" id="{2CE602B3-4048-4862-9011-351EC89797C4}"/>
+              </a:ext>
+            </a:extLst>
+          </p:cNvPr>
+          <p:cNvSpPr>
+            <a:spLocks noGrp="1"/>
+          </p:cNvSpPr>
+          <p:nvPr>
+            <p:ph type="title"/>
+          </p:nvPr>
+        </p:nvSpPr>
+        <p:spPr/>
+        <p:txBody>
+          <a:bodyPr/>
+          <a:lstStyle/>
+          <a:p>
+            <a:r>
+              <a:rPr lang="pt-BR" dirty="0"/>
+              <a:t>Exercícios</a:t>
+            </a:r>
+          </a:p>
+        </p:txBody>
+      </p:sp>
+      <p:sp>
+        <p:nvSpPr>
+          <p:cNvPr id="3" name="Espaço Reservado para Conteúdo 2">
+            <a:extLst>
+              <a:ext uri="{FF2B5EF4-FFF2-40B4-BE49-F238E27FC236}">
+                <a16:creationId xmlns:a16="http://schemas.microsoft.com/office/drawing/2014/main" id="{970C7A0B-D9A9-4C47-ABCF-E5B3D9A7A5F3}"/>
+              </a:ext>
+            </a:extLst>
+          </p:cNvPr>
+          <p:cNvSpPr>
+            <a:spLocks noGrp="1"/>
+          </p:cNvSpPr>
+          <p:nvPr>
+            <p:ph idx="1"/>
+          </p:nvPr>
+        </p:nvSpPr>
+        <p:spPr/>
+        <p:txBody>
+          <a:bodyPr/>
+          <a:lstStyle/>
+          <a:p>
+            <a:pPr marL="457200" indent="-457200">
+              <a:buFont typeface="+mj-lt"/>
+              <a:buAutoNum type="arabicPeriod" startAt="2"/>
+            </a:pPr>
+            <a:r>
+              <a:rPr lang="pt-BR" dirty="0"/>
               <a:t>A gramática a seguir define </a:t>
             </a:r>
             <a:r>
@@ -24906,11 +28566,8 @@
             </a:r>
             <a:r>
               <a:rPr lang="pt-BR" dirty="0"/>
-              <a:t> sob os símbolos </a:t>
-            </a:r>
-            <a:br>
-              <a:rPr lang="pt-BR" dirty="0"/>
-            </a:br>
+              <a:t> sobre </a:t>
+            </a:r>
             <a:r>
               <a:rPr lang="pt-BR" b="1" dirty="0">
                 <a:solidFill>
@@ -24933,22 +28590,15 @@
               </a:rPr>
               <a:t>b</a:t>
             </a:r>
-            <a:r>
-              <a:rPr lang="pt-BR" dirty="0"/>
-              <a:t>, usando </a:t>
-            </a:r>
-            <a:r>
+            <a:br>
               <a:rPr lang="pt-BR" b="1" dirty="0">
                 <a:solidFill>
                   <a:srgbClr val="FF4343"/>
                 </a:solidFill>
-              </a:rPr>
-              <a:t>+</a:t>
-            </a:r>
-            <a:r>
-              <a:rPr lang="pt-BR" dirty="0"/>
-              <a:t> para união, a fim de evitar conflito com a barra vertical.</a:t>
-            </a:r>
+                <a:latin typeface="Consolas" panose="020B0609020204030204" pitchFamily="49" charset="0"/>
+              </a:rPr>
+            </a:br>
+            <a:endParaRPr lang="pt-BR" dirty="0"/>
           </a:p>
           <a:p>
             <a:pPr marL="919162" lvl="1" indent="-457200">
@@ -24965,34 +28615,14 @@
               <a:buFont typeface="+mj-lt"/>
               <a:buAutoNum type="alphaLcParenR"/>
             </a:pPr>
-            <a:r>
-              <a:rPr lang="pt-BR" dirty="0"/>
-              <a:t>A fatoração torna ela adequada</a:t>
-            </a:r>
-            <a:br>
-              <a:rPr lang="pt-BR" dirty="0"/>
-            </a:br>
-            <a:r>
-              <a:rPr lang="pt-BR" dirty="0"/>
-              <a:t>para análise sintática descendente?</a:t>
-            </a:r>
+            <a:endParaRPr lang="pt-BR" dirty="0"/>
           </a:p>
           <a:p>
             <a:pPr marL="919162" lvl="1" indent="-457200">
               <a:buFont typeface="+mj-lt"/>
               <a:buAutoNum type="alphaLcParenR"/>
             </a:pPr>
-            <a:r>
-              <a:rPr lang="pt-BR" dirty="0"/>
-              <a:t>Elimine a recursão à esquerda da</a:t>
-            </a:r>
-            <a:br>
-              <a:rPr lang="pt-BR" dirty="0"/>
-            </a:br>
-            <a:r>
-              <a:rPr lang="pt-BR" dirty="0"/>
-              <a:t>gramática original</a:t>
-            </a:r>
+            <a:endParaRPr lang="pt-BR" dirty="0"/>
           </a:p>
           <a:p>
             <a:pPr marL="919162" lvl="1" indent="-457200">
@@ -25001,7 +28631,7 @@
             </a:pPr>
             <a:r>
               <a:rPr lang="pt-BR" dirty="0"/>
-              <a:t>A gramática resultante é adequada</a:t>
+              <a:t>A fatoração torna ela adequada</a:t>
             </a:r>
             <a:br>
               <a:rPr lang="pt-BR" dirty="0"/>
@@ -25010,6 +28640,80 @@
               <a:rPr lang="pt-BR" dirty="0"/>
               <a:t>para análise sintática descendente?</a:t>
             </a:r>
+            <a:br>
+              <a:rPr lang="pt-BR" dirty="0"/>
+            </a:br>
+            <a:br>
+              <a:rPr lang="pt-BR" dirty="0"/>
+            </a:br>
+            <a:endParaRPr lang="pt-BR" dirty="0"/>
+          </a:p>
+          <a:p>
+            <a:pPr marL="919162" lvl="1" indent="-457200">
+              <a:buFont typeface="+mj-lt"/>
+              <a:buAutoNum type="alphaLcParenR"/>
+            </a:pPr>
+            <a:endParaRPr lang="pt-BR" dirty="0"/>
+          </a:p>
+        </p:txBody>
+      </p:sp>
+      <p:sp>
+        <p:nvSpPr>
+          <p:cNvPr id="5" name="Retângulo: Cantos Arredondados 4">
+            <a:extLst>
+              <a:ext uri="{FF2B5EF4-FFF2-40B4-BE49-F238E27FC236}">
+                <a16:creationId xmlns:a16="http://schemas.microsoft.com/office/drawing/2014/main" id="{FACCF5AA-437C-4710-B788-0046A78429EB}"/>
+              </a:ext>
+            </a:extLst>
+          </p:cNvPr>
+          <p:cNvSpPr/>
+          <p:nvPr/>
+        </p:nvSpPr>
+        <p:spPr>
+          <a:xfrm>
+            <a:off x="6886500" y="2708920"/>
+            <a:ext cx="3941010" cy="3096344"/>
+          </a:xfrm>
+          <a:prstGeom prst="roundRect">
+            <a:avLst/>
+          </a:prstGeom>
+          <a:solidFill>
+            <a:schemeClr val="bg1">
+              <a:lumMod val="85000"/>
+              <a:lumOff val="15000"/>
+            </a:schemeClr>
+          </a:solidFill>
+          <a:ln>
+            <a:solidFill>
+              <a:schemeClr val="bg1">
+                <a:lumMod val="75000"/>
+                <a:lumOff val="25000"/>
+              </a:schemeClr>
+            </a:solidFill>
+          </a:ln>
+        </p:spPr>
+        <p:style>
+          <a:lnRef idx="2">
+            <a:schemeClr val="accent1">
+              <a:shade val="50000"/>
+            </a:schemeClr>
+          </a:lnRef>
+          <a:fillRef idx="1">
+            <a:schemeClr val="accent1"/>
+          </a:fillRef>
+          <a:effectRef idx="0">
+            <a:schemeClr val="accent1"/>
+          </a:effectRef>
+          <a:fontRef idx="minor">
+            <a:schemeClr val="lt1"/>
+          </a:fontRef>
+        </p:style>
+        <p:txBody>
+          <a:bodyPr rtlCol="0" anchor="ctr"/>
+          <a:lstStyle/>
+          <a:p>
+            <a:pPr algn="ctr"/>
+            <a:endParaRPr lang="pt-BR"/>
           </a:p>
         </p:txBody>
       </p:sp>
@@ -25025,16 +28729,10 @@
           <p:cNvGraphicFramePr>
             <a:graphicFrameLocks noGrp="1"/>
           </p:cNvGraphicFramePr>
-          <p:nvPr>
-            <p:extLst>
-              <p:ext uri="{D42A27DB-BD31-4B8C-83A1-F6EECF244321}">
-                <p14:modId xmlns:p14="http://schemas.microsoft.com/office/powerpoint/2010/main" val="846290636"/>
-              </p:ext>
-            </p:extLst>
-          </p:nvPr>
+          <p:nvPr/>
         </p:nvGraphicFramePr>
         <p:xfrm>
-          <a:off x="7481995" y="3385226"/>
+          <a:off x="7030516" y="2996952"/>
           <a:ext cx="3796994" cy="2664296"/>
         </p:xfrm>
         <a:graphic>
@@ -25173,7 +28871,7 @@
                           </a:solidFill>
                           <a:latin typeface="Consolas" panose="020B0609020204030204" pitchFamily="49" charset="0"/>
                         </a:rPr>
-                        <a:t>+</a:t>
+                        <a:t>|</a:t>
                       </a:r>
                       <a:r>
                         <a:rPr lang="pt-BR" dirty="0">
@@ -26325,10 +30023,91 @@
           </a:graphicData>
         </a:graphic>
       </p:graphicFrame>
+      <p:sp>
+        <p:nvSpPr>
+          <p:cNvPr id="7" name="CaixaDeTexto 6">
+            <a:extLst>
+              <a:ext uri="{FF2B5EF4-FFF2-40B4-BE49-F238E27FC236}">
+                <a16:creationId xmlns:a16="http://schemas.microsoft.com/office/drawing/2014/main" id="{81974455-C5F8-4642-B3D9-CD6EF6CA7090}"/>
+              </a:ext>
+            </a:extLst>
+          </p:cNvPr>
+          <p:cNvSpPr txBox="1"/>
+          <p:nvPr/>
+        </p:nvSpPr>
+        <p:spPr>
+          <a:xfrm>
+            <a:off x="1845940" y="3301911"/>
+            <a:ext cx="2376264" cy="369332"/>
+          </a:xfrm>
+          <a:prstGeom prst="rect">
+            <a:avLst/>
+          </a:prstGeom>
+          <a:noFill/>
+        </p:spPr>
+        <p:txBody>
+          <a:bodyPr wrap="square">
+            <a:spAutoFit/>
+          </a:bodyPr>
+          <a:lstStyle/>
+          <a:p>
+            <a:r>
+              <a:rPr lang="pt-BR" dirty="0">
+                <a:solidFill>
+                  <a:schemeClr val="tx2"/>
+                </a:solidFill>
+              </a:rPr>
+              <a:t>Já está fatorada.</a:t>
+            </a:r>
+          </a:p>
+        </p:txBody>
+      </p:sp>
+      <p:sp>
+        <p:nvSpPr>
+          <p:cNvPr id="9" name="CaixaDeTexto 8">
+            <a:extLst>
+              <a:ext uri="{FF2B5EF4-FFF2-40B4-BE49-F238E27FC236}">
+                <a16:creationId xmlns:a16="http://schemas.microsoft.com/office/drawing/2014/main" id="{1AAD8DBA-2994-42E2-A87C-AE2ECBA2F160}"/>
+              </a:ext>
+            </a:extLst>
+          </p:cNvPr>
+          <p:cNvSpPr txBox="1"/>
+          <p:nvPr/>
+        </p:nvSpPr>
+        <p:spPr>
+          <a:xfrm>
+            <a:off x="1845940" y="5085184"/>
+            <a:ext cx="3888432" cy="369332"/>
+          </a:xfrm>
+          <a:prstGeom prst="rect">
+            <a:avLst/>
+          </a:prstGeom>
+          <a:noFill/>
+        </p:spPr>
+        <p:txBody>
+          <a:bodyPr wrap="square">
+            <a:spAutoFit/>
+          </a:bodyPr>
+          <a:lstStyle/>
+          <a:p>
+            <a:pPr marL="0" indent="0">
+              <a:buNone/>
+            </a:pPr>
+            <a:r>
+              <a:rPr lang="pt-BR" dirty="0">
+                <a:solidFill>
+                  <a:schemeClr val="tx2"/>
+                </a:solidFill>
+              </a:rPr>
+              <a:t>Não, ela é recursiva à esquerda.</a:t>
+            </a:r>
+          </a:p>
+        </p:txBody>
+      </p:sp>
     </p:spTree>
     <p:extLst>
       <p:ext uri="{BB962C8B-B14F-4D97-AF65-F5344CB8AC3E}">
-        <p14:creationId xmlns:p14="http://schemas.microsoft.com/office/powerpoint/2010/main" val="188254039"/>
+        <p14:creationId xmlns:p14="http://schemas.microsoft.com/office/powerpoint/2010/main" val="1309677332"/>
       </p:ext>
     </p:extLst>
   </p:cSld>
@@ -26338,10 +30117,3227 @@
   <p:transition spd="med">
     <p:pull/>
   </p:transition>
+  <p:timing>
+    <p:tnLst>
+      <p:par>
+        <p:cTn id="1" dur="indefinite" restart="never" nodeType="tmRoot">
+          <p:childTnLst>
+            <p:seq concurrent="1" nextAc="seek">
+              <p:cTn id="2" dur="indefinite" nodeType="mainSeq">
+                <p:childTnLst>
+                  <p:par>
+                    <p:cTn id="3" fill="hold">
+                      <p:stCondLst>
+                        <p:cond delay="indefinite"/>
+                      </p:stCondLst>
+                      <p:childTnLst>
+                        <p:par>
+                          <p:cTn id="4" fill="hold">
+                            <p:stCondLst>
+                              <p:cond delay="0"/>
+                            </p:stCondLst>
+                            <p:childTnLst>
+                              <p:par>
+                                <p:cTn id="5" presetID="1" presetClass="entr" presetSubtype="0" fill="hold" grpId="0" nodeType="clickEffect">
+                                  <p:stCondLst>
+                                    <p:cond delay="0"/>
+                                  </p:stCondLst>
+                                  <p:childTnLst>
+                                    <p:set>
+                                      <p:cBhvr>
+                                        <p:cTn id="6" dur="1" fill="hold">
+                                          <p:stCondLst>
+                                            <p:cond delay="0"/>
+                                          </p:stCondLst>
+                                        </p:cTn>
+                                        <p:tgtEl>
+                                          <p:spTgt spid="7"/>
+                                        </p:tgtEl>
+                                        <p:attrNameLst>
+                                          <p:attrName>style.visibility</p:attrName>
+                                        </p:attrNameLst>
+                                      </p:cBhvr>
+                                      <p:to>
+                                        <p:strVal val="visible"/>
+                                      </p:to>
+                                    </p:set>
+                                  </p:childTnLst>
+                                </p:cTn>
+                              </p:par>
+                            </p:childTnLst>
+                          </p:cTn>
+                        </p:par>
+                      </p:childTnLst>
+                    </p:cTn>
+                  </p:par>
+                  <p:par>
+                    <p:cTn id="7" fill="hold">
+                      <p:stCondLst>
+                        <p:cond delay="indefinite"/>
+                      </p:stCondLst>
+                      <p:childTnLst>
+                        <p:par>
+                          <p:cTn id="8" fill="hold">
+                            <p:stCondLst>
+                              <p:cond delay="0"/>
+                            </p:stCondLst>
+                            <p:childTnLst>
+                              <p:par>
+                                <p:cTn id="9" presetID="1" presetClass="entr" presetSubtype="0" fill="hold" grpId="0" nodeType="clickEffect">
+                                  <p:stCondLst>
+                                    <p:cond delay="0"/>
+                                  </p:stCondLst>
+                                  <p:childTnLst>
+                                    <p:set>
+                                      <p:cBhvr>
+                                        <p:cTn id="10" dur="1" fill="hold">
+                                          <p:stCondLst>
+                                            <p:cond delay="0"/>
+                                          </p:stCondLst>
+                                        </p:cTn>
+                                        <p:tgtEl>
+                                          <p:spTgt spid="9"/>
+                                        </p:tgtEl>
+                                        <p:attrNameLst>
+                                          <p:attrName>style.visibility</p:attrName>
+                                        </p:attrNameLst>
+                                      </p:cBhvr>
+                                      <p:to>
+                                        <p:strVal val="visible"/>
+                                      </p:to>
+                                    </p:set>
+                                  </p:childTnLst>
+                                </p:cTn>
+                              </p:par>
+                            </p:childTnLst>
+                          </p:cTn>
+                        </p:par>
+                      </p:childTnLst>
+                    </p:cTn>
+                  </p:par>
+                </p:childTnLst>
+              </p:cTn>
+              <p:prevCondLst>
+                <p:cond evt="onPrev" delay="0">
+                  <p:tgtEl>
+                    <p:sldTgt/>
+                  </p:tgtEl>
+                </p:cond>
+              </p:prevCondLst>
+              <p:nextCondLst>
+                <p:cond evt="onNext" delay="0">
+                  <p:tgtEl>
+                    <p:sldTgt/>
+                  </p:tgtEl>
+                </p:cond>
+              </p:nextCondLst>
+            </p:seq>
+          </p:childTnLst>
+        </p:cTn>
+      </p:par>
+    </p:tnLst>
+    <p:bldLst>
+      <p:bldP spid="7" grpId="0"/>
+      <p:bldP spid="9" grpId="0"/>
+    </p:bldLst>
+  </p:timing>
 </p:sld>
 </file>
 
-<file path=ppt/slides/slide23.xml><?xml version="1.0" encoding="utf-8"?>
+<file path=ppt/slides/slide24.xml><?xml version="1.0" encoding="utf-8"?>
+<p:sld xmlns:a="http://schemas.openxmlformats.org/drawingml/2006/main" xmlns:r="http://schemas.openxmlformats.org/officeDocument/2006/relationships" xmlns:p="http://schemas.openxmlformats.org/presentationml/2006/main">
+  <p:cSld>
+    <p:spTree>
+      <p:nvGrpSpPr>
+        <p:cNvPr id="1" name=""/>
+        <p:cNvGrpSpPr/>
+        <p:nvPr/>
+      </p:nvGrpSpPr>
+      <p:grpSpPr>
+        <a:xfrm>
+          <a:off x="0" y="0"/>
+          <a:ext cx="0" cy="0"/>
+          <a:chOff x="0" y="0"/>
+          <a:chExt cx="0" cy="0"/>
+        </a:xfrm>
+      </p:grpSpPr>
+      <p:sp>
+        <p:nvSpPr>
+          <p:cNvPr id="2" name="Título 1">
+            <a:extLst>
+              <a:ext uri="{FF2B5EF4-FFF2-40B4-BE49-F238E27FC236}">
+                <a16:creationId xmlns:a16="http://schemas.microsoft.com/office/drawing/2014/main" id="{2CE602B3-4048-4862-9011-351EC89797C4}"/>
+              </a:ext>
+            </a:extLst>
+          </p:cNvPr>
+          <p:cNvSpPr>
+            <a:spLocks noGrp="1"/>
+          </p:cNvSpPr>
+          <p:nvPr>
+            <p:ph type="title"/>
+          </p:nvPr>
+        </p:nvSpPr>
+        <p:spPr/>
+        <p:txBody>
+          <a:bodyPr/>
+          <a:lstStyle/>
+          <a:p>
+            <a:r>
+              <a:rPr lang="pt-BR" dirty="0"/>
+              <a:t>Exercícios</a:t>
+            </a:r>
+          </a:p>
+        </p:txBody>
+      </p:sp>
+      <p:sp>
+        <p:nvSpPr>
+          <p:cNvPr id="3" name="Espaço Reservado para Conteúdo 2">
+            <a:extLst>
+              <a:ext uri="{FF2B5EF4-FFF2-40B4-BE49-F238E27FC236}">
+                <a16:creationId xmlns:a16="http://schemas.microsoft.com/office/drawing/2014/main" id="{970C7A0B-D9A9-4C47-ABCF-E5B3D9A7A5F3}"/>
+              </a:ext>
+            </a:extLst>
+          </p:cNvPr>
+          <p:cNvSpPr>
+            <a:spLocks noGrp="1"/>
+          </p:cNvSpPr>
+          <p:nvPr>
+            <p:ph idx="1"/>
+          </p:nvPr>
+        </p:nvSpPr>
+        <p:spPr/>
+        <p:txBody>
+          <a:bodyPr/>
+          <a:lstStyle/>
+          <a:p>
+            <a:pPr marL="457200" indent="-457200">
+              <a:buFont typeface="+mj-lt"/>
+              <a:buAutoNum type="arabicPeriod" startAt="2"/>
+            </a:pPr>
+            <a:r>
+              <a:rPr lang="pt-BR" dirty="0"/>
+              <a:t>A gramática a seguir define </a:t>
+            </a:r>
+            <a:r>
+              <a:rPr lang="pt-BR" dirty="0">
+                <a:solidFill>
+                  <a:schemeClr val="accent1">
+                    <a:lumMod val="75000"/>
+                  </a:schemeClr>
+                </a:solidFill>
+              </a:rPr>
+              <a:t>expressões regulares</a:t>
+            </a:r>
+            <a:r>
+              <a:rPr lang="pt-BR" dirty="0"/>
+              <a:t> sobre </a:t>
+            </a:r>
+            <a:r>
+              <a:rPr lang="pt-BR" b="1" dirty="0">
+                <a:solidFill>
+                  <a:srgbClr val="FF4343"/>
+                </a:solidFill>
+                <a:latin typeface="Consolas" panose="020B0609020204030204" pitchFamily="49" charset="0"/>
+              </a:rPr>
+              <a:t>a</a:t>
+            </a:r>
+            <a:r>
+              <a:rPr lang="pt-BR" dirty="0"/>
+              <a:t> e </a:t>
+            </a:r>
+            <a:r>
+              <a:rPr lang="pt-BR" b="1" dirty="0">
+                <a:solidFill>
+                  <a:srgbClr val="FF4343"/>
+                </a:solidFill>
+                <a:latin typeface="Consolas" panose="020B0609020204030204" pitchFamily="49" charset="0"/>
+              </a:rPr>
+              <a:t>b</a:t>
+            </a:r>
+            <a:br>
+              <a:rPr lang="pt-BR" b="1" dirty="0">
+                <a:solidFill>
+                  <a:srgbClr val="FF4343"/>
+                </a:solidFill>
+                <a:latin typeface="Consolas" panose="020B0609020204030204" pitchFamily="49" charset="0"/>
+              </a:rPr>
+            </a:br>
+            <a:endParaRPr lang="pt-BR" dirty="0"/>
+          </a:p>
+          <a:p>
+            <a:pPr marL="919162" lvl="1" indent="-457200">
+              <a:buFont typeface="+mj-lt"/>
+              <a:buAutoNum type="alphaLcParenR" startAt="3"/>
+            </a:pPr>
+            <a:r>
+              <a:rPr lang="pt-BR" dirty="0"/>
+              <a:t>Elimine a recursão à esquerda</a:t>
+            </a:r>
+          </a:p>
+        </p:txBody>
+      </p:sp>
+      <p:sp>
+        <p:nvSpPr>
+          <p:cNvPr id="5" name="Retângulo: Cantos Arredondados 4">
+            <a:extLst>
+              <a:ext uri="{FF2B5EF4-FFF2-40B4-BE49-F238E27FC236}">
+                <a16:creationId xmlns:a16="http://schemas.microsoft.com/office/drawing/2014/main" id="{FACCF5AA-437C-4710-B788-0046A78429EB}"/>
+              </a:ext>
+            </a:extLst>
+          </p:cNvPr>
+          <p:cNvSpPr/>
+          <p:nvPr/>
+        </p:nvSpPr>
+        <p:spPr>
+          <a:xfrm>
+            <a:off x="6454452" y="2996952"/>
+            <a:ext cx="3941010" cy="3096344"/>
+          </a:xfrm>
+          <a:prstGeom prst="roundRect">
+            <a:avLst/>
+          </a:prstGeom>
+          <a:solidFill>
+            <a:schemeClr val="bg1">
+              <a:lumMod val="85000"/>
+              <a:lumOff val="15000"/>
+            </a:schemeClr>
+          </a:solidFill>
+          <a:ln>
+            <a:solidFill>
+              <a:schemeClr val="bg1">
+                <a:lumMod val="75000"/>
+                <a:lumOff val="25000"/>
+              </a:schemeClr>
+            </a:solidFill>
+          </a:ln>
+        </p:spPr>
+        <p:style>
+          <a:lnRef idx="2">
+            <a:schemeClr val="accent1">
+              <a:shade val="50000"/>
+            </a:schemeClr>
+          </a:lnRef>
+          <a:fillRef idx="1">
+            <a:schemeClr val="accent1"/>
+          </a:fillRef>
+          <a:effectRef idx="0">
+            <a:schemeClr val="accent1"/>
+          </a:effectRef>
+          <a:fontRef idx="minor">
+            <a:schemeClr val="lt1"/>
+          </a:fontRef>
+        </p:style>
+        <p:txBody>
+          <a:bodyPr rtlCol="0" anchor="ctr"/>
+          <a:lstStyle/>
+          <a:p>
+            <a:pPr algn="ctr"/>
+            <a:endParaRPr lang="pt-BR"/>
+          </a:p>
+        </p:txBody>
+      </p:sp>
+      <p:graphicFrame>
+        <p:nvGraphicFramePr>
+          <p:cNvPr id="4" name="Tabela 3">
+            <a:extLst>
+              <a:ext uri="{FF2B5EF4-FFF2-40B4-BE49-F238E27FC236}">
+                <a16:creationId xmlns:a16="http://schemas.microsoft.com/office/drawing/2014/main" id="{89D57958-02ED-4CE1-BC00-9225132A9164}"/>
+              </a:ext>
+            </a:extLst>
+          </p:cNvPr>
+          <p:cNvGraphicFramePr>
+            <a:graphicFrameLocks noGrp="1"/>
+          </p:cNvGraphicFramePr>
+          <p:nvPr>
+            <p:extLst>
+              <p:ext uri="{D42A27DB-BD31-4B8C-83A1-F6EECF244321}">
+                <p14:modId xmlns:p14="http://schemas.microsoft.com/office/powerpoint/2010/main" val="253743066"/>
+              </p:ext>
+            </p:extLst>
+          </p:nvPr>
+        </p:nvGraphicFramePr>
+        <p:xfrm>
+          <a:off x="6598468" y="3284984"/>
+          <a:ext cx="3796994" cy="2664296"/>
+        </p:xfrm>
+        <a:graphic>
+          <a:graphicData uri="http://schemas.openxmlformats.org/drawingml/2006/table">
+            <a:tbl>
+              <a:tblPr firstRow="1" bandRow="1">
+                <a:tableStyleId>{2D5ABB26-0587-4C30-8999-92F81FD0307C}</a:tableStyleId>
+              </a:tblPr>
+              <a:tblGrid>
+                <a:gridCol w="1224136">
+                  <a:extLst>
+                    <a:ext uri="{9D8B030D-6E8A-4147-A177-3AD203B41FA5}">
+                      <a16:colId xmlns:a16="http://schemas.microsoft.com/office/drawing/2014/main" val="2802080471"/>
+                    </a:ext>
+                  </a:extLst>
+                </a:gridCol>
+                <a:gridCol w="504056">
+                  <a:extLst>
+                    <a:ext uri="{9D8B030D-6E8A-4147-A177-3AD203B41FA5}">
+                      <a16:colId xmlns:a16="http://schemas.microsoft.com/office/drawing/2014/main" val="3400083252"/>
+                    </a:ext>
+                  </a:extLst>
+                </a:gridCol>
+                <a:gridCol w="2068802">
+                  <a:extLst>
+                    <a:ext uri="{9D8B030D-6E8A-4147-A177-3AD203B41FA5}">
+                      <a16:colId xmlns:a16="http://schemas.microsoft.com/office/drawing/2014/main" val="3101031502"/>
+                    </a:ext>
+                  </a:extLst>
+                </a:gridCol>
+              </a:tblGrid>
+              <a:tr h="333037">
+                <a:tc>
+                  <a:txBody>
+                    <a:bodyPr/>
+                    <a:lstStyle/>
+                    <a:p>
+                      <a:r>
+                        <a:rPr lang="pt-BR" i="1" dirty="0" err="1">
+                          <a:latin typeface="Consolas" panose="020B0609020204030204" pitchFamily="49" charset="0"/>
+                        </a:rPr>
+                        <a:t>rexpr</a:t>
+                      </a:r>
+                      <a:endParaRPr lang="pt-BR" dirty="0"/>
+                    </a:p>
+                  </a:txBody>
+                  <a:tcPr marT="0" marB="0">
+                    <a:lnL>
+                      <a:noFill/>
+                    </a:lnL>
+                    <a:lnR>
+                      <a:noFill/>
+                    </a:lnR>
+                    <a:lnT>
+                      <a:noFill/>
+                    </a:lnT>
+                    <a:lnB>
+                      <a:noFill/>
+                    </a:lnB>
+                    <a:lnTlToBr w="12700" cmpd="sng">
+                      <a:noFill/>
+                      <a:prstDash val="solid"/>
+                    </a:lnTlToBr>
+                    <a:lnBlToTr w="12700" cmpd="sng">
+                      <a:noFill/>
+                      <a:prstDash val="solid"/>
+                    </a:lnBlToTr>
+                  </a:tcPr>
+                </a:tc>
+                <a:tc>
+                  <a:txBody>
+                    <a:bodyPr/>
+                    <a:lstStyle/>
+                    <a:p>
+                      <a:r>
+                        <a:rPr lang="pt-BR" dirty="0">
+                          <a:solidFill>
+                            <a:schemeClr val="tx1"/>
+                          </a:solidFill>
+                          <a:latin typeface="Consolas" panose="020B0609020204030204" pitchFamily="49" charset="0"/>
+                          <a:sym typeface="Wingdings 3" panose="05040102010807070707" pitchFamily="18" charset="2"/>
+                        </a:rPr>
+                        <a:t></a:t>
+                      </a:r>
+                      <a:endParaRPr lang="pt-BR" dirty="0">
+                        <a:solidFill>
+                          <a:schemeClr val="tx1"/>
+                        </a:solidFill>
+                      </a:endParaRPr>
+                    </a:p>
+                  </a:txBody>
+                  <a:tcPr marT="0" marB="0">
+                    <a:lnL>
+                      <a:noFill/>
+                    </a:lnL>
+                    <a:lnR>
+                      <a:noFill/>
+                    </a:lnR>
+                    <a:lnT>
+                      <a:noFill/>
+                    </a:lnT>
+                    <a:lnB>
+                      <a:noFill/>
+                    </a:lnB>
+                    <a:lnTlToBr w="12700" cmpd="sng">
+                      <a:noFill/>
+                      <a:prstDash val="solid"/>
+                    </a:lnTlToBr>
+                    <a:lnBlToTr w="12700" cmpd="sng">
+                      <a:noFill/>
+                      <a:prstDash val="solid"/>
+                    </a:lnBlToTr>
+                  </a:tcPr>
+                </a:tc>
+                <a:tc>
+                  <a:txBody>
+                    <a:bodyPr/>
+                    <a:lstStyle/>
+                    <a:p>
+                      <a:r>
+                        <a:rPr lang="pt-BR" i="1" dirty="0" err="1">
+                          <a:latin typeface="Consolas" panose="020B0609020204030204" pitchFamily="49" charset="0"/>
+                        </a:rPr>
+                        <a:t>rexpr</a:t>
+                      </a:r>
+                      <a:r>
+                        <a:rPr lang="pt-BR" i="1" dirty="0">
+                          <a:latin typeface="Consolas" panose="020B0609020204030204" pitchFamily="49" charset="0"/>
+                        </a:rPr>
+                        <a:t> </a:t>
+                      </a:r>
+                      <a:r>
+                        <a:rPr lang="pt-BR" b="1" dirty="0">
+                          <a:solidFill>
+                            <a:srgbClr val="FF4343"/>
+                          </a:solidFill>
+                          <a:latin typeface="Consolas" panose="020B0609020204030204" pitchFamily="49" charset="0"/>
+                        </a:rPr>
+                        <a:t>|</a:t>
+                      </a:r>
+                      <a:r>
+                        <a:rPr lang="pt-BR" dirty="0">
+                          <a:latin typeface="Consolas" panose="020B0609020204030204" pitchFamily="49" charset="0"/>
+                        </a:rPr>
+                        <a:t> </a:t>
+                      </a:r>
+                      <a:r>
+                        <a:rPr lang="pt-BR" i="1" dirty="0" err="1">
+                          <a:latin typeface="Consolas" panose="020B0609020204030204" pitchFamily="49" charset="0"/>
+                        </a:rPr>
+                        <a:t>rterm</a:t>
+                      </a:r>
+                      <a:endParaRPr lang="pt-BR" dirty="0"/>
+                    </a:p>
+                  </a:txBody>
+                  <a:tcPr marT="0" marB="0">
+                    <a:lnL>
+                      <a:noFill/>
+                    </a:lnL>
+                    <a:lnR>
+                      <a:noFill/>
+                    </a:lnR>
+                    <a:lnT>
+                      <a:noFill/>
+                    </a:lnT>
+                    <a:lnB>
+                      <a:noFill/>
+                    </a:lnB>
+                    <a:lnTlToBr w="12700" cmpd="sng">
+                      <a:noFill/>
+                      <a:prstDash val="solid"/>
+                    </a:lnTlToBr>
+                    <a:lnBlToTr w="12700" cmpd="sng">
+                      <a:noFill/>
+                      <a:prstDash val="solid"/>
+                    </a:lnBlToTr>
+                  </a:tcPr>
+                </a:tc>
+                <a:extLst>
+                  <a:ext uri="{0D108BD9-81ED-4DB2-BD59-A6C34878D82A}">
+                    <a16:rowId xmlns:a16="http://schemas.microsoft.com/office/drawing/2014/main" val="1537997434"/>
+                  </a:ext>
+                </a:extLst>
+              </a:tr>
+              <a:tr h="333037">
+                <a:tc>
+                  <a:txBody>
+                    <a:bodyPr/>
+                    <a:lstStyle/>
+                    <a:p>
+                      <a:endParaRPr lang="pt-BR" dirty="0"/>
+                    </a:p>
+                  </a:txBody>
+                  <a:tcPr marT="0" marB="0">
+                    <a:lnL>
+                      <a:noFill/>
+                    </a:lnL>
+                    <a:lnR>
+                      <a:noFill/>
+                    </a:lnR>
+                    <a:lnT>
+                      <a:noFill/>
+                    </a:lnT>
+                    <a:lnB>
+                      <a:noFill/>
+                    </a:lnB>
+                    <a:lnTlToBr w="12700" cmpd="sng">
+                      <a:noFill/>
+                      <a:prstDash val="solid"/>
+                    </a:lnTlToBr>
+                    <a:lnBlToTr w="12700" cmpd="sng">
+                      <a:noFill/>
+                      <a:prstDash val="solid"/>
+                    </a:lnBlToTr>
+                  </a:tcPr>
+                </a:tc>
+                <a:tc>
+                  <a:txBody>
+                    <a:bodyPr/>
+                    <a:lstStyle/>
+                    <a:p>
+                      <a:r>
+                        <a:rPr lang="pt-BR" dirty="0">
+                          <a:solidFill>
+                            <a:schemeClr val="tx1"/>
+                          </a:solidFill>
+                        </a:rPr>
+                        <a:t>|</a:t>
+                      </a:r>
+                    </a:p>
+                  </a:txBody>
+                  <a:tcPr marT="0" marB="0">
+                    <a:lnL>
+                      <a:noFill/>
+                    </a:lnL>
+                    <a:lnR>
+                      <a:noFill/>
+                    </a:lnR>
+                    <a:lnT>
+                      <a:noFill/>
+                    </a:lnT>
+                    <a:lnB>
+                      <a:noFill/>
+                    </a:lnB>
+                    <a:lnTlToBr w="12700" cmpd="sng">
+                      <a:noFill/>
+                      <a:prstDash val="solid"/>
+                    </a:lnTlToBr>
+                    <a:lnBlToTr w="12700" cmpd="sng">
+                      <a:noFill/>
+                      <a:prstDash val="solid"/>
+                    </a:lnBlToTr>
+                  </a:tcPr>
+                </a:tc>
+                <a:tc>
+                  <a:txBody>
+                    <a:bodyPr/>
+                    <a:lstStyle/>
+                    <a:p>
+                      <a:r>
+                        <a:rPr lang="pt-BR" b="0" i="1" dirty="0" err="1">
+                          <a:solidFill>
+                            <a:schemeClr val="tx1"/>
+                          </a:solidFill>
+                          <a:latin typeface="Consolas" panose="020B0609020204030204" pitchFamily="49" charset="0"/>
+                        </a:rPr>
+                        <a:t>rterm</a:t>
+                      </a:r>
+                      <a:endParaRPr lang="pt-BR" b="0" i="1" dirty="0">
+                        <a:solidFill>
+                          <a:schemeClr val="tx1"/>
+                        </a:solidFill>
+                      </a:endParaRPr>
+                    </a:p>
+                  </a:txBody>
+                  <a:tcPr marT="0" marB="0">
+                    <a:lnL>
+                      <a:noFill/>
+                    </a:lnL>
+                    <a:lnR>
+                      <a:noFill/>
+                    </a:lnR>
+                    <a:lnT>
+                      <a:noFill/>
+                    </a:lnT>
+                    <a:lnB>
+                      <a:noFill/>
+                    </a:lnB>
+                    <a:lnTlToBr w="12700" cmpd="sng">
+                      <a:noFill/>
+                      <a:prstDash val="solid"/>
+                    </a:lnTlToBr>
+                    <a:lnBlToTr w="12700" cmpd="sng">
+                      <a:noFill/>
+                      <a:prstDash val="solid"/>
+                    </a:lnBlToTr>
+                  </a:tcPr>
+                </a:tc>
+                <a:extLst>
+                  <a:ext uri="{0D108BD9-81ED-4DB2-BD59-A6C34878D82A}">
+                    <a16:rowId xmlns:a16="http://schemas.microsoft.com/office/drawing/2014/main" val="2651529115"/>
+                  </a:ext>
+                </a:extLst>
+              </a:tr>
+              <a:tr h="333037">
+                <a:tc>
+                  <a:txBody>
+                    <a:bodyPr/>
+                    <a:lstStyle/>
+                    <a:p>
+                      <a:r>
+                        <a:rPr lang="pt-BR" i="1" dirty="0" err="1">
+                          <a:latin typeface="Consolas" panose="020B0609020204030204" pitchFamily="49" charset="0"/>
+                        </a:rPr>
+                        <a:t>rterm</a:t>
+                      </a:r>
+                      <a:endParaRPr lang="pt-BR" i="1" dirty="0">
+                        <a:latin typeface="Consolas" panose="020B0609020204030204" pitchFamily="49" charset="0"/>
+                      </a:endParaRPr>
+                    </a:p>
+                  </a:txBody>
+                  <a:tcPr marT="0" marB="0">
+                    <a:lnL>
+                      <a:noFill/>
+                    </a:lnL>
+                    <a:lnR>
+                      <a:noFill/>
+                    </a:lnR>
+                    <a:lnT>
+                      <a:noFill/>
+                    </a:lnT>
+                    <a:lnB>
+                      <a:noFill/>
+                    </a:lnB>
+                    <a:lnTlToBr w="12700" cmpd="sng">
+                      <a:noFill/>
+                      <a:prstDash val="solid"/>
+                    </a:lnTlToBr>
+                    <a:lnBlToTr w="12700" cmpd="sng">
+                      <a:noFill/>
+                      <a:prstDash val="solid"/>
+                    </a:lnBlToTr>
+                  </a:tcPr>
+                </a:tc>
+                <a:tc>
+                  <a:txBody>
+                    <a:bodyPr/>
+                    <a:lstStyle/>
+                    <a:p>
+                      <a:pPr marL="0" marR="0" lvl="0" indent="0" algn="l" defTabSz="914400" rtl="0" eaLnBrk="1" fontAlgn="auto" latinLnBrk="0" hangingPunct="1">
+                        <a:lnSpc>
+                          <a:spcPct val="100000"/>
+                        </a:lnSpc>
+                        <a:spcBef>
+                          <a:spcPts val="0"/>
+                        </a:spcBef>
+                        <a:spcAft>
+                          <a:spcPts val="0"/>
+                        </a:spcAft>
+                        <a:buClrTx/>
+                        <a:buSzTx/>
+                        <a:buFontTx/>
+                        <a:buNone/>
+                        <a:tabLst/>
+                        <a:defRPr/>
+                      </a:pPr>
+                      <a:r>
+                        <a:rPr lang="pt-BR" dirty="0">
+                          <a:solidFill>
+                            <a:schemeClr val="tx1"/>
+                          </a:solidFill>
+                          <a:latin typeface="Consolas" panose="020B0609020204030204" pitchFamily="49" charset="0"/>
+                          <a:sym typeface="Wingdings 3" panose="05040102010807070707" pitchFamily="18" charset="2"/>
+                        </a:rPr>
+                        <a:t></a:t>
+                      </a:r>
+                      <a:endParaRPr lang="pt-BR" dirty="0">
+                        <a:solidFill>
+                          <a:schemeClr val="tx1"/>
+                        </a:solidFill>
+                      </a:endParaRPr>
+                    </a:p>
+                  </a:txBody>
+                  <a:tcPr marT="0" marB="0">
+                    <a:lnL>
+                      <a:noFill/>
+                    </a:lnL>
+                    <a:lnR>
+                      <a:noFill/>
+                    </a:lnR>
+                    <a:lnT>
+                      <a:noFill/>
+                    </a:lnT>
+                    <a:lnB>
+                      <a:noFill/>
+                    </a:lnB>
+                    <a:lnTlToBr w="12700" cmpd="sng">
+                      <a:noFill/>
+                      <a:prstDash val="solid"/>
+                    </a:lnTlToBr>
+                    <a:lnBlToTr w="12700" cmpd="sng">
+                      <a:noFill/>
+                      <a:prstDash val="solid"/>
+                    </a:lnBlToTr>
+                  </a:tcPr>
+                </a:tc>
+                <a:tc>
+                  <a:txBody>
+                    <a:bodyPr/>
+                    <a:lstStyle/>
+                    <a:p>
+                      <a:pPr marL="0" marR="0" lvl="0" indent="0" algn="l" defTabSz="914400" rtl="0" eaLnBrk="1" fontAlgn="auto" latinLnBrk="0" hangingPunct="1">
+                        <a:lnSpc>
+                          <a:spcPct val="100000"/>
+                        </a:lnSpc>
+                        <a:spcBef>
+                          <a:spcPts val="0"/>
+                        </a:spcBef>
+                        <a:spcAft>
+                          <a:spcPts val="0"/>
+                        </a:spcAft>
+                        <a:buClrTx/>
+                        <a:buSzTx/>
+                        <a:buFontTx/>
+                        <a:buNone/>
+                        <a:tabLst/>
+                        <a:defRPr/>
+                      </a:pPr>
+                      <a:r>
+                        <a:rPr lang="pt-BR" i="1" dirty="0" err="1">
+                          <a:latin typeface="Consolas" panose="020B0609020204030204" pitchFamily="49" charset="0"/>
+                        </a:rPr>
+                        <a:t>rterm</a:t>
+                      </a:r>
+                      <a:r>
+                        <a:rPr lang="pt-BR" i="1" dirty="0">
+                          <a:latin typeface="Consolas" panose="020B0609020204030204" pitchFamily="49" charset="0"/>
+                        </a:rPr>
+                        <a:t> </a:t>
+                      </a:r>
+                      <a:r>
+                        <a:rPr lang="pt-BR" i="1" dirty="0" err="1">
+                          <a:latin typeface="Consolas" panose="020B0609020204030204" pitchFamily="49" charset="0"/>
+                        </a:rPr>
+                        <a:t>rfactor</a:t>
+                      </a:r>
+                      <a:endParaRPr lang="pt-BR" dirty="0"/>
+                    </a:p>
+                  </a:txBody>
+                  <a:tcPr marT="0" marB="0">
+                    <a:lnL>
+                      <a:noFill/>
+                    </a:lnL>
+                    <a:lnR>
+                      <a:noFill/>
+                    </a:lnR>
+                    <a:lnT>
+                      <a:noFill/>
+                    </a:lnT>
+                    <a:lnB>
+                      <a:noFill/>
+                    </a:lnB>
+                    <a:lnTlToBr w="12700" cmpd="sng">
+                      <a:noFill/>
+                      <a:prstDash val="solid"/>
+                    </a:lnTlToBr>
+                    <a:lnBlToTr w="12700" cmpd="sng">
+                      <a:noFill/>
+                      <a:prstDash val="solid"/>
+                    </a:lnBlToTr>
+                  </a:tcPr>
+                </a:tc>
+                <a:extLst>
+                  <a:ext uri="{0D108BD9-81ED-4DB2-BD59-A6C34878D82A}">
+                    <a16:rowId xmlns:a16="http://schemas.microsoft.com/office/drawing/2014/main" val="2998424375"/>
+                  </a:ext>
+                </a:extLst>
+              </a:tr>
+              <a:tr h="333037">
+                <a:tc>
+                  <a:txBody>
+                    <a:bodyPr/>
+                    <a:lstStyle/>
+                    <a:p>
+                      <a:endParaRPr lang="pt-BR" dirty="0"/>
+                    </a:p>
+                  </a:txBody>
+                  <a:tcPr marT="0" marB="0">
+                    <a:lnL>
+                      <a:noFill/>
+                    </a:lnL>
+                    <a:lnR>
+                      <a:noFill/>
+                    </a:lnR>
+                    <a:lnT>
+                      <a:noFill/>
+                    </a:lnT>
+                    <a:lnB>
+                      <a:noFill/>
+                    </a:lnB>
+                    <a:lnTlToBr w="12700" cmpd="sng">
+                      <a:noFill/>
+                      <a:prstDash val="solid"/>
+                    </a:lnTlToBr>
+                    <a:lnBlToTr w="12700" cmpd="sng">
+                      <a:noFill/>
+                      <a:prstDash val="solid"/>
+                    </a:lnBlToTr>
+                  </a:tcPr>
+                </a:tc>
+                <a:tc>
+                  <a:txBody>
+                    <a:bodyPr/>
+                    <a:lstStyle/>
+                    <a:p>
+                      <a:r>
+                        <a:rPr lang="pt-BR" dirty="0">
+                          <a:solidFill>
+                            <a:schemeClr val="tx1"/>
+                          </a:solidFill>
+                          <a:latin typeface="Consolas" panose="020B0609020204030204" pitchFamily="49" charset="0"/>
+                        </a:rPr>
+                        <a:t>|</a:t>
+                      </a:r>
+                      <a:endParaRPr lang="pt-BR" dirty="0">
+                        <a:solidFill>
+                          <a:schemeClr val="tx1"/>
+                        </a:solidFill>
+                      </a:endParaRPr>
+                    </a:p>
+                  </a:txBody>
+                  <a:tcPr marT="0" marB="0">
+                    <a:lnL>
+                      <a:noFill/>
+                    </a:lnL>
+                    <a:lnR>
+                      <a:noFill/>
+                    </a:lnR>
+                    <a:lnT>
+                      <a:noFill/>
+                    </a:lnT>
+                    <a:lnB>
+                      <a:noFill/>
+                    </a:lnB>
+                    <a:lnTlToBr w="12700" cmpd="sng">
+                      <a:noFill/>
+                      <a:prstDash val="solid"/>
+                    </a:lnTlToBr>
+                    <a:lnBlToTr w="12700" cmpd="sng">
+                      <a:noFill/>
+                      <a:prstDash val="solid"/>
+                    </a:lnBlToTr>
+                  </a:tcPr>
+                </a:tc>
+                <a:tc>
+                  <a:txBody>
+                    <a:bodyPr/>
+                    <a:lstStyle/>
+                    <a:p>
+                      <a:pPr marL="0" marR="0" lvl="0" indent="0" algn="l" defTabSz="914400" rtl="0" eaLnBrk="1" fontAlgn="auto" latinLnBrk="0" hangingPunct="1">
+                        <a:lnSpc>
+                          <a:spcPct val="100000"/>
+                        </a:lnSpc>
+                        <a:spcBef>
+                          <a:spcPts val="0"/>
+                        </a:spcBef>
+                        <a:spcAft>
+                          <a:spcPts val="0"/>
+                        </a:spcAft>
+                        <a:buClrTx/>
+                        <a:buSzTx/>
+                        <a:buFontTx/>
+                        <a:buNone/>
+                        <a:tabLst/>
+                        <a:defRPr/>
+                      </a:pPr>
+                      <a:r>
+                        <a:rPr lang="pt-BR" sz="1800" i="1" kern="1200" dirty="0" err="1">
+                          <a:solidFill>
+                            <a:schemeClr val="tx1"/>
+                          </a:solidFill>
+                          <a:latin typeface="Consolas" panose="020B0609020204030204" pitchFamily="49" charset="0"/>
+                          <a:ea typeface="+mn-ea"/>
+                          <a:cs typeface="+mn-cs"/>
+                        </a:rPr>
+                        <a:t>rfactor</a:t>
+                      </a:r>
+                      <a:endParaRPr lang="pt-BR" sz="1800" i="1" kern="1200" dirty="0">
+                        <a:solidFill>
+                          <a:schemeClr val="tx1"/>
+                        </a:solidFill>
+                        <a:latin typeface="Consolas" panose="020B0609020204030204" pitchFamily="49" charset="0"/>
+                        <a:ea typeface="+mn-ea"/>
+                        <a:cs typeface="+mn-cs"/>
+                      </a:endParaRPr>
+                    </a:p>
+                  </a:txBody>
+                  <a:tcPr marT="0" marB="0">
+                    <a:lnL>
+                      <a:noFill/>
+                    </a:lnL>
+                    <a:lnR>
+                      <a:noFill/>
+                    </a:lnR>
+                    <a:lnT>
+                      <a:noFill/>
+                    </a:lnT>
+                    <a:lnB>
+                      <a:noFill/>
+                    </a:lnB>
+                    <a:lnTlToBr w="12700" cmpd="sng">
+                      <a:noFill/>
+                      <a:prstDash val="solid"/>
+                    </a:lnTlToBr>
+                    <a:lnBlToTr w="12700" cmpd="sng">
+                      <a:noFill/>
+                      <a:prstDash val="solid"/>
+                    </a:lnBlToTr>
+                  </a:tcPr>
+                </a:tc>
+                <a:extLst>
+                  <a:ext uri="{0D108BD9-81ED-4DB2-BD59-A6C34878D82A}">
+                    <a16:rowId xmlns:a16="http://schemas.microsoft.com/office/drawing/2014/main" val="1603771299"/>
+                  </a:ext>
+                </a:extLst>
+              </a:tr>
+              <a:tr h="333037">
+                <a:tc>
+                  <a:txBody>
+                    <a:bodyPr/>
+                    <a:lstStyle/>
+                    <a:p>
+                      <a:r>
+                        <a:rPr lang="pt-BR" sz="1800" i="1" kern="1200" dirty="0" err="1">
+                          <a:solidFill>
+                            <a:schemeClr val="tx1"/>
+                          </a:solidFill>
+                          <a:latin typeface="Consolas" panose="020B0609020204030204" pitchFamily="49" charset="0"/>
+                          <a:ea typeface="+mn-ea"/>
+                          <a:cs typeface="+mn-cs"/>
+                        </a:rPr>
+                        <a:t>rfactor</a:t>
+                      </a:r>
+                      <a:endParaRPr lang="pt-BR" dirty="0"/>
+                    </a:p>
+                  </a:txBody>
+                  <a:tcPr marT="0" marB="0">
+                    <a:lnL>
+                      <a:noFill/>
+                    </a:lnL>
+                    <a:lnR>
+                      <a:noFill/>
+                    </a:lnR>
+                    <a:lnT>
+                      <a:noFill/>
+                    </a:lnT>
+                    <a:lnB>
+                      <a:noFill/>
+                    </a:lnB>
+                    <a:lnTlToBr w="12700" cmpd="sng">
+                      <a:noFill/>
+                      <a:prstDash val="solid"/>
+                    </a:lnTlToBr>
+                    <a:lnBlToTr w="12700" cmpd="sng">
+                      <a:noFill/>
+                      <a:prstDash val="solid"/>
+                    </a:lnBlToTr>
+                  </a:tcPr>
+                </a:tc>
+                <a:tc>
+                  <a:txBody>
+                    <a:bodyPr/>
+                    <a:lstStyle/>
+                    <a:p>
+                      <a:pPr marL="0" marR="0" lvl="0" indent="0" algn="l" defTabSz="914400" rtl="0" eaLnBrk="1" fontAlgn="auto" latinLnBrk="0" hangingPunct="1">
+                        <a:lnSpc>
+                          <a:spcPct val="100000"/>
+                        </a:lnSpc>
+                        <a:spcBef>
+                          <a:spcPts val="0"/>
+                        </a:spcBef>
+                        <a:spcAft>
+                          <a:spcPts val="0"/>
+                        </a:spcAft>
+                        <a:buClrTx/>
+                        <a:buSzTx/>
+                        <a:buFontTx/>
+                        <a:buNone/>
+                        <a:tabLst/>
+                        <a:defRPr/>
+                      </a:pPr>
+                      <a:r>
+                        <a:rPr lang="pt-BR" dirty="0">
+                          <a:solidFill>
+                            <a:schemeClr val="tx1"/>
+                          </a:solidFill>
+                          <a:latin typeface="Consolas" panose="020B0609020204030204" pitchFamily="49" charset="0"/>
+                          <a:sym typeface="Wingdings 3" panose="05040102010807070707" pitchFamily="18" charset="2"/>
+                        </a:rPr>
+                        <a:t></a:t>
+                      </a:r>
+                      <a:endParaRPr lang="pt-BR" dirty="0">
+                        <a:solidFill>
+                          <a:schemeClr val="tx1"/>
+                        </a:solidFill>
+                      </a:endParaRPr>
+                    </a:p>
+                  </a:txBody>
+                  <a:tcPr marT="0" marB="0">
+                    <a:lnL>
+                      <a:noFill/>
+                    </a:lnL>
+                    <a:lnR>
+                      <a:noFill/>
+                    </a:lnR>
+                    <a:lnT>
+                      <a:noFill/>
+                    </a:lnT>
+                    <a:lnB>
+                      <a:noFill/>
+                    </a:lnB>
+                    <a:lnTlToBr w="12700" cmpd="sng">
+                      <a:noFill/>
+                      <a:prstDash val="solid"/>
+                    </a:lnTlToBr>
+                    <a:lnBlToTr w="12700" cmpd="sng">
+                      <a:noFill/>
+                      <a:prstDash val="solid"/>
+                    </a:lnBlToTr>
+                  </a:tcPr>
+                </a:tc>
+                <a:tc>
+                  <a:txBody>
+                    <a:bodyPr/>
+                    <a:lstStyle/>
+                    <a:p>
+                      <a:pPr marL="0" marR="0" lvl="0" indent="0" algn="l" defTabSz="914400" rtl="0" eaLnBrk="1" fontAlgn="auto" latinLnBrk="0" hangingPunct="1">
+                        <a:lnSpc>
+                          <a:spcPct val="100000"/>
+                        </a:lnSpc>
+                        <a:spcBef>
+                          <a:spcPts val="0"/>
+                        </a:spcBef>
+                        <a:spcAft>
+                          <a:spcPts val="0"/>
+                        </a:spcAft>
+                        <a:buClrTx/>
+                        <a:buSzTx/>
+                        <a:buFontTx/>
+                        <a:buNone/>
+                        <a:tabLst/>
+                        <a:defRPr/>
+                      </a:pPr>
+                      <a:r>
+                        <a:rPr lang="pt-BR" sz="1800" i="1" kern="1200" dirty="0" err="1">
+                          <a:solidFill>
+                            <a:schemeClr val="tx1"/>
+                          </a:solidFill>
+                          <a:latin typeface="Consolas" panose="020B0609020204030204" pitchFamily="49" charset="0"/>
+                          <a:ea typeface="+mn-ea"/>
+                          <a:cs typeface="+mn-cs"/>
+                        </a:rPr>
+                        <a:t>rfactor</a:t>
+                      </a:r>
+                      <a:r>
+                        <a:rPr lang="pt-BR" sz="1800" i="1" kern="1200" dirty="0">
+                          <a:solidFill>
+                            <a:schemeClr val="tx1"/>
+                          </a:solidFill>
+                          <a:latin typeface="Consolas" panose="020B0609020204030204" pitchFamily="49" charset="0"/>
+                          <a:ea typeface="+mn-ea"/>
+                          <a:cs typeface="+mn-cs"/>
+                        </a:rPr>
+                        <a:t> </a:t>
+                      </a:r>
+                      <a:r>
+                        <a:rPr lang="pt-BR" sz="1800" b="1" i="1" kern="1200" dirty="0">
+                          <a:solidFill>
+                            <a:srgbClr val="FF4343"/>
+                          </a:solidFill>
+                          <a:latin typeface="Consolas" panose="020B0609020204030204" pitchFamily="49" charset="0"/>
+                          <a:ea typeface="+mn-ea"/>
+                          <a:cs typeface="+mn-cs"/>
+                        </a:rPr>
+                        <a:t>*</a:t>
+                      </a:r>
+                    </a:p>
+                  </a:txBody>
+                  <a:tcPr marT="0" marB="0">
+                    <a:lnL>
+                      <a:noFill/>
+                    </a:lnL>
+                    <a:lnR>
+                      <a:noFill/>
+                    </a:lnR>
+                    <a:lnT>
+                      <a:noFill/>
+                    </a:lnT>
+                    <a:lnB>
+                      <a:noFill/>
+                    </a:lnB>
+                    <a:lnTlToBr w="12700" cmpd="sng">
+                      <a:noFill/>
+                      <a:prstDash val="solid"/>
+                    </a:lnTlToBr>
+                    <a:lnBlToTr w="12700" cmpd="sng">
+                      <a:noFill/>
+                      <a:prstDash val="solid"/>
+                    </a:lnBlToTr>
+                  </a:tcPr>
+                </a:tc>
+                <a:extLst>
+                  <a:ext uri="{0D108BD9-81ED-4DB2-BD59-A6C34878D82A}">
+                    <a16:rowId xmlns:a16="http://schemas.microsoft.com/office/drawing/2014/main" val="1154269204"/>
+                  </a:ext>
+                </a:extLst>
+              </a:tr>
+              <a:tr h="333037">
+                <a:tc>
+                  <a:txBody>
+                    <a:bodyPr/>
+                    <a:lstStyle/>
+                    <a:p>
+                      <a:endParaRPr lang="pt-BR" dirty="0"/>
+                    </a:p>
+                  </a:txBody>
+                  <a:tcPr marT="0" marB="0">
+                    <a:lnL>
+                      <a:noFill/>
+                    </a:lnL>
+                    <a:lnR>
+                      <a:noFill/>
+                    </a:lnR>
+                    <a:lnT>
+                      <a:noFill/>
+                    </a:lnT>
+                    <a:lnB>
+                      <a:noFill/>
+                    </a:lnB>
+                    <a:lnTlToBr w="12700" cmpd="sng">
+                      <a:noFill/>
+                      <a:prstDash val="solid"/>
+                    </a:lnTlToBr>
+                    <a:lnBlToTr w="12700" cmpd="sng">
+                      <a:noFill/>
+                      <a:prstDash val="solid"/>
+                    </a:lnBlToTr>
+                  </a:tcPr>
+                </a:tc>
+                <a:tc>
+                  <a:txBody>
+                    <a:bodyPr/>
+                    <a:lstStyle/>
+                    <a:p>
+                      <a:r>
+                        <a:rPr lang="pt-BR" dirty="0">
+                          <a:solidFill>
+                            <a:schemeClr val="tx1"/>
+                          </a:solidFill>
+                          <a:latin typeface="Consolas" panose="020B0609020204030204" pitchFamily="49" charset="0"/>
+                        </a:rPr>
+                        <a:t>|</a:t>
+                      </a:r>
+                      <a:endParaRPr lang="pt-BR" dirty="0">
+                        <a:solidFill>
+                          <a:schemeClr val="tx1"/>
+                        </a:solidFill>
+                      </a:endParaRPr>
+                    </a:p>
+                  </a:txBody>
+                  <a:tcPr marT="0" marB="0">
+                    <a:lnL>
+                      <a:noFill/>
+                    </a:lnL>
+                    <a:lnR>
+                      <a:noFill/>
+                    </a:lnR>
+                    <a:lnT>
+                      <a:noFill/>
+                    </a:lnT>
+                    <a:lnB>
+                      <a:noFill/>
+                    </a:lnB>
+                    <a:lnTlToBr w="12700" cmpd="sng">
+                      <a:noFill/>
+                      <a:prstDash val="solid"/>
+                    </a:lnTlToBr>
+                    <a:lnBlToTr w="12700" cmpd="sng">
+                      <a:noFill/>
+                      <a:prstDash val="solid"/>
+                    </a:lnBlToTr>
+                  </a:tcPr>
+                </a:tc>
+                <a:tc>
+                  <a:txBody>
+                    <a:bodyPr/>
+                    <a:lstStyle/>
+                    <a:p>
+                      <a:pPr marL="0" marR="0" lvl="0" indent="0" algn="l" defTabSz="914400" rtl="0" eaLnBrk="1" fontAlgn="auto" latinLnBrk="0" hangingPunct="1">
+                        <a:lnSpc>
+                          <a:spcPct val="100000"/>
+                        </a:lnSpc>
+                        <a:spcBef>
+                          <a:spcPts val="0"/>
+                        </a:spcBef>
+                        <a:spcAft>
+                          <a:spcPts val="0"/>
+                        </a:spcAft>
+                        <a:buClrTx/>
+                        <a:buSzTx/>
+                        <a:buFontTx/>
+                        <a:buNone/>
+                        <a:tabLst/>
+                        <a:defRPr/>
+                      </a:pPr>
+                      <a:r>
+                        <a:rPr lang="pt-BR" sz="1800" i="1" kern="1200" dirty="0" err="1">
+                          <a:solidFill>
+                            <a:schemeClr val="tx1"/>
+                          </a:solidFill>
+                          <a:latin typeface="Consolas" panose="020B0609020204030204" pitchFamily="49" charset="0"/>
+                          <a:ea typeface="+mn-ea"/>
+                          <a:cs typeface="+mn-cs"/>
+                        </a:rPr>
+                        <a:t>rprimary</a:t>
+                      </a:r>
+                      <a:endParaRPr lang="pt-BR" sz="1800" i="1" kern="1200" dirty="0">
+                        <a:solidFill>
+                          <a:schemeClr val="tx1"/>
+                        </a:solidFill>
+                        <a:latin typeface="Consolas" panose="020B0609020204030204" pitchFamily="49" charset="0"/>
+                        <a:ea typeface="+mn-ea"/>
+                        <a:cs typeface="+mn-cs"/>
+                      </a:endParaRPr>
+                    </a:p>
+                  </a:txBody>
+                  <a:tcPr marT="0" marB="0">
+                    <a:lnL>
+                      <a:noFill/>
+                    </a:lnL>
+                    <a:lnR>
+                      <a:noFill/>
+                    </a:lnR>
+                    <a:lnT>
+                      <a:noFill/>
+                    </a:lnT>
+                    <a:lnB>
+                      <a:noFill/>
+                    </a:lnB>
+                    <a:lnTlToBr w="12700" cmpd="sng">
+                      <a:noFill/>
+                      <a:prstDash val="solid"/>
+                    </a:lnTlToBr>
+                    <a:lnBlToTr w="12700" cmpd="sng">
+                      <a:noFill/>
+                      <a:prstDash val="solid"/>
+                    </a:lnBlToTr>
+                  </a:tcPr>
+                </a:tc>
+                <a:extLst>
+                  <a:ext uri="{0D108BD9-81ED-4DB2-BD59-A6C34878D82A}">
+                    <a16:rowId xmlns:a16="http://schemas.microsoft.com/office/drawing/2014/main" val="1723752777"/>
+                  </a:ext>
+                </a:extLst>
+              </a:tr>
+              <a:tr h="333037">
+                <a:tc>
+                  <a:txBody>
+                    <a:bodyPr/>
+                    <a:lstStyle/>
+                    <a:p>
+                      <a:r>
+                        <a:rPr lang="pt-BR" i="1" dirty="0" err="1">
+                          <a:latin typeface="Consolas" panose="020B0609020204030204" pitchFamily="49" charset="0"/>
+                        </a:rPr>
+                        <a:t>rprimary</a:t>
+                      </a:r>
+                      <a:endParaRPr lang="pt-BR" i="1" dirty="0">
+                        <a:latin typeface="Consolas" panose="020B0609020204030204" pitchFamily="49" charset="0"/>
+                      </a:endParaRPr>
+                    </a:p>
+                  </a:txBody>
+                  <a:tcPr marT="0" marB="0">
+                    <a:lnL>
+                      <a:noFill/>
+                    </a:lnL>
+                    <a:lnR>
+                      <a:noFill/>
+                    </a:lnR>
+                    <a:lnT>
+                      <a:noFill/>
+                    </a:lnT>
+                    <a:lnB>
+                      <a:noFill/>
+                    </a:lnB>
+                    <a:lnTlToBr w="12700" cmpd="sng">
+                      <a:noFill/>
+                      <a:prstDash val="solid"/>
+                    </a:lnTlToBr>
+                    <a:lnBlToTr w="12700" cmpd="sng">
+                      <a:noFill/>
+                      <a:prstDash val="solid"/>
+                    </a:lnBlToTr>
+                  </a:tcPr>
+                </a:tc>
+                <a:tc>
+                  <a:txBody>
+                    <a:bodyPr/>
+                    <a:lstStyle/>
+                    <a:p>
+                      <a:pPr marL="0" marR="0" lvl="0" indent="0" algn="l" defTabSz="914400" rtl="0" eaLnBrk="1" fontAlgn="auto" latinLnBrk="0" hangingPunct="1">
+                        <a:lnSpc>
+                          <a:spcPct val="100000"/>
+                        </a:lnSpc>
+                        <a:spcBef>
+                          <a:spcPts val="0"/>
+                        </a:spcBef>
+                        <a:spcAft>
+                          <a:spcPts val="0"/>
+                        </a:spcAft>
+                        <a:buClrTx/>
+                        <a:buSzTx/>
+                        <a:buFontTx/>
+                        <a:buNone/>
+                        <a:tabLst/>
+                        <a:defRPr/>
+                      </a:pPr>
+                      <a:r>
+                        <a:rPr lang="pt-BR" dirty="0">
+                          <a:solidFill>
+                            <a:schemeClr val="tx1"/>
+                          </a:solidFill>
+                          <a:latin typeface="Consolas" panose="020B0609020204030204" pitchFamily="49" charset="0"/>
+                          <a:sym typeface="Wingdings 3" panose="05040102010807070707" pitchFamily="18" charset="2"/>
+                        </a:rPr>
+                        <a:t></a:t>
+                      </a:r>
+                      <a:endParaRPr lang="pt-BR" dirty="0">
+                        <a:solidFill>
+                          <a:schemeClr val="tx1"/>
+                        </a:solidFill>
+                        <a:latin typeface="Consolas" panose="020B0609020204030204" pitchFamily="49" charset="0"/>
+                      </a:endParaRPr>
+                    </a:p>
+                  </a:txBody>
+                  <a:tcPr marT="0" marB="0">
+                    <a:lnL>
+                      <a:noFill/>
+                    </a:lnL>
+                    <a:lnR>
+                      <a:noFill/>
+                    </a:lnR>
+                    <a:lnT>
+                      <a:noFill/>
+                    </a:lnT>
+                    <a:lnB>
+                      <a:noFill/>
+                    </a:lnB>
+                    <a:lnTlToBr w="12700" cmpd="sng">
+                      <a:noFill/>
+                      <a:prstDash val="solid"/>
+                    </a:lnTlToBr>
+                    <a:lnBlToTr w="12700" cmpd="sng">
+                      <a:noFill/>
+                      <a:prstDash val="solid"/>
+                    </a:lnBlToTr>
+                  </a:tcPr>
+                </a:tc>
+                <a:tc>
+                  <a:txBody>
+                    <a:bodyPr/>
+                    <a:lstStyle/>
+                    <a:p>
+                      <a:pPr marL="0" marR="0" lvl="0" indent="0" algn="l" defTabSz="914400" rtl="0" eaLnBrk="1" fontAlgn="auto" latinLnBrk="0" hangingPunct="1">
+                        <a:lnSpc>
+                          <a:spcPct val="100000"/>
+                        </a:lnSpc>
+                        <a:spcBef>
+                          <a:spcPts val="0"/>
+                        </a:spcBef>
+                        <a:spcAft>
+                          <a:spcPts val="0"/>
+                        </a:spcAft>
+                        <a:buClrTx/>
+                        <a:buSzTx/>
+                        <a:buFontTx/>
+                        <a:buNone/>
+                        <a:tabLst/>
+                        <a:defRPr/>
+                      </a:pPr>
+                      <a:r>
+                        <a:rPr lang="pt-BR" sz="1800" b="1" i="0" kern="1200" dirty="0">
+                          <a:solidFill>
+                            <a:srgbClr val="FF4343"/>
+                          </a:solidFill>
+                          <a:latin typeface="Consolas" panose="020B0609020204030204" pitchFamily="49" charset="0"/>
+                          <a:ea typeface="+mn-ea"/>
+                          <a:cs typeface="+mn-cs"/>
+                        </a:rPr>
+                        <a:t>a</a:t>
+                      </a:r>
+                    </a:p>
+                  </a:txBody>
+                  <a:tcPr marT="0" marB="0">
+                    <a:lnL>
+                      <a:noFill/>
+                    </a:lnL>
+                    <a:lnR>
+                      <a:noFill/>
+                    </a:lnR>
+                    <a:lnT>
+                      <a:noFill/>
+                    </a:lnT>
+                    <a:lnB>
+                      <a:noFill/>
+                    </a:lnB>
+                    <a:lnTlToBr w="12700" cmpd="sng">
+                      <a:noFill/>
+                      <a:prstDash val="solid"/>
+                    </a:lnTlToBr>
+                    <a:lnBlToTr w="12700" cmpd="sng">
+                      <a:noFill/>
+                      <a:prstDash val="solid"/>
+                    </a:lnBlToTr>
+                  </a:tcPr>
+                </a:tc>
+                <a:extLst>
+                  <a:ext uri="{0D108BD9-81ED-4DB2-BD59-A6C34878D82A}">
+                    <a16:rowId xmlns:a16="http://schemas.microsoft.com/office/drawing/2014/main" val="263476917"/>
+                  </a:ext>
+                </a:extLst>
+              </a:tr>
+              <a:tr h="333037">
+                <a:tc>
+                  <a:txBody>
+                    <a:bodyPr/>
+                    <a:lstStyle/>
+                    <a:p>
+                      <a:endParaRPr lang="pt-BR" i="1" dirty="0">
+                        <a:latin typeface="Consolas" panose="020B0609020204030204" pitchFamily="49" charset="0"/>
+                      </a:endParaRPr>
+                    </a:p>
+                  </a:txBody>
+                  <a:tcPr marT="0" marB="0">
+                    <a:lnL>
+                      <a:noFill/>
+                    </a:lnL>
+                    <a:lnR>
+                      <a:noFill/>
+                    </a:lnR>
+                    <a:lnT>
+                      <a:noFill/>
+                    </a:lnT>
+                    <a:lnB>
+                      <a:noFill/>
+                    </a:lnB>
+                    <a:lnTlToBr w="12700" cmpd="sng">
+                      <a:noFill/>
+                      <a:prstDash val="solid"/>
+                    </a:lnTlToBr>
+                    <a:lnBlToTr w="12700" cmpd="sng">
+                      <a:noFill/>
+                      <a:prstDash val="solid"/>
+                    </a:lnBlToTr>
+                  </a:tcPr>
+                </a:tc>
+                <a:tc>
+                  <a:txBody>
+                    <a:bodyPr/>
+                    <a:lstStyle/>
+                    <a:p>
+                      <a:pPr marL="0" marR="0" lvl="0" indent="0" algn="l" defTabSz="914400" rtl="0" eaLnBrk="1" fontAlgn="auto" latinLnBrk="0" hangingPunct="1">
+                        <a:lnSpc>
+                          <a:spcPct val="100000"/>
+                        </a:lnSpc>
+                        <a:spcBef>
+                          <a:spcPts val="0"/>
+                        </a:spcBef>
+                        <a:spcAft>
+                          <a:spcPts val="0"/>
+                        </a:spcAft>
+                        <a:buClrTx/>
+                        <a:buSzTx/>
+                        <a:buFontTx/>
+                        <a:buNone/>
+                        <a:tabLst/>
+                        <a:defRPr/>
+                      </a:pPr>
+                      <a:r>
+                        <a:rPr lang="pt-BR" dirty="0">
+                          <a:solidFill>
+                            <a:schemeClr val="tx1"/>
+                          </a:solidFill>
+                          <a:latin typeface="Consolas" panose="020B0609020204030204" pitchFamily="49" charset="0"/>
+                        </a:rPr>
+                        <a:t>|</a:t>
+                      </a:r>
+                    </a:p>
+                  </a:txBody>
+                  <a:tcPr marT="0" marB="0">
+                    <a:lnL>
+                      <a:noFill/>
+                    </a:lnL>
+                    <a:lnR>
+                      <a:noFill/>
+                    </a:lnR>
+                    <a:lnT>
+                      <a:noFill/>
+                    </a:lnT>
+                    <a:lnB>
+                      <a:noFill/>
+                    </a:lnB>
+                    <a:lnTlToBr w="12700" cmpd="sng">
+                      <a:noFill/>
+                      <a:prstDash val="solid"/>
+                    </a:lnTlToBr>
+                    <a:lnBlToTr w="12700" cmpd="sng">
+                      <a:noFill/>
+                      <a:prstDash val="solid"/>
+                    </a:lnBlToTr>
+                  </a:tcPr>
+                </a:tc>
+                <a:tc>
+                  <a:txBody>
+                    <a:bodyPr/>
+                    <a:lstStyle/>
+                    <a:p>
+                      <a:pPr marL="0" marR="0" lvl="0" indent="0" algn="l" defTabSz="914400" rtl="0" eaLnBrk="1" fontAlgn="auto" latinLnBrk="0" hangingPunct="1">
+                        <a:lnSpc>
+                          <a:spcPct val="100000"/>
+                        </a:lnSpc>
+                        <a:spcBef>
+                          <a:spcPts val="0"/>
+                        </a:spcBef>
+                        <a:spcAft>
+                          <a:spcPts val="0"/>
+                        </a:spcAft>
+                        <a:buClrTx/>
+                        <a:buSzTx/>
+                        <a:buFontTx/>
+                        <a:buNone/>
+                        <a:tabLst/>
+                        <a:defRPr/>
+                      </a:pPr>
+                      <a:r>
+                        <a:rPr lang="pt-BR" sz="1800" b="1" i="0" kern="1200" dirty="0">
+                          <a:solidFill>
+                            <a:srgbClr val="FF4343"/>
+                          </a:solidFill>
+                          <a:latin typeface="Consolas" panose="020B0609020204030204" pitchFamily="49" charset="0"/>
+                          <a:ea typeface="+mn-ea"/>
+                          <a:cs typeface="+mn-cs"/>
+                        </a:rPr>
+                        <a:t>b</a:t>
+                      </a:r>
+                    </a:p>
+                  </a:txBody>
+                  <a:tcPr marT="0" marB="0">
+                    <a:lnL>
+                      <a:noFill/>
+                    </a:lnL>
+                    <a:lnR>
+                      <a:noFill/>
+                    </a:lnR>
+                    <a:lnT>
+                      <a:noFill/>
+                    </a:lnT>
+                    <a:lnB>
+                      <a:noFill/>
+                    </a:lnB>
+                    <a:lnTlToBr w="12700" cmpd="sng">
+                      <a:noFill/>
+                      <a:prstDash val="solid"/>
+                    </a:lnTlToBr>
+                    <a:lnBlToTr w="12700" cmpd="sng">
+                      <a:noFill/>
+                      <a:prstDash val="solid"/>
+                    </a:lnBlToTr>
+                  </a:tcPr>
+                </a:tc>
+                <a:extLst>
+                  <a:ext uri="{0D108BD9-81ED-4DB2-BD59-A6C34878D82A}">
+                    <a16:rowId xmlns:a16="http://schemas.microsoft.com/office/drawing/2014/main" val="1116840192"/>
+                  </a:ext>
+                </a:extLst>
+              </a:tr>
+            </a:tbl>
+          </a:graphicData>
+        </a:graphic>
+      </p:graphicFrame>
+      <p:sp>
+        <p:nvSpPr>
+          <p:cNvPr id="6" name="CaixaDeTexto 5">
+            <a:extLst>
+              <a:ext uri="{FF2B5EF4-FFF2-40B4-BE49-F238E27FC236}">
+                <a16:creationId xmlns:a16="http://schemas.microsoft.com/office/drawing/2014/main" id="{9794167A-62C4-435B-8E3E-04AAD16D742E}"/>
+              </a:ext>
+            </a:extLst>
+          </p:cNvPr>
+          <p:cNvSpPr txBox="1"/>
+          <p:nvPr/>
+        </p:nvSpPr>
+        <p:spPr>
+          <a:xfrm>
+            <a:off x="1845940" y="3356992"/>
+            <a:ext cx="3672408" cy="584775"/>
+          </a:xfrm>
+          <a:prstGeom prst="rect">
+            <a:avLst/>
+          </a:prstGeom>
+          <a:noFill/>
+        </p:spPr>
+        <p:txBody>
+          <a:bodyPr wrap="square">
+            <a:spAutoFit/>
+          </a:bodyPr>
+          <a:lstStyle/>
+          <a:p>
+            <a:r>
+              <a:rPr lang="pt-BR" sz="1600" i="1" dirty="0" err="1">
+                <a:latin typeface="Consolas" panose="020B0609020204030204" pitchFamily="49" charset="0"/>
+              </a:rPr>
+              <a:t>rexpr</a:t>
+            </a:r>
+            <a:r>
+              <a:rPr lang="pt-BR" sz="1600" dirty="0">
+                <a:latin typeface="Consolas" panose="020B0609020204030204" pitchFamily="49" charset="0"/>
+              </a:rPr>
+              <a:t>    </a:t>
+            </a:r>
+            <a:r>
+              <a:rPr lang="pt-BR" sz="1600" dirty="0">
+                <a:solidFill>
+                  <a:schemeClr val="tx1"/>
+                </a:solidFill>
+                <a:latin typeface="Consolas" panose="020B0609020204030204" pitchFamily="49" charset="0"/>
+                <a:sym typeface="Wingdings 3" panose="05040102010807070707" pitchFamily="18" charset="2"/>
+              </a:rPr>
+              <a:t></a:t>
+            </a:r>
+            <a:r>
+              <a:rPr lang="pt-BR" sz="1600" dirty="0">
+                <a:latin typeface="Consolas" panose="020B0609020204030204" pitchFamily="49" charset="0"/>
+              </a:rPr>
+              <a:t> </a:t>
+            </a:r>
+            <a:r>
+              <a:rPr lang="pt-BR" sz="1600" i="1" dirty="0" err="1">
+                <a:latin typeface="Consolas" panose="020B0609020204030204" pitchFamily="49" charset="0"/>
+              </a:rPr>
+              <a:t>rterm</a:t>
+            </a:r>
+            <a:r>
+              <a:rPr lang="pt-BR" sz="1600" dirty="0">
+                <a:latin typeface="Consolas" panose="020B0609020204030204" pitchFamily="49" charset="0"/>
+              </a:rPr>
+              <a:t> </a:t>
+            </a:r>
+            <a:r>
+              <a:rPr lang="pt-BR" sz="1600" i="1" dirty="0" err="1">
+                <a:solidFill>
+                  <a:schemeClr val="tx2"/>
+                </a:solidFill>
+                <a:latin typeface="Consolas" panose="020B0609020204030204" pitchFamily="49" charset="0"/>
+              </a:rPr>
+              <a:t>union</a:t>
+            </a:r>
+            <a:r>
+              <a:rPr lang="pt-BR" sz="1600" dirty="0">
+                <a:latin typeface="Consolas" panose="020B0609020204030204" pitchFamily="49" charset="0"/>
+              </a:rPr>
+              <a:t> </a:t>
+            </a:r>
+          </a:p>
+          <a:p>
+            <a:r>
+              <a:rPr lang="pt-BR" sz="1600" i="1" dirty="0" err="1">
+                <a:solidFill>
+                  <a:schemeClr val="tx2"/>
+                </a:solidFill>
+                <a:latin typeface="Consolas" panose="020B0609020204030204" pitchFamily="49" charset="0"/>
+              </a:rPr>
+              <a:t>union</a:t>
+            </a:r>
+            <a:r>
+              <a:rPr lang="pt-BR" sz="1600" dirty="0">
+                <a:latin typeface="Consolas" panose="020B0609020204030204" pitchFamily="49" charset="0"/>
+              </a:rPr>
+              <a:t>    </a:t>
+            </a:r>
+            <a:r>
+              <a:rPr lang="pt-BR" sz="1600" dirty="0">
+                <a:solidFill>
+                  <a:schemeClr val="tx1"/>
+                </a:solidFill>
+                <a:latin typeface="Consolas" panose="020B0609020204030204" pitchFamily="49" charset="0"/>
+                <a:sym typeface="Wingdings 3" panose="05040102010807070707" pitchFamily="18" charset="2"/>
+              </a:rPr>
+              <a:t></a:t>
+            </a:r>
+            <a:r>
+              <a:rPr lang="pt-BR" sz="1600" dirty="0">
+                <a:latin typeface="Consolas" panose="020B0609020204030204" pitchFamily="49" charset="0"/>
+              </a:rPr>
+              <a:t> </a:t>
+            </a:r>
+            <a:r>
+              <a:rPr lang="pt-BR" sz="1600" b="1" dirty="0">
+                <a:solidFill>
+                  <a:srgbClr val="FF4343"/>
+                </a:solidFill>
+                <a:latin typeface="Consolas" panose="020B0609020204030204" pitchFamily="49" charset="0"/>
+              </a:rPr>
+              <a:t>|</a:t>
+            </a:r>
+            <a:r>
+              <a:rPr lang="pt-BR" sz="1600" dirty="0">
+                <a:latin typeface="Consolas" panose="020B0609020204030204" pitchFamily="49" charset="0"/>
+              </a:rPr>
+              <a:t> </a:t>
+            </a:r>
+            <a:r>
+              <a:rPr lang="pt-BR" sz="1600" i="1" dirty="0" err="1">
+                <a:latin typeface="Consolas" panose="020B0609020204030204" pitchFamily="49" charset="0"/>
+              </a:rPr>
+              <a:t>rterm</a:t>
+            </a:r>
+            <a:r>
+              <a:rPr lang="pt-BR" sz="1600" dirty="0">
+                <a:latin typeface="Consolas" panose="020B0609020204030204" pitchFamily="49" charset="0"/>
+              </a:rPr>
+              <a:t> </a:t>
+            </a:r>
+            <a:r>
+              <a:rPr lang="pt-BR" sz="1600" i="1" dirty="0" err="1">
+                <a:solidFill>
+                  <a:schemeClr val="tx2"/>
+                </a:solidFill>
+                <a:latin typeface="Consolas" panose="020B0609020204030204" pitchFamily="49" charset="0"/>
+              </a:rPr>
+              <a:t>union</a:t>
+            </a:r>
+            <a:r>
+              <a:rPr lang="pt-BR" sz="1600" dirty="0">
+                <a:latin typeface="Consolas" panose="020B0609020204030204" pitchFamily="49" charset="0"/>
+              </a:rPr>
+              <a:t> | </a:t>
+            </a:r>
+            <a:r>
+              <a:rPr lang="el-GR" sz="1600" dirty="0">
+                <a:latin typeface="Consolas" panose="020B0609020204030204" pitchFamily="49" charset="0"/>
+              </a:rPr>
+              <a:t>ϵ </a:t>
+            </a:r>
+          </a:p>
+        </p:txBody>
+      </p:sp>
+      <p:sp>
+        <p:nvSpPr>
+          <p:cNvPr id="8" name="CaixaDeTexto 7">
+            <a:extLst>
+              <a:ext uri="{FF2B5EF4-FFF2-40B4-BE49-F238E27FC236}">
+                <a16:creationId xmlns:a16="http://schemas.microsoft.com/office/drawing/2014/main" id="{EF9F7218-8836-42ED-AE6E-1E8E20618F8B}"/>
+              </a:ext>
+            </a:extLst>
+          </p:cNvPr>
+          <p:cNvSpPr txBox="1"/>
+          <p:nvPr/>
+        </p:nvSpPr>
+        <p:spPr>
+          <a:xfrm>
+            <a:off x="1850387" y="4038600"/>
+            <a:ext cx="3667961" cy="584775"/>
+          </a:xfrm>
+          <a:prstGeom prst="rect">
+            <a:avLst/>
+          </a:prstGeom>
+          <a:noFill/>
+        </p:spPr>
+        <p:txBody>
+          <a:bodyPr wrap="square">
+            <a:spAutoFit/>
+          </a:bodyPr>
+          <a:lstStyle/>
+          <a:p>
+            <a:r>
+              <a:rPr lang="pt-BR" sz="1600" i="1" dirty="0" err="1">
+                <a:latin typeface="Consolas" panose="020B0609020204030204" pitchFamily="49" charset="0"/>
+              </a:rPr>
+              <a:t>rterm</a:t>
+            </a:r>
+            <a:r>
+              <a:rPr lang="pt-BR" sz="1600" dirty="0">
+                <a:latin typeface="Consolas" panose="020B0609020204030204" pitchFamily="49" charset="0"/>
+              </a:rPr>
+              <a:t>    </a:t>
+            </a:r>
+            <a:r>
+              <a:rPr lang="pt-BR" sz="1600" dirty="0">
+                <a:solidFill>
+                  <a:schemeClr val="tx1"/>
+                </a:solidFill>
+                <a:latin typeface="Consolas" panose="020B0609020204030204" pitchFamily="49" charset="0"/>
+                <a:sym typeface="Wingdings 3" panose="05040102010807070707" pitchFamily="18" charset="2"/>
+              </a:rPr>
+              <a:t></a:t>
+            </a:r>
+            <a:r>
+              <a:rPr lang="pt-BR" sz="1600" dirty="0">
+                <a:latin typeface="Consolas" panose="020B0609020204030204" pitchFamily="49" charset="0"/>
+              </a:rPr>
+              <a:t> </a:t>
+            </a:r>
+            <a:r>
+              <a:rPr lang="pt-BR" sz="1600" i="1" dirty="0" err="1">
+                <a:latin typeface="Consolas" panose="020B0609020204030204" pitchFamily="49" charset="0"/>
+              </a:rPr>
+              <a:t>rfactor</a:t>
+            </a:r>
+            <a:r>
+              <a:rPr lang="pt-BR" sz="1600" dirty="0">
+                <a:latin typeface="Consolas" panose="020B0609020204030204" pitchFamily="49" charset="0"/>
+              </a:rPr>
+              <a:t> </a:t>
+            </a:r>
+            <a:r>
+              <a:rPr lang="pt-BR" sz="1600" i="1" dirty="0" err="1">
+                <a:solidFill>
+                  <a:schemeClr val="tx2"/>
+                </a:solidFill>
+                <a:latin typeface="Consolas" panose="020B0609020204030204" pitchFamily="49" charset="0"/>
+              </a:rPr>
+              <a:t>concat</a:t>
+            </a:r>
+            <a:r>
+              <a:rPr lang="pt-BR" sz="1600" dirty="0">
+                <a:latin typeface="Consolas" panose="020B0609020204030204" pitchFamily="49" charset="0"/>
+              </a:rPr>
+              <a:t> </a:t>
+            </a:r>
+          </a:p>
+          <a:p>
+            <a:r>
+              <a:rPr lang="pt-BR" sz="1600" i="1" dirty="0" err="1">
+                <a:solidFill>
+                  <a:schemeClr val="tx2"/>
+                </a:solidFill>
+                <a:latin typeface="Consolas" panose="020B0609020204030204" pitchFamily="49" charset="0"/>
+              </a:rPr>
+              <a:t>concat</a:t>
+            </a:r>
+            <a:r>
+              <a:rPr lang="pt-BR" sz="1600" dirty="0">
+                <a:latin typeface="Consolas" panose="020B0609020204030204" pitchFamily="49" charset="0"/>
+              </a:rPr>
+              <a:t>   </a:t>
+            </a:r>
+            <a:r>
+              <a:rPr lang="pt-BR" sz="1600" dirty="0">
+                <a:solidFill>
+                  <a:schemeClr val="tx1"/>
+                </a:solidFill>
+                <a:latin typeface="Consolas" panose="020B0609020204030204" pitchFamily="49" charset="0"/>
+                <a:sym typeface="Wingdings 3" panose="05040102010807070707" pitchFamily="18" charset="2"/>
+              </a:rPr>
+              <a:t></a:t>
+            </a:r>
+            <a:r>
+              <a:rPr lang="pt-BR" sz="1600" dirty="0">
+                <a:latin typeface="Consolas" panose="020B0609020204030204" pitchFamily="49" charset="0"/>
+              </a:rPr>
+              <a:t> </a:t>
+            </a:r>
+            <a:r>
+              <a:rPr lang="pt-BR" sz="1600" i="1" dirty="0" err="1">
+                <a:latin typeface="Consolas" panose="020B0609020204030204" pitchFamily="49" charset="0"/>
+              </a:rPr>
+              <a:t>rfactor</a:t>
+            </a:r>
+            <a:r>
+              <a:rPr lang="pt-BR" sz="1600" dirty="0">
+                <a:latin typeface="Consolas" panose="020B0609020204030204" pitchFamily="49" charset="0"/>
+              </a:rPr>
+              <a:t> </a:t>
+            </a:r>
+            <a:r>
+              <a:rPr lang="pt-BR" sz="1600" i="1" dirty="0" err="1">
+                <a:solidFill>
+                  <a:schemeClr val="tx2"/>
+                </a:solidFill>
+                <a:latin typeface="Consolas" panose="020B0609020204030204" pitchFamily="49" charset="0"/>
+              </a:rPr>
+              <a:t>concat</a:t>
+            </a:r>
+            <a:r>
+              <a:rPr lang="pt-BR" sz="1600" dirty="0">
+                <a:latin typeface="Consolas" panose="020B0609020204030204" pitchFamily="49" charset="0"/>
+              </a:rPr>
+              <a:t> | </a:t>
+            </a:r>
+            <a:r>
+              <a:rPr lang="el-GR" sz="1600" dirty="0">
+                <a:latin typeface="Consolas" panose="020B0609020204030204" pitchFamily="49" charset="0"/>
+              </a:rPr>
+              <a:t>ϵ </a:t>
+            </a:r>
+          </a:p>
+        </p:txBody>
+      </p:sp>
+      <p:sp>
+        <p:nvSpPr>
+          <p:cNvPr id="10" name="CaixaDeTexto 9">
+            <a:extLst>
+              <a:ext uri="{FF2B5EF4-FFF2-40B4-BE49-F238E27FC236}">
+                <a16:creationId xmlns:a16="http://schemas.microsoft.com/office/drawing/2014/main" id="{B766BFB3-EDAF-48A7-8CF9-2F6D9B6832D7}"/>
+              </a:ext>
+            </a:extLst>
+          </p:cNvPr>
+          <p:cNvSpPr txBox="1"/>
+          <p:nvPr/>
+        </p:nvSpPr>
+        <p:spPr>
+          <a:xfrm>
+            <a:off x="1845940" y="4720208"/>
+            <a:ext cx="3667961" cy="584775"/>
+          </a:xfrm>
+          <a:prstGeom prst="rect">
+            <a:avLst/>
+          </a:prstGeom>
+          <a:noFill/>
+        </p:spPr>
+        <p:txBody>
+          <a:bodyPr wrap="square">
+            <a:spAutoFit/>
+          </a:bodyPr>
+          <a:lstStyle/>
+          <a:p>
+            <a:r>
+              <a:rPr lang="pt-BR" sz="1600" i="1" dirty="0" err="1">
+                <a:latin typeface="Consolas" panose="020B0609020204030204" pitchFamily="49" charset="0"/>
+              </a:rPr>
+              <a:t>rfactor</a:t>
+            </a:r>
+            <a:r>
+              <a:rPr lang="pt-BR" sz="1600" dirty="0">
+                <a:latin typeface="Consolas" panose="020B0609020204030204" pitchFamily="49" charset="0"/>
+              </a:rPr>
+              <a:t>  </a:t>
+            </a:r>
+            <a:r>
+              <a:rPr lang="pt-BR" sz="1600" dirty="0">
+                <a:solidFill>
+                  <a:schemeClr val="tx1"/>
+                </a:solidFill>
+                <a:latin typeface="Consolas" panose="020B0609020204030204" pitchFamily="49" charset="0"/>
+                <a:sym typeface="Wingdings 3" panose="05040102010807070707" pitchFamily="18" charset="2"/>
+              </a:rPr>
+              <a:t></a:t>
+            </a:r>
+            <a:r>
+              <a:rPr lang="pt-BR" sz="1600" dirty="0">
+                <a:latin typeface="Consolas" panose="020B0609020204030204" pitchFamily="49" charset="0"/>
+              </a:rPr>
+              <a:t> </a:t>
+            </a:r>
+            <a:r>
+              <a:rPr lang="pt-BR" sz="1600" i="1" dirty="0" err="1">
+                <a:latin typeface="Consolas" panose="020B0609020204030204" pitchFamily="49" charset="0"/>
+              </a:rPr>
+              <a:t>rprimary</a:t>
+            </a:r>
+            <a:r>
+              <a:rPr lang="pt-BR" sz="1600" dirty="0">
+                <a:latin typeface="Consolas" panose="020B0609020204030204" pitchFamily="49" charset="0"/>
+              </a:rPr>
+              <a:t> </a:t>
+            </a:r>
+            <a:r>
+              <a:rPr lang="pt-BR" sz="1600" i="1" dirty="0" err="1">
+                <a:solidFill>
+                  <a:schemeClr val="tx2"/>
+                </a:solidFill>
+                <a:latin typeface="Consolas" panose="020B0609020204030204" pitchFamily="49" charset="0"/>
+              </a:rPr>
+              <a:t>closure</a:t>
+            </a:r>
+            <a:r>
+              <a:rPr lang="pt-BR" sz="1600" dirty="0">
+                <a:latin typeface="Consolas" panose="020B0609020204030204" pitchFamily="49" charset="0"/>
+              </a:rPr>
+              <a:t> </a:t>
+            </a:r>
+          </a:p>
+          <a:p>
+            <a:r>
+              <a:rPr lang="pt-BR" sz="1600" i="1" dirty="0" err="1">
+                <a:solidFill>
+                  <a:schemeClr val="tx2"/>
+                </a:solidFill>
+                <a:latin typeface="Consolas" panose="020B0609020204030204" pitchFamily="49" charset="0"/>
+              </a:rPr>
+              <a:t>closure</a:t>
+            </a:r>
+            <a:r>
+              <a:rPr lang="pt-BR" sz="1600" dirty="0">
+                <a:latin typeface="Consolas" panose="020B0609020204030204" pitchFamily="49" charset="0"/>
+              </a:rPr>
+              <a:t>  </a:t>
+            </a:r>
+            <a:r>
+              <a:rPr lang="pt-BR" sz="1600" dirty="0">
+                <a:solidFill>
+                  <a:schemeClr val="tx1"/>
+                </a:solidFill>
+                <a:latin typeface="Consolas" panose="020B0609020204030204" pitchFamily="49" charset="0"/>
+                <a:sym typeface="Wingdings 3" panose="05040102010807070707" pitchFamily="18" charset="2"/>
+              </a:rPr>
+              <a:t></a:t>
+            </a:r>
+            <a:r>
+              <a:rPr lang="pt-BR" sz="1600" dirty="0">
+                <a:latin typeface="Consolas" panose="020B0609020204030204" pitchFamily="49" charset="0"/>
+              </a:rPr>
+              <a:t> </a:t>
+            </a:r>
+            <a:r>
+              <a:rPr lang="pt-BR" sz="1600" b="1" dirty="0">
+                <a:solidFill>
+                  <a:srgbClr val="FF4343"/>
+                </a:solidFill>
+                <a:latin typeface="Consolas" panose="020B0609020204030204" pitchFamily="49" charset="0"/>
+              </a:rPr>
+              <a:t>*</a:t>
+            </a:r>
+            <a:r>
+              <a:rPr lang="pt-BR" sz="1600" dirty="0">
+                <a:latin typeface="Consolas" panose="020B0609020204030204" pitchFamily="49" charset="0"/>
+              </a:rPr>
+              <a:t> </a:t>
+            </a:r>
+            <a:r>
+              <a:rPr lang="pt-BR" sz="1600" i="1" dirty="0" err="1">
+                <a:solidFill>
+                  <a:schemeClr val="tx2"/>
+                </a:solidFill>
+                <a:latin typeface="Consolas" panose="020B0609020204030204" pitchFamily="49" charset="0"/>
+              </a:rPr>
+              <a:t>closure</a:t>
+            </a:r>
+            <a:r>
+              <a:rPr lang="pt-BR" sz="1600" dirty="0">
+                <a:latin typeface="Consolas" panose="020B0609020204030204" pitchFamily="49" charset="0"/>
+              </a:rPr>
+              <a:t> | </a:t>
+            </a:r>
+            <a:r>
+              <a:rPr lang="el-GR" sz="1600" dirty="0">
+                <a:latin typeface="Consolas" panose="020B0609020204030204" pitchFamily="49" charset="0"/>
+              </a:rPr>
+              <a:t>ϵ</a:t>
+            </a:r>
+            <a:endParaRPr lang="pt-BR" sz="1600" dirty="0">
+              <a:latin typeface="Consolas" panose="020B0609020204030204" pitchFamily="49" charset="0"/>
+            </a:endParaRPr>
+          </a:p>
+        </p:txBody>
+      </p:sp>
+      <p:sp>
+        <p:nvSpPr>
+          <p:cNvPr id="12" name="CaixaDeTexto 11">
+            <a:extLst>
+              <a:ext uri="{FF2B5EF4-FFF2-40B4-BE49-F238E27FC236}">
+                <a16:creationId xmlns:a16="http://schemas.microsoft.com/office/drawing/2014/main" id="{F363086D-8BF0-48FF-A5F3-0FA8D4C7885A}"/>
+              </a:ext>
+            </a:extLst>
+          </p:cNvPr>
+          <p:cNvSpPr txBox="1"/>
+          <p:nvPr/>
+        </p:nvSpPr>
+        <p:spPr>
+          <a:xfrm>
+            <a:off x="1845940" y="5401816"/>
+            <a:ext cx="3667961" cy="338554"/>
+          </a:xfrm>
+          <a:prstGeom prst="rect">
+            <a:avLst/>
+          </a:prstGeom>
+          <a:noFill/>
+        </p:spPr>
+        <p:txBody>
+          <a:bodyPr wrap="square">
+            <a:spAutoFit/>
+          </a:bodyPr>
+          <a:lstStyle/>
+          <a:p>
+            <a:r>
+              <a:rPr lang="pt-BR" sz="1600" i="1" dirty="0" err="1">
+                <a:latin typeface="Consolas" panose="020B0609020204030204" pitchFamily="49" charset="0"/>
+              </a:rPr>
+              <a:t>rprimary</a:t>
+            </a:r>
+            <a:r>
+              <a:rPr lang="pt-BR" sz="1600" dirty="0">
+                <a:latin typeface="Consolas" panose="020B0609020204030204" pitchFamily="49" charset="0"/>
+              </a:rPr>
+              <a:t> </a:t>
+            </a:r>
+            <a:r>
+              <a:rPr lang="pt-BR" sz="1600" dirty="0">
+                <a:solidFill>
+                  <a:schemeClr val="tx1"/>
+                </a:solidFill>
+                <a:latin typeface="Consolas" panose="020B0609020204030204" pitchFamily="49" charset="0"/>
+                <a:sym typeface="Wingdings 3" panose="05040102010807070707" pitchFamily="18" charset="2"/>
+              </a:rPr>
+              <a:t></a:t>
+            </a:r>
+            <a:r>
+              <a:rPr lang="pt-BR" sz="1600" dirty="0">
+                <a:latin typeface="Consolas" panose="020B0609020204030204" pitchFamily="49" charset="0"/>
+              </a:rPr>
+              <a:t> </a:t>
+            </a:r>
+            <a:r>
+              <a:rPr lang="pt-BR" sz="1600" b="1" dirty="0">
+                <a:solidFill>
+                  <a:srgbClr val="FF4343"/>
+                </a:solidFill>
+                <a:latin typeface="Consolas" panose="020B0609020204030204" pitchFamily="49" charset="0"/>
+              </a:rPr>
+              <a:t>a</a:t>
+            </a:r>
+            <a:r>
+              <a:rPr lang="pt-BR" sz="1600" dirty="0">
+                <a:latin typeface="Consolas" panose="020B0609020204030204" pitchFamily="49" charset="0"/>
+              </a:rPr>
+              <a:t> | </a:t>
+            </a:r>
+            <a:r>
+              <a:rPr lang="pt-BR" sz="1600" b="1" dirty="0">
+                <a:solidFill>
+                  <a:srgbClr val="FF4343"/>
+                </a:solidFill>
+                <a:latin typeface="Consolas" panose="020B0609020204030204" pitchFamily="49" charset="0"/>
+              </a:rPr>
+              <a:t>b</a:t>
+            </a:r>
+            <a:endParaRPr lang="pt-BR" sz="1600" dirty="0"/>
+          </a:p>
+        </p:txBody>
+      </p:sp>
+    </p:spTree>
+    <p:extLst>
+      <p:ext uri="{BB962C8B-B14F-4D97-AF65-F5344CB8AC3E}">
+        <p14:creationId xmlns:p14="http://schemas.microsoft.com/office/powerpoint/2010/main" val="3048528770"/>
+      </p:ext>
+    </p:extLst>
+  </p:cSld>
+  <p:clrMapOvr>
+    <a:masterClrMapping/>
+  </p:clrMapOvr>
+  <p:transition spd="med">
+    <p:pull/>
+  </p:transition>
+  <p:timing>
+    <p:tnLst>
+      <p:par>
+        <p:cTn id="1" dur="indefinite" restart="never" nodeType="tmRoot">
+          <p:childTnLst>
+            <p:seq concurrent="1" nextAc="seek">
+              <p:cTn id="2" dur="indefinite" nodeType="mainSeq">
+                <p:childTnLst>
+                  <p:par>
+                    <p:cTn id="3" fill="hold">
+                      <p:stCondLst>
+                        <p:cond delay="indefinite"/>
+                      </p:stCondLst>
+                      <p:childTnLst>
+                        <p:par>
+                          <p:cTn id="4" fill="hold">
+                            <p:stCondLst>
+                              <p:cond delay="0"/>
+                            </p:stCondLst>
+                            <p:childTnLst>
+                              <p:par>
+                                <p:cTn id="5" presetID="1" presetClass="entr" presetSubtype="0" fill="hold" grpId="0" nodeType="clickEffect">
+                                  <p:stCondLst>
+                                    <p:cond delay="0"/>
+                                  </p:stCondLst>
+                                  <p:childTnLst>
+                                    <p:set>
+                                      <p:cBhvr>
+                                        <p:cTn id="6" dur="1" fill="hold">
+                                          <p:stCondLst>
+                                            <p:cond delay="0"/>
+                                          </p:stCondLst>
+                                        </p:cTn>
+                                        <p:tgtEl>
+                                          <p:spTgt spid="6"/>
+                                        </p:tgtEl>
+                                        <p:attrNameLst>
+                                          <p:attrName>style.visibility</p:attrName>
+                                        </p:attrNameLst>
+                                      </p:cBhvr>
+                                      <p:to>
+                                        <p:strVal val="visible"/>
+                                      </p:to>
+                                    </p:set>
+                                  </p:childTnLst>
+                                </p:cTn>
+                              </p:par>
+                            </p:childTnLst>
+                          </p:cTn>
+                        </p:par>
+                      </p:childTnLst>
+                    </p:cTn>
+                  </p:par>
+                  <p:par>
+                    <p:cTn id="7" fill="hold">
+                      <p:stCondLst>
+                        <p:cond delay="indefinite"/>
+                      </p:stCondLst>
+                      <p:childTnLst>
+                        <p:par>
+                          <p:cTn id="8" fill="hold">
+                            <p:stCondLst>
+                              <p:cond delay="0"/>
+                            </p:stCondLst>
+                            <p:childTnLst>
+                              <p:par>
+                                <p:cTn id="9" presetID="1" presetClass="entr" presetSubtype="0" fill="hold" grpId="0" nodeType="clickEffect">
+                                  <p:stCondLst>
+                                    <p:cond delay="0"/>
+                                  </p:stCondLst>
+                                  <p:childTnLst>
+                                    <p:set>
+                                      <p:cBhvr>
+                                        <p:cTn id="10" dur="1" fill="hold">
+                                          <p:stCondLst>
+                                            <p:cond delay="0"/>
+                                          </p:stCondLst>
+                                        </p:cTn>
+                                        <p:tgtEl>
+                                          <p:spTgt spid="8"/>
+                                        </p:tgtEl>
+                                        <p:attrNameLst>
+                                          <p:attrName>style.visibility</p:attrName>
+                                        </p:attrNameLst>
+                                      </p:cBhvr>
+                                      <p:to>
+                                        <p:strVal val="visible"/>
+                                      </p:to>
+                                    </p:set>
+                                  </p:childTnLst>
+                                </p:cTn>
+                              </p:par>
+                            </p:childTnLst>
+                          </p:cTn>
+                        </p:par>
+                      </p:childTnLst>
+                    </p:cTn>
+                  </p:par>
+                  <p:par>
+                    <p:cTn id="11" fill="hold">
+                      <p:stCondLst>
+                        <p:cond delay="indefinite"/>
+                      </p:stCondLst>
+                      <p:childTnLst>
+                        <p:par>
+                          <p:cTn id="12" fill="hold">
+                            <p:stCondLst>
+                              <p:cond delay="0"/>
+                            </p:stCondLst>
+                            <p:childTnLst>
+                              <p:par>
+                                <p:cTn id="13" presetID="1" presetClass="entr" presetSubtype="0" fill="hold" grpId="0" nodeType="clickEffect">
+                                  <p:stCondLst>
+                                    <p:cond delay="0"/>
+                                  </p:stCondLst>
+                                  <p:childTnLst>
+                                    <p:set>
+                                      <p:cBhvr>
+                                        <p:cTn id="14" dur="1" fill="hold">
+                                          <p:stCondLst>
+                                            <p:cond delay="0"/>
+                                          </p:stCondLst>
+                                        </p:cTn>
+                                        <p:tgtEl>
+                                          <p:spTgt spid="10"/>
+                                        </p:tgtEl>
+                                        <p:attrNameLst>
+                                          <p:attrName>style.visibility</p:attrName>
+                                        </p:attrNameLst>
+                                      </p:cBhvr>
+                                      <p:to>
+                                        <p:strVal val="visible"/>
+                                      </p:to>
+                                    </p:set>
+                                  </p:childTnLst>
+                                </p:cTn>
+                              </p:par>
+                            </p:childTnLst>
+                          </p:cTn>
+                        </p:par>
+                      </p:childTnLst>
+                    </p:cTn>
+                  </p:par>
+                  <p:par>
+                    <p:cTn id="15" fill="hold">
+                      <p:stCondLst>
+                        <p:cond delay="indefinite"/>
+                      </p:stCondLst>
+                      <p:childTnLst>
+                        <p:par>
+                          <p:cTn id="16" fill="hold">
+                            <p:stCondLst>
+                              <p:cond delay="0"/>
+                            </p:stCondLst>
+                            <p:childTnLst>
+                              <p:par>
+                                <p:cTn id="17" presetID="1" presetClass="entr" presetSubtype="0" fill="hold" grpId="0" nodeType="clickEffect">
+                                  <p:stCondLst>
+                                    <p:cond delay="0"/>
+                                  </p:stCondLst>
+                                  <p:childTnLst>
+                                    <p:set>
+                                      <p:cBhvr>
+                                        <p:cTn id="18" dur="1" fill="hold">
+                                          <p:stCondLst>
+                                            <p:cond delay="0"/>
+                                          </p:stCondLst>
+                                        </p:cTn>
+                                        <p:tgtEl>
+                                          <p:spTgt spid="12"/>
+                                        </p:tgtEl>
+                                        <p:attrNameLst>
+                                          <p:attrName>style.visibility</p:attrName>
+                                        </p:attrNameLst>
+                                      </p:cBhvr>
+                                      <p:to>
+                                        <p:strVal val="visible"/>
+                                      </p:to>
+                                    </p:set>
+                                  </p:childTnLst>
+                                </p:cTn>
+                              </p:par>
+                            </p:childTnLst>
+                          </p:cTn>
+                        </p:par>
+                      </p:childTnLst>
+                    </p:cTn>
+                  </p:par>
+                </p:childTnLst>
+              </p:cTn>
+              <p:prevCondLst>
+                <p:cond evt="onPrev" delay="0">
+                  <p:tgtEl>
+                    <p:sldTgt/>
+                  </p:tgtEl>
+                </p:cond>
+              </p:prevCondLst>
+              <p:nextCondLst>
+                <p:cond evt="onNext" delay="0">
+                  <p:tgtEl>
+                    <p:sldTgt/>
+                  </p:tgtEl>
+                </p:cond>
+              </p:nextCondLst>
+            </p:seq>
+          </p:childTnLst>
+        </p:cTn>
+      </p:par>
+    </p:tnLst>
+    <p:bldLst>
+      <p:bldP spid="6" grpId="0"/>
+      <p:bldP spid="8" grpId="0"/>
+      <p:bldP spid="10" grpId="0"/>
+      <p:bldP spid="12" grpId="0"/>
+    </p:bldLst>
+  </p:timing>
+</p:sld>
+</file>
+
+<file path=ppt/slides/slide25.xml><?xml version="1.0" encoding="utf-8"?>
+<p:sld xmlns:a="http://schemas.openxmlformats.org/drawingml/2006/main" xmlns:r="http://schemas.openxmlformats.org/officeDocument/2006/relationships" xmlns:p="http://schemas.openxmlformats.org/presentationml/2006/main">
+  <p:cSld>
+    <p:spTree>
+      <p:nvGrpSpPr>
+        <p:cNvPr id="1" name=""/>
+        <p:cNvGrpSpPr/>
+        <p:nvPr/>
+      </p:nvGrpSpPr>
+      <p:grpSpPr>
+        <a:xfrm>
+          <a:off x="0" y="0"/>
+          <a:ext cx="0" cy="0"/>
+          <a:chOff x="0" y="0"/>
+          <a:chExt cx="0" cy="0"/>
+        </a:xfrm>
+      </p:grpSpPr>
+      <p:sp>
+        <p:nvSpPr>
+          <p:cNvPr id="2" name="Título 1">
+            <a:extLst>
+              <a:ext uri="{FF2B5EF4-FFF2-40B4-BE49-F238E27FC236}">
+                <a16:creationId xmlns:a16="http://schemas.microsoft.com/office/drawing/2014/main" id="{2CE602B3-4048-4862-9011-351EC89797C4}"/>
+              </a:ext>
+            </a:extLst>
+          </p:cNvPr>
+          <p:cNvSpPr>
+            <a:spLocks noGrp="1"/>
+          </p:cNvSpPr>
+          <p:nvPr>
+            <p:ph type="title"/>
+          </p:nvPr>
+        </p:nvSpPr>
+        <p:spPr/>
+        <p:txBody>
+          <a:bodyPr/>
+          <a:lstStyle/>
+          <a:p>
+            <a:r>
+              <a:rPr lang="pt-BR" dirty="0"/>
+              <a:t>Exercícios</a:t>
+            </a:r>
+          </a:p>
+        </p:txBody>
+      </p:sp>
+      <p:sp>
+        <p:nvSpPr>
+          <p:cNvPr id="3" name="Espaço Reservado para Conteúdo 2">
+            <a:extLst>
+              <a:ext uri="{FF2B5EF4-FFF2-40B4-BE49-F238E27FC236}">
+                <a16:creationId xmlns:a16="http://schemas.microsoft.com/office/drawing/2014/main" id="{970C7A0B-D9A9-4C47-ABCF-E5B3D9A7A5F3}"/>
+              </a:ext>
+            </a:extLst>
+          </p:cNvPr>
+          <p:cNvSpPr>
+            <a:spLocks noGrp="1"/>
+          </p:cNvSpPr>
+          <p:nvPr>
+            <p:ph idx="1"/>
+          </p:nvPr>
+        </p:nvSpPr>
+        <p:spPr/>
+        <p:txBody>
+          <a:bodyPr/>
+          <a:lstStyle/>
+          <a:p>
+            <a:pPr marL="457200" indent="-457200">
+              <a:buFont typeface="+mj-lt"/>
+              <a:buAutoNum type="arabicPeriod" startAt="2"/>
+            </a:pPr>
+            <a:r>
+              <a:rPr lang="pt-BR" dirty="0"/>
+              <a:t>A gramática a seguir define </a:t>
+            </a:r>
+            <a:r>
+              <a:rPr lang="pt-BR" dirty="0">
+                <a:solidFill>
+                  <a:schemeClr val="accent1">
+                    <a:lumMod val="75000"/>
+                  </a:schemeClr>
+                </a:solidFill>
+              </a:rPr>
+              <a:t>expressões regulares</a:t>
+            </a:r>
+            <a:r>
+              <a:rPr lang="pt-BR" dirty="0"/>
+              <a:t> sobre </a:t>
+            </a:r>
+            <a:r>
+              <a:rPr lang="pt-BR" b="1" dirty="0">
+                <a:solidFill>
+                  <a:srgbClr val="FF4343"/>
+                </a:solidFill>
+                <a:latin typeface="Consolas" panose="020B0609020204030204" pitchFamily="49" charset="0"/>
+              </a:rPr>
+              <a:t>a</a:t>
+            </a:r>
+            <a:r>
+              <a:rPr lang="pt-BR" dirty="0"/>
+              <a:t> e </a:t>
+            </a:r>
+            <a:r>
+              <a:rPr lang="pt-BR" b="1" dirty="0">
+                <a:solidFill>
+                  <a:srgbClr val="FF4343"/>
+                </a:solidFill>
+                <a:latin typeface="Consolas" panose="020B0609020204030204" pitchFamily="49" charset="0"/>
+              </a:rPr>
+              <a:t>b</a:t>
+            </a:r>
+            <a:br>
+              <a:rPr lang="pt-BR" b="1" dirty="0">
+                <a:solidFill>
+                  <a:srgbClr val="FF4343"/>
+                </a:solidFill>
+                <a:latin typeface="Consolas" panose="020B0609020204030204" pitchFamily="49" charset="0"/>
+              </a:rPr>
+            </a:br>
+            <a:endParaRPr lang="pt-BR" dirty="0"/>
+          </a:p>
+          <a:p>
+            <a:pPr marL="919162" lvl="1" indent="-457200">
+              <a:buFont typeface="+mj-lt"/>
+              <a:buAutoNum type="alphaLcParenR" startAt="4"/>
+            </a:pPr>
+            <a:r>
+              <a:rPr lang="pt-BR" dirty="0"/>
+              <a:t>A gramática resultante é adequada</a:t>
+            </a:r>
+            <a:br>
+              <a:rPr lang="pt-BR" dirty="0"/>
+            </a:br>
+            <a:r>
+              <a:rPr lang="pt-BR" dirty="0"/>
+              <a:t>para análise sintática descendente?</a:t>
+            </a:r>
+          </a:p>
+        </p:txBody>
+      </p:sp>
+      <p:sp>
+        <p:nvSpPr>
+          <p:cNvPr id="5" name="Retângulo: Cantos Arredondados 4">
+            <a:extLst>
+              <a:ext uri="{FF2B5EF4-FFF2-40B4-BE49-F238E27FC236}">
+                <a16:creationId xmlns:a16="http://schemas.microsoft.com/office/drawing/2014/main" id="{FACCF5AA-437C-4710-B788-0046A78429EB}"/>
+              </a:ext>
+            </a:extLst>
+          </p:cNvPr>
+          <p:cNvSpPr/>
+          <p:nvPr/>
+        </p:nvSpPr>
+        <p:spPr>
+          <a:xfrm>
+            <a:off x="6886500" y="2708920"/>
+            <a:ext cx="3941010" cy="3096344"/>
+          </a:xfrm>
+          <a:prstGeom prst="roundRect">
+            <a:avLst/>
+          </a:prstGeom>
+          <a:solidFill>
+            <a:schemeClr val="bg1">
+              <a:lumMod val="85000"/>
+              <a:lumOff val="15000"/>
+            </a:schemeClr>
+          </a:solidFill>
+          <a:ln>
+            <a:solidFill>
+              <a:schemeClr val="bg1">
+                <a:lumMod val="75000"/>
+                <a:lumOff val="25000"/>
+              </a:schemeClr>
+            </a:solidFill>
+          </a:ln>
+        </p:spPr>
+        <p:style>
+          <a:lnRef idx="2">
+            <a:schemeClr val="accent1">
+              <a:shade val="50000"/>
+            </a:schemeClr>
+          </a:lnRef>
+          <a:fillRef idx="1">
+            <a:schemeClr val="accent1"/>
+          </a:fillRef>
+          <a:effectRef idx="0">
+            <a:schemeClr val="accent1"/>
+          </a:effectRef>
+          <a:fontRef idx="minor">
+            <a:schemeClr val="lt1"/>
+          </a:fontRef>
+        </p:style>
+        <p:txBody>
+          <a:bodyPr rtlCol="0" anchor="ctr"/>
+          <a:lstStyle/>
+          <a:p>
+            <a:pPr algn="ctr"/>
+            <a:endParaRPr lang="pt-BR"/>
+          </a:p>
+        </p:txBody>
+      </p:sp>
+      <p:sp>
+        <p:nvSpPr>
+          <p:cNvPr id="7" name="CaixaDeTexto 6">
+            <a:extLst>
+              <a:ext uri="{FF2B5EF4-FFF2-40B4-BE49-F238E27FC236}">
+                <a16:creationId xmlns:a16="http://schemas.microsoft.com/office/drawing/2014/main" id="{2C3405D9-6665-42CF-88FC-055C3FBE4294}"/>
+              </a:ext>
+            </a:extLst>
+          </p:cNvPr>
+          <p:cNvSpPr txBox="1"/>
+          <p:nvPr/>
+        </p:nvSpPr>
+        <p:spPr>
+          <a:xfrm>
+            <a:off x="1845940" y="3853934"/>
+            <a:ext cx="3024336" cy="369332"/>
+          </a:xfrm>
+          <a:prstGeom prst="rect">
+            <a:avLst/>
+          </a:prstGeom>
+          <a:noFill/>
+        </p:spPr>
+        <p:txBody>
+          <a:bodyPr wrap="square">
+            <a:spAutoFit/>
+          </a:bodyPr>
+          <a:lstStyle/>
+          <a:p>
+            <a:r>
+              <a:rPr lang="pt-BR" dirty="0">
+                <a:solidFill>
+                  <a:schemeClr val="tx2"/>
+                </a:solidFill>
+              </a:rPr>
+              <a:t>Se não for ambígua, sim.</a:t>
+            </a:r>
+          </a:p>
+        </p:txBody>
+      </p:sp>
+      <p:sp>
+        <p:nvSpPr>
+          <p:cNvPr id="8" name="CaixaDeTexto 7">
+            <a:extLst>
+              <a:ext uri="{FF2B5EF4-FFF2-40B4-BE49-F238E27FC236}">
+                <a16:creationId xmlns:a16="http://schemas.microsoft.com/office/drawing/2014/main" id="{31BD9625-39CD-4899-A86D-4C5EA8DB1D99}"/>
+              </a:ext>
+            </a:extLst>
+          </p:cNvPr>
+          <p:cNvSpPr txBox="1"/>
+          <p:nvPr/>
+        </p:nvSpPr>
+        <p:spPr>
+          <a:xfrm>
+            <a:off x="7174532" y="2949041"/>
+            <a:ext cx="3672408" cy="2616101"/>
+          </a:xfrm>
+          <a:prstGeom prst="rect">
+            <a:avLst/>
+          </a:prstGeom>
+          <a:noFill/>
+        </p:spPr>
+        <p:txBody>
+          <a:bodyPr wrap="square">
+            <a:spAutoFit/>
+          </a:bodyPr>
+          <a:lstStyle/>
+          <a:p>
+            <a:r>
+              <a:rPr lang="pt-BR" sz="1600" i="1" dirty="0" err="1">
+                <a:latin typeface="Consolas" panose="020B0609020204030204" pitchFamily="49" charset="0"/>
+              </a:rPr>
+              <a:t>rexpr</a:t>
+            </a:r>
+            <a:r>
+              <a:rPr lang="pt-BR" sz="1600" dirty="0">
+                <a:latin typeface="Consolas" panose="020B0609020204030204" pitchFamily="49" charset="0"/>
+              </a:rPr>
+              <a:t>    </a:t>
+            </a:r>
+            <a:r>
+              <a:rPr lang="pt-BR" sz="1600" dirty="0">
+                <a:solidFill>
+                  <a:schemeClr val="tx1"/>
+                </a:solidFill>
+                <a:latin typeface="Consolas" panose="020B0609020204030204" pitchFamily="49" charset="0"/>
+                <a:sym typeface="Wingdings 3" panose="05040102010807070707" pitchFamily="18" charset="2"/>
+              </a:rPr>
+              <a:t></a:t>
+            </a:r>
+            <a:r>
+              <a:rPr lang="pt-BR" sz="1600" dirty="0">
+                <a:latin typeface="Consolas" panose="020B0609020204030204" pitchFamily="49" charset="0"/>
+              </a:rPr>
+              <a:t> </a:t>
+            </a:r>
+            <a:r>
+              <a:rPr lang="pt-BR" sz="1600" i="1" dirty="0" err="1">
+                <a:latin typeface="Consolas" panose="020B0609020204030204" pitchFamily="49" charset="0"/>
+              </a:rPr>
+              <a:t>rterm</a:t>
+            </a:r>
+            <a:r>
+              <a:rPr lang="pt-BR" sz="1600" dirty="0">
+                <a:latin typeface="Consolas" panose="020B0609020204030204" pitchFamily="49" charset="0"/>
+              </a:rPr>
+              <a:t> </a:t>
+            </a:r>
+            <a:r>
+              <a:rPr lang="pt-BR" sz="1600" i="1" dirty="0" err="1">
+                <a:latin typeface="Consolas" panose="020B0609020204030204" pitchFamily="49" charset="0"/>
+              </a:rPr>
+              <a:t>union</a:t>
+            </a:r>
+            <a:r>
+              <a:rPr lang="pt-BR" sz="1600" dirty="0">
+                <a:latin typeface="Consolas" panose="020B0609020204030204" pitchFamily="49" charset="0"/>
+              </a:rPr>
+              <a:t> </a:t>
+            </a:r>
+          </a:p>
+          <a:p>
+            <a:r>
+              <a:rPr lang="pt-BR" sz="1600" i="1" dirty="0" err="1">
+                <a:latin typeface="Consolas" panose="020B0609020204030204" pitchFamily="49" charset="0"/>
+              </a:rPr>
+              <a:t>union</a:t>
+            </a:r>
+            <a:r>
+              <a:rPr lang="pt-BR" sz="1600" dirty="0">
+                <a:latin typeface="Consolas" panose="020B0609020204030204" pitchFamily="49" charset="0"/>
+              </a:rPr>
+              <a:t>    </a:t>
+            </a:r>
+            <a:r>
+              <a:rPr lang="pt-BR" sz="1600" dirty="0">
+                <a:solidFill>
+                  <a:schemeClr val="tx1"/>
+                </a:solidFill>
+                <a:latin typeface="Consolas" panose="020B0609020204030204" pitchFamily="49" charset="0"/>
+                <a:sym typeface="Wingdings 3" panose="05040102010807070707" pitchFamily="18" charset="2"/>
+              </a:rPr>
+              <a:t></a:t>
+            </a:r>
+            <a:r>
+              <a:rPr lang="pt-BR" sz="1600" dirty="0">
+                <a:latin typeface="Consolas" panose="020B0609020204030204" pitchFamily="49" charset="0"/>
+              </a:rPr>
+              <a:t> </a:t>
+            </a:r>
+            <a:r>
+              <a:rPr lang="pt-BR" sz="1600" b="1" dirty="0">
+                <a:solidFill>
+                  <a:srgbClr val="FF4343"/>
+                </a:solidFill>
+                <a:latin typeface="Consolas" panose="020B0609020204030204" pitchFamily="49" charset="0"/>
+              </a:rPr>
+              <a:t>|</a:t>
+            </a:r>
+            <a:r>
+              <a:rPr lang="pt-BR" sz="1600" dirty="0">
+                <a:latin typeface="Consolas" panose="020B0609020204030204" pitchFamily="49" charset="0"/>
+              </a:rPr>
+              <a:t> </a:t>
+            </a:r>
+            <a:r>
+              <a:rPr lang="pt-BR" sz="1600" i="1" dirty="0" err="1">
+                <a:latin typeface="Consolas" panose="020B0609020204030204" pitchFamily="49" charset="0"/>
+              </a:rPr>
+              <a:t>rterm</a:t>
+            </a:r>
+            <a:r>
+              <a:rPr lang="pt-BR" sz="1600" dirty="0">
+                <a:latin typeface="Consolas" panose="020B0609020204030204" pitchFamily="49" charset="0"/>
+              </a:rPr>
+              <a:t> </a:t>
+            </a:r>
+            <a:r>
+              <a:rPr lang="pt-BR" sz="1600" i="1" dirty="0" err="1">
+                <a:latin typeface="Consolas" panose="020B0609020204030204" pitchFamily="49" charset="0"/>
+              </a:rPr>
+              <a:t>union</a:t>
+            </a:r>
+            <a:r>
+              <a:rPr lang="pt-BR" sz="1600" dirty="0">
+                <a:latin typeface="Consolas" panose="020B0609020204030204" pitchFamily="49" charset="0"/>
+              </a:rPr>
+              <a:t> | </a:t>
+            </a:r>
+            <a:r>
+              <a:rPr lang="el-GR" sz="1600" dirty="0">
+                <a:latin typeface="Consolas" panose="020B0609020204030204" pitchFamily="49" charset="0"/>
+              </a:rPr>
+              <a:t>ϵ </a:t>
+            </a:r>
+          </a:p>
+          <a:p>
+            <a:br>
+              <a:rPr lang="pt-BR" sz="1600" dirty="0">
+                <a:latin typeface="Consolas" panose="020B0609020204030204" pitchFamily="49" charset="0"/>
+              </a:rPr>
+            </a:br>
+            <a:r>
+              <a:rPr lang="pt-BR" sz="1600" i="1" dirty="0" err="1">
+                <a:latin typeface="Consolas" panose="020B0609020204030204" pitchFamily="49" charset="0"/>
+              </a:rPr>
+              <a:t>rterm</a:t>
+            </a:r>
+            <a:r>
+              <a:rPr lang="pt-BR" sz="1600" dirty="0">
+                <a:latin typeface="Consolas" panose="020B0609020204030204" pitchFamily="49" charset="0"/>
+              </a:rPr>
+              <a:t>    </a:t>
+            </a:r>
+            <a:r>
+              <a:rPr lang="pt-BR" sz="1600" dirty="0">
+                <a:solidFill>
+                  <a:schemeClr val="tx1"/>
+                </a:solidFill>
+                <a:latin typeface="Consolas" panose="020B0609020204030204" pitchFamily="49" charset="0"/>
+                <a:sym typeface="Wingdings 3" panose="05040102010807070707" pitchFamily="18" charset="2"/>
+              </a:rPr>
+              <a:t></a:t>
+            </a:r>
+            <a:r>
+              <a:rPr lang="pt-BR" sz="1600" dirty="0">
+                <a:latin typeface="Consolas" panose="020B0609020204030204" pitchFamily="49" charset="0"/>
+              </a:rPr>
+              <a:t> </a:t>
+            </a:r>
+            <a:r>
+              <a:rPr lang="pt-BR" sz="1600" i="1" dirty="0" err="1">
+                <a:latin typeface="Consolas" panose="020B0609020204030204" pitchFamily="49" charset="0"/>
+              </a:rPr>
+              <a:t>rfactor</a:t>
+            </a:r>
+            <a:r>
+              <a:rPr lang="pt-BR" sz="1600" dirty="0">
+                <a:latin typeface="Consolas" panose="020B0609020204030204" pitchFamily="49" charset="0"/>
+              </a:rPr>
+              <a:t> </a:t>
+            </a:r>
+            <a:r>
+              <a:rPr lang="pt-BR" sz="1600" i="1" dirty="0" err="1">
+                <a:latin typeface="Consolas" panose="020B0609020204030204" pitchFamily="49" charset="0"/>
+              </a:rPr>
+              <a:t>concat</a:t>
+            </a:r>
+            <a:r>
+              <a:rPr lang="pt-BR" sz="1600" dirty="0">
+                <a:latin typeface="Consolas" panose="020B0609020204030204" pitchFamily="49" charset="0"/>
+              </a:rPr>
+              <a:t> </a:t>
+            </a:r>
+          </a:p>
+          <a:p>
+            <a:r>
+              <a:rPr lang="pt-BR" sz="1600" i="1" dirty="0" err="1">
+                <a:latin typeface="Consolas" panose="020B0609020204030204" pitchFamily="49" charset="0"/>
+              </a:rPr>
+              <a:t>concat</a:t>
+            </a:r>
+            <a:r>
+              <a:rPr lang="pt-BR" sz="1600" dirty="0">
+                <a:latin typeface="Consolas" panose="020B0609020204030204" pitchFamily="49" charset="0"/>
+              </a:rPr>
+              <a:t>   </a:t>
+            </a:r>
+            <a:r>
+              <a:rPr lang="pt-BR" sz="1600" dirty="0">
+                <a:solidFill>
+                  <a:schemeClr val="tx1"/>
+                </a:solidFill>
+                <a:latin typeface="Consolas" panose="020B0609020204030204" pitchFamily="49" charset="0"/>
+                <a:sym typeface="Wingdings 3" panose="05040102010807070707" pitchFamily="18" charset="2"/>
+              </a:rPr>
+              <a:t></a:t>
+            </a:r>
+            <a:r>
+              <a:rPr lang="pt-BR" sz="1600" dirty="0">
+                <a:latin typeface="Consolas" panose="020B0609020204030204" pitchFamily="49" charset="0"/>
+              </a:rPr>
+              <a:t> </a:t>
+            </a:r>
+            <a:r>
+              <a:rPr lang="pt-BR" sz="1600" i="1" dirty="0" err="1">
+                <a:latin typeface="Consolas" panose="020B0609020204030204" pitchFamily="49" charset="0"/>
+              </a:rPr>
+              <a:t>rfactor</a:t>
+            </a:r>
+            <a:r>
+              <a:rPr lang="pt-BR" sz="1600" dirty="0">
+                <a:latin typeface="Consolas" panose="020B0609020204030204" pitchFamily="49" charset="0"/>
+              </a:rPr>
+              <a:t> </a:t>
+            </a:r>
+            <a:r>
+              <a:rPr lang="pt-BR" sz="1600" i="1" dirty="0" err="1">
+                <a:latin typeface="Consolas" panose="020B0609020204030204" pitchFamily="49" charset="0"/>
+              </a:rPr>
+              <a:t>concat</a:t>
+            </a:r>
+            <a:r>
+              <a:rPr lang="pt-BR" sz="1600" dirty="0">
+                <a:latin typeface="Consolas" panose="020B0609020204030204" pitchFamily="49" charset="0"/>
+              </a:rPr>
+              <a:t> | </a:t>
+            </a:r>
+            <a:r>
+              <a:rPr lang="el-GR" sz="1600" dirty="0">
+                <a:latin typeface="Consolas" panose="020B0609020204030204" pitchFamily="49" charset="0"/>
+              </a:rPr>
+              <a:t>ϵ </a:t>
+            </a:r>
+          </a:p>
+          <a:p>
+            <a:br>
+              <a:rPr lang="pt-BR" sz="1600" dirty="0">
+                <a:latin typeface="Consolas" panose="020B0609020204030204" pitchFamily="49" charset="0"/>
+              </a:rPr>
+            </a:br>
+            <a:r>
+              <a:rPr lang="pt-BR" sz="1600" i="1" dirty="0" err="1">
+                <a:latin typeface="Consolas" panose="020B0609020204030204" pitchFamily="49" charset="0"/>
+              </a:rPr>
+              <a:t>rfactor</a:t>
+            </a:r>
+            <a:r>
+              <a:rPr lang="pt-BR" sz="1600" dirty="0">
+                <a:latin typeface="Consolas" panose="020B0609020204030204" pitchFamily="49" charset="0"/>
+              </a:rPr>
+              <a:t>  </a:t>
+            </a:r>
+            <a:r>
+              <a:rPr lang="pt-BR" sz="1600" dirty="0">
+                <a:solidFill>
+                  <a:schemeClr val="tx1"/>
+                </a:solidFill>
+                <a:latin typeface="Consolas" panose="020B0609020204030204" pitchFamily="49" charset="0"/>
+                <a:sym typeface="Wingdings 3" panose="05040102010807070707" pitchFamily="18" charset="2"/>
+              </a:rPr>
+              <a:t></a:t>
+            </a:r>
+            <a:r>
+              <a:rPr lang="pt-BR" sz="1600" dirty="0">
+                <a:latin typeface="Consolas" panose="020B0609020204030204" pitchFamily="49" charset="0"/>
+              </a:rPr>
+              <a:t> </a:t>
+            </a:r>
+            <a:r>
+              <a:rPr lang="pt-BR" sz="1600" i="1" dirty="0" err="1">
+                <a:latin typeface="Consolas" panose="020B0609020204030204" pitchFamily="49" charset="0"/>
+              </a:rPr>
+              <a:t>rprimary</a:t>
+            </a:r>
+            <a:r>
+              <a:rPr lang="pt-BR" sz="1600" dirty="0">
+                <a:latin typeface="Consolas" panose="020B0609020204030204" pitchFamily="49" charset="0"/>
+              </a:rPr>
+              <a:t> </a:t>
+            </a:r>
+            <a:r>
+              <a:rPr lang="pt-BR" sz="1600" i="1" dirty="0" err="1">
+                <a:latin typeface="Consolas" panose="020B0609020204030204" pitchFamily="49" charset="0"/>
+              </a:rPr>
+              <a:t>closure</a:t>
+            </a:r>
+            <a:r>
+              <a:rPr lang="pt-BR" sz="1600" dirty="0">
+                <a:latin typeface="Consolas" panose="020B0609020204030204" pitchFamily="49" charset="0"/>
+              </a:rPr>
+              <a:t> </a:t>
+            </a:r>
+          </a:p>
+          <a:p>
+            <a:r>
+              <a:rPr lang="pt-BR" sz="1600" i="1" dirty="0" err="1">
+                <a:latin typeface="Consolas" panose="020B0609020204030204" pitchFamily="49" charset="0"/>
+              </a:rPr>
+              <a:t>closure</a:t>
+            </a:r>
+            <a:r>
+              <a:rPr lang="pt-BR" sz="1600" dirty="0">
+                <a:latin typeface="Consolas" panose="020B0609020204030204" pitchFamily="49" charset="0"/>
+              </a:rPr>
+              <a:t>  </a:t>
+            </a:r>
+            <a:r>
+              <a:rPr lang="pt-BR" sz="1600" dirty="0">
+                <a:solidFill>
+                  <a:schemeClr val="tx1"/>
+                </a:solidFill>
+                <a:latin typeface="Consolas" panose="020B0609020204030204" pitchFamily="49" charset="0"/>
+                <a:sym typeface="Wingdings 3" panose="05040102010807070707" pitchFamily="18" charset="2"/>
+              </a:rPr>
+              <a:t></a:t>
+            </a:r>
+            <a:r>
+              <a:rPr lang="pt-BR" sz="1600" dirty="0">
+                <a:latin typeface="Consolas" panose="020B0609020204030204" pitchFamily="49" charset="0"/>
+              </a:rPr>
+              <a:t> </a:t>
+            </a:r>
+            <a:r>
+              <a:rPr lang="pt-BR" sz="1600" b="1" dirty="0">
+                <a:solidFill>
+                  <a:srgbClr val="FF4343"/>
+                </a:solidFill>
+                <a:latin typeface="Consolas" panose="020B0609020204030204" pitchFamily="49" charset="0"/>
+              </a:rPr>
+              <a:t>*</a:t>
+            </a:r>
+            <a:r>
+              <a:rPr lang="pt-BR" sz="1600" dirty="0">
+                <a:latin typeface="Consolas" panose="020B0609020204030204" pitchFamily="49" charset="0"/>
+              </a:rPr>
+              <a:t> </a:t>
+            </a:r>
+            <a:r>
+              <a:rPr lang="pt-BR" sz="1600" i="1" dirty="0" err="1">
+                <a:latin typeface="Consolas" panose="020B0609020204030204" pitchFamily="49" charset="0"/>
+              </a:rPr>
+              <a:t>closure</a:t>
+            </a:r>
+            <a:r>
+              <a:rPr lang="pt-BR" sz="1600" dirty="0">
+                <a:latin typeface="Consolas" panose="020B0609020204030204" pitchFamily="49" charset="0"/>
+              </a:rPr>
+              <a:t> | </a:t>
+            </a:r>
+            <a:r>
+              <a:rPr lang="el-GR" sz="1600" dirty="0">
+                <a:latin typeface="Consolas" panose="020B0609020204030204" pitchFamily="49" charset="0"/>
+              </a:rPr>
+              <a:t>ϵ</a:t>
+            </a:r>
+            <a:endParaRPr lang="pt-BR" sz="1600" dirty="0">
+              <a:latin typeface="Consolas" panose="020B0609020204030204" pitchFamily="49" charset="0"/>
+            </a:endParaRPr>
+          </a:p>
+          <a:p>
+            <a:r>
+              <a:rPr lang="el-GR" sz="1600" dirty="0">
+                <a:latin typeface="Consolas" panose="020B0609020204030204" pitchFamily="49" charset="0"/>
+              </a:rPr>
+              <a:t> </a:t>
+            </a:r>
+          </a:p>
+          <a:p>
+            <a:r>
+              <a:rPr lang="pt-BR" sz="1600" i="1" dirty="0" err="1">
+                <a:latin typeface="Consolas" panose="020B0609020204030204" pitchFamily="49" charset="0"/>
+              </a:rPr>
+              <a:t>rprimary</a:t>
+            </a:r>
+            <a:r>
+              <a:rPr lang="pt-BR" sz="1600" dirty="0">
+                <a:latin typeface="Consolas" panose="020B0609020204030204" pitchFamily="49" charset="0"/>
+              </a:rPr>
+              <a:t> </a:t>
+            </a:r>
+            <a:r>
+              <a:rPr lang="pt-BR" sz="1600" dirty="0">
+                <a:solidFill>
+                  <a:schemeClr val="tx1"/>
+                </a:solidFill>
+                <a:latin typeface="Consolas" panose="020B0609020204030204" pitchFamily="49" charset="0"/>
+                <a:sym typeface="Wingdings 3" panose="05040102010807070707" pitchFamily="18" charset="2"/>
+              </a:rPr>
+              <a:t></a:t>
+            </a:r>
+            <a:r>
+              <a:rPr lang="pt-BR" sz="1600" dirty="0">
+                <a:latin typeface="Consolas" panose="020B0609020204030204" pitchFamily="49" charset="0"/>
+              </a:rPr>
+              <a:t> </a:t>
+            </a:r>
+            <a:r>
+              <a:rPr lang="pt-BR" sz="1600" b="1" dirty="0">
+                <a:solidFill>
+                  <a:srgbClr val="FF4343"/>
+                </a:solidFill>
+                <a:latin typeface="Consolas" panose="020B0609020204030204" pitchFamily="49" charset="0"/>
+              </a:rPr>
+              <a:t>a</a:t>
+            </a:r>
+            <a:r>
+              <a:rPr lang="pt-BR" sz="1600" dirty="0">
+                <a:latin typeface="Consolas" panose="020B0609020204030204" pitchFamily="49" charset="0"/>
+              </a:rPr>
+              <a:t> | </a:t>
+            </a:r>
+            <a:r>
+              <a:rPr lang="pt-BR" sz="1600" b="1" dirty="0">
+                <a:solidFill>
+                  <a:srgbClr val="FF4343"/>
+                </a:solidFill>
+                <a:latin typeface="Consolas" panose="020B0609020204030204" pitchFamily="49" charset="0"/>
+              </a:rPr>
+              <a:t>b</a:t>
+            </a:r>
+          </a:p>
+        </p:txBody>
+      </p:sp>
+    </p:spTree>
+    <p:extLst>
+      <p:ext uri="{BB962C8B-B14F-4D97-AF65-F5344CB8AC3E}">
+        <p14:creationId xmlns:p14="http://schemas.microsoft.com/office/powerpoint/2010/main" val="906918631"/>
+      </p:ext>
+    </p:extLst>
+  </p:cSld>
+  <p:clrMapOvr>
+    <a:masterClrMapping/>
+  </p:clrMapOvr>
+  <p:transition spd="med">
+    <p:pull/>
+  </p:transition>
+  <p:timing>
+    <p:tnLst>
+      <p:par>
+        <p:cTn id="1" dur="indefinite" restart="never" nodeType="tmRoot">
+          <p:childTnLst>
+            <p:seq concurrent="1" nextAc="seek">
+              <p:cTn id="2" dur="indefinite" nodeType="mainSeq">
+                <p:childTnLst>
+                  <p:par>
+                    <p:cTn id="3" fill="hold">
+                      <p:stCondLst>
+                        <p:cond delay="indefinite"/>
+                      </p:stCondLst>
+                      <p:childTnLst>
+                        <p:par>
+                          <p:cTn id="4" fill="hold">
+                            <p:stCondLst>
+                              <p:cond delay="0"/>
+                            </p:stCondLst>
+                            <p:childTnLst>
+                              <p:par>
+                                <p:cTn id="5" presetID="1" presetClass="entr" presetSubtype="0" fill="hold" grpId="0" nodeType="clickEffect">
+                                  <p:stCondLst>
+                                    <p:cond delay="0"/>
+                                  </p:stCondLst>
+                                  <p:childTnLst>
+                                    <p:set>
+                                      <p:cBhvr>
+                                        <p:cTn id="6" dur="1" fill="hold">
+                                          <p:stCondLst>
+                                            <p:cond delay="0"/>
+                                          </p:stCondLst>
+                                        </p:cTn>
+                                        <p:tgtEl>
+                                          <p:spTgt spid="7"/>
+                                        </p:tgtEl>
+                                        <p:attrNameLst>
+                                          <p:attrName>style.visibility</p:attrName>
+                                        </p:attrNameLst>
+                                      </p:cBhvr>
+                                      <p:to>
+                                        <p:strVal val="visible"/>
+                                      </p:to>
+                                    </p:set>
+                                  </p:childTnLst>
+                                </p:cTn>
+                              </p:par>
+                            </p:childTnLst>
+                          </p:cTn>
+                        </p:par>
+                      </p:childTnLst>
+                    </p:cTn>
+                  </p:par>
+                </p:childTnLst>
+              </p:cTn>
+              <p:prevCondLst>
+                <p:cond evt="onPrev" delay="0">
+                  <p:tgtEl>
+                    <p:sldTgt/>
+                  </p:tgtEl>
+                </p:cond>
+              </p:prevCondLst>
+              <p:nextCondLst>
+                <p:cond evt="onNext" delay="0">
+                  <p:tgtEl>
+                    <p:sldTgt/>
+                  </p:tgtEl>
+                </p:cond>
+              </p:nextCondLst>
+            </p:seq>
+          </p:childTnLst>
+        </p:cTn>
+      </p:par>
+    </p:tnLst>
+    <p:bldLst>
+      <p:bldP spid="7" grpId="0"/>
+    </p:bldLst>
+  </p:timing>
+</p:sld>
+</file>
+
+<file path=ppt/slides/slide26.xml><?xml version="1.0" encoding="utf-8"?>
 <p:sld xmlns:a="http://schemas.openxmlformats.org/drawingml/2006/main" xmlns:r="http://schemas.openxmlformats.org/officeDocument/2006/relationships" xmlns:p="http://schemas.openxmlformats.org/presentationml/2006/main">
   <p:cSld>
     <p:spTree>
@@ -26409,7 +33405,7 @@
           <a:p>
             <a:pPr marL="457200" indent="-457200">
               <a:buFont typeface="+mj-lt"/>
-              <a:buAutoNum type="arabicPeriod" startAt="2"/>
+              <a:buAutoNum type="arabicPeriod" startAt="3"/>
             </a:pPr>
             <a:r>
               <a:rPr lang="pt-BR" dirty="0"/>
@@ -26427,21 +33423,21 @@
           <a:p>
             <a:pPr marL="457200" indent="-457200">
               <a:buFont typeface="+mj-lt"/>
-              <a:buAutoNum type="arabicPeriod" startAt="2"/>
+              <a:buAutoNum type="arabicPeriod" startAt="3"/>
             </a:pPr>
             <a:endParaRPr lang="pt-BR" dirty="0"/>
           </a:p>
           <a:p>
             <a:pPr marL="457200" indent="-457200">
               <a:buFont typeface="+mj-lt"/>
-              <a:buAutoNum type="arabicPeriod" startAt="2"/>
+              <a:buAutoNum type="arabicPeriod" startAt="3"/>
             </a:pPr>
             <a:endParaRPr lang="pt-BR" dirty="0"/>
           </a:p>
           <a:p>
             <a:pPr marL="457200" indent="-457200">
               <a:buFont typeface="+mj-lt"/>
-              <a:buAutoNum type="arabicPeriod" startAt="2"/>
+              <a:buAutoNum type="arabicPeriod" startAt="3"/>
             </a:pPr>
             <a:endParaRPr lang="pt-BR" dirty="0"/>
           </a:p>
@@ -27218,7 +34214,7 @@
 </p:sld>
 </file>
 
-<file path=ppt/slides/slide24.xml><?xml version="1.0" encoding="utf-8"?>
+<file path=ppt/slides/slide27.xml><?xml version="1.0" encoding="utf-8"?>
 <p:sld xmlns:a="http://schemas.openxmlformats.org/drawingml/2006/main" xmlns:r="http://schemas.openxmlformats.org/officeDocument/2006/relationships" xmlns:p="http://schemas.openxmlformats.org/presentationml/2006/main">
   <p:cSld>
     <p:spTree>
@@ -27355,7 +34351,14 @@
             </a:r>
             <a:r>
               <a:rPr lang="pt-BR" dirty="0"/>
-              <a:t>, as seguintes técnicas são importantes:</a:t>
+              <a:t>, </a:t>
+            </a:r>
+            <a:br>
+              <a:rPr lang="pt-BR" dirty="0"/>
+            </a:br>
+            <a:r>
+              <a:rPr lang="pt-BR" dirty="0"/>
+              <a:t>as seguintes técnicas são imprescindíveis:</a:t>
             </a:r>
           </a:p>
           <a:p>
@@ -27658,7 +34661,14 @@
             </a:r>
             <a:r>
               <a:rPr lang="pt-BR" dirty="0"/>
-              <a:t>pelos métodos de análise sintática mais eficientes: </a:t>
+              <a:t>pelos métodos </a:t>
+            </a:r>
+            <a:br>
+              <a:rPr lang="pt-BR" dirty="0"/>
+            </a:br>
+            <a:r>
+              <a:rPr lang="pt-BR" dirty="0"/>
+              <a:t>de análise sintática mais eficientes: </a:t>
             </a:r>
           </a:p>
           <a:p>
@@ -27692,7 +34702,14 @@
             </a:r>
             <a:r>
               <a:rPr lang="pt-BR" dirty="0"/>
-              <a:t> que podem ser utilizadas para </a:t>
+              <a:t> que podem ser </a:t>
+            </a:r>
+            <a:br>
+              <a:rPr lang="pt-BR" dirty="0"/>
+            </a:br>
+            <a:r>
+              <a:rPr lang="pt-BR" dirty="0"/>
+              <a:t>utilizadas para </a:t>
             </a:r>
             <a:r>
               <a:rPr lang="pt-BR" dirty="0">
@@ -33427,7 +40444,7 @@
             <a:pPr lvl="1"/>
             <a:r>
               <a:rPr lang="pt-BR" dirty="0"/>
-              <a:t>Separa condicionais que terminam com </a:t>
+              <a:t>Separando condicionais que terminam com </a:t>
             </a:r>
             <a:r>
               <a:rPr lang="pt-BR" dirty="0" err="1"/>
@@ -39614,6 +46631,15 @@
 </file>
 
 <file path=customXml/item1.xml><?xml version="1.0" encoding="utf-8"?>
+<?mso-contentType ?>
+<FormTemplates xmlns="http://schemas.microsoft.com/sharepoint/v3/contenttype/forms">
+  <Display>DocumentLibraryForm</Display>
+  <Edit>DocumentLibraryForm</Edit>
+  <New>DocumentLibraryForm</New>
+</FormTemplates>
+</file>
+
+<file path=customXml/item2.xml><?xml version="1.0" encoding="utf-8"?>
 <ct:contentTypeSchema xmlns:ct="http://schemas.microsoft.com/office/2006/metadata/contentType" xmlns:ma="http://schemas.microsoft.com/office/2006/metadata/properties/metaAttributes" ct:_="" ma:_="" ma:contentTypeName="Document" ma:contentTypeID="0x010100AA3F7D94069FF64A86F7DFF56D60E3BE" ma:contentTypeVersion="6" ma:contentTypeDescription="Create a new document." ma:contentTypeScope="" ma:versionID="c32302c77d4085ecf495bdddb7f5e889">
   <xsd:schema xmlns:xsd="http://www.w3.org/2001/XMLSchema" xmlns:xs="http://www.w3.org/2001/XMLSchema" xmlns:p="http://schemas.microsoft.com/office/2006/metadata/properties" xmlns:ns2="a4f35948-e619-41b3-aa29-22878b09cfd2" xmlns:ns3="40262f94-9f35-4ac3-9a90-690165a166b7" targetNamespace="http://schemas.microsoft.com/office/2006/metadata/properties" ma:root="true" ma:fieldsID="4ab5ae46be95f9d0be6107e8200be7a2" ns2:_="" ns3:_="">
     <xsd:import namespace="a4f35948-e619-41b3-aa29-22878b09cfd2"/>
@@ -39794,7 +46820,7 @@
 </ct:contentTypeSchema>
 </file>
 
-<file path=customXml/item2.xml><?xml version="1.0" encoding="utf-8"?>
+<file path=customXml/item3.xml><?xml version="1.0" encoding="utf-8"?>
 <p:properties xmlns:p="http://schemas.microsoft.com/office/2006/metadata/properties" xmlns:xsi="http://www.w3.org/2001/XMLSchema-instance" xmlns:pc="http://schemas.microsoft.com/office/infopath/2007/PartnerControls">
   <documentManagement>
     <VSO_x0020_item_x0020_id xmlns="40262f94-9f35-4ac3-9a90-690165a166b7" xsi:nil="true"/>
@@ -39805,16 +46831,15 @@
 </p:properties>
 </file>
 
-<file path=customXml/item3.xml><?xml version="1.0" encoding="utf-8"?>
-<?mso-contentType ?>
-<FormTemplates xmlns="http://schemas.microsoft.com/sharepoint/v3/contenttype/forms">
-  <Display>DocumentLibraryForm</Display>
-  <Edit>DocumentLibraryForm</Edit>
-  <New>DocumentLibraryForm</New>
-</FormTemplates>
+<file path=customXml/itemProps1.xml><?xml version="1.0" encoding="utf-8"?>
+<ds:datastoreItem xmlns:ds="http://schemas.openxmlformats.org/officeDocument/2006/customXml" ds:itemID="{2B6DE00F-F2BC-4082-AB87-D0D78777DE1E}">
+  <ds:schemaRefs>
+    <ds:schemaRef ds:uri="http://schemas.microsoft.com/sharepoint/v3/contenttype/forms"/>
+  </ds:schemaRefs>
+</ds:datastoreItem>
 </file>
 
-<file path=customXml/itemProps1.xml><?xml version="1.0" encoding="utf-8"?>
+<file path=customXml/itemProps2.xml><?xml version="1.0" encoding="utf-8"?>
 <ds:datastoreItem xmlns:ds="http://schemas.openxmlformats.org/officeDocument/2006/customXml" ds:itemID="{E6A2223A-9182-462D-922F-5606A5A90760}">
   <ds:schemaRefs>
     <ds:schemaRef ds:uri="http://schemas.microsoft.com/office/2006/metadata/contentType"/>
@@ -39833,7 +46858,7 @@
 </ds:datastoreItem>
 </file>
 
-<file path=customXml/itemProps2.xml><?xml version="1.0" encoding="utf-8"?>
+<file path=customXml/itemProps3.xml><?xml version="1.0" encoding="utf-8"?>
 <ds:datastoreItem xmlns:ds="http://schemas.openxmlformats.org/officeDocument/2006/customXml" ds:itemID="{045C5BB1-9D2C-412A-AE6C-0FC75190A4CE}">
   <ds:schemaRefs>
     <ds:schemaRef ds:uri="http://schemas.microsoft.com/office/2006/metadata/properties"/>
@@ -39841,12 +46866,4 @@
     <ds:schemaRef ds:uri="40262f94-9f35-4ac3-9a90-690165a166b7"/>
   </ds:schemaRefs>
 </ds:datastoreItem>
-</file>
-
-<file path=customXml/itemProps3.xml><?xml version="1.0" encoding="utf-8"?>
-<ds:datastoreItem xmlns:ds="http://schemas.openxmlformats.org/officeDocument/2006/customXml" ds:itemID="{2B6DE00F-F2BC-4082-AB87-D0D78777DE1E}">
-  <ds:schemaRefs>
-    <ds:schemaRef ds:uri="http://schemas.microsoft.com/sharepoint/v3/contenttype/forms"/>
-  </ds:schemaRefs>
-</ds:datastoreItem>
 </file>